--- a/2023 Hackathon Presentation - Team Mu Final_V1.pptx
+++ b/2023 Hackathon Presentation - Team Mu Final_V1.pptx
@@ -5,20 +5,22 @@
     <p:sldMasterId id="2147483648" r:id="rId4"/>
   </p:sldMasterIdLst>
   <p:notesMasterIdLst>
-    <p:notesMasterId r:id="rId13"/>
+    <p:notesMasterId r:id="rId15"/>
   </p:notesMasterIdLst>
   <p:handoutMasterIdLst>
-    <p:handoutMasterId r:id="rId14"/>
+    <p:handoutMasterId r:id="rId16"/>
   </p:handoutMasterIdLst>
   <p:sldIdLst>
     <p:sldId id="267" r:id="rId5"/>
     <p:sldId id="278" r:id="rId6"/>
-    <p:sldId id="282" r:id="rId7"/>
-    <p:sldId id="286" r:id="rId8"/>
-    <p:sldId id="283" r:id="rId9"/>
-    <p:sldId id="285" r:id="rId10"/>
-    <p:sldId id="274" r:id="rId11"/>
-    <p:sldId id="277" r:id="rId12"/>
+    <p:sldId id="287" r:id="rId7"/>
+    <p:sldId id="289" r:id="rId8"/>
+    <p:sldId id="286" r:id="rId9"/>
+    <p:sldId id="282" r:id="rId10"/>
+    <p:sldId id="283" r:id="rId11"/>
+    <p:sldId id="285" r:id="rId12"/>
+    <p:sldId id="274" r:id="rId13"/>
+    <p:sldId id="290" r:id="rId14"/>
   </p:sldIdLst>
   <p:sldSz cx="9144000" cy="5143500" type="screen16x9"/>
   <p:notesSz cx="9144000" cy="6858000"/>
@@ -145,6 +147,14 @@
 </p:cmAuthorLst>
 </file>
 
+<file path=ppt/revisionInfo.xml><?xml version="1.0" encoding="utf-8"?>
+<p1510:revInfo xmlns:a="http://schemas.openxmlformats.org/drawingml/2006/main" xmlns:r="http://schemas.openxmlformats.org/officeDocument/2006/relationships" xmlns:p1510="http://schemas.microsoft.com/office/powerpoint/2015/10/main">
+  <p1510:revLst>
+    <p1510:client id="{EF359D7C-D1DD-4967-9B9F-29944CD91A8B}" v="6" dt="2023-01-29T19:00:01.367"/>
+  </p1510:revLst>
+</p1510:revInfo>
+</file>
+
 <file path=ppt/handoutMasters/handoutMaster1.xml><?xml version="1.0" encoding="utf-8"?>
 <p:handoutMaster xmlns:a="http://schemas.openxmlformats.org/drawingml/2006/main" xmlns:r="http://schemas.openxmlformats.org/officeDocument/2006/relationships" xmlns:p="http://schemas.openxmlformats.org/presentationml/2006/main">
   <p:cSld>
@@ -239,7 +249,7 @@
           <a:p>
             <a:fld id="{B6A96DAC-9A41-4AE2-9F8F-C4A854C502E9}" type="datetimeFigureOut">
               <a:rPr lang="en-US" smtClean="0"/>
-              <a:t>1/28/2023</a:t>
+              <a:t>1/29/2023</a:t>
             </a:fld>
             <a:endParaRPr lang="en-US"/>
           </a:p>
@@ -417,7 +427,7 @@
             <a:fld id="{3D84505F-E001-464B-84E9-98212E63654B}" type="datetimeFigureOut">
               <a:rPr lang="en-US" smtClean="0"/>
               <a:pPr/>
-              <a:t>1/28/2023</a:t>
+              <a:t>1/29/2023</a:t>
             </a:fld>
             <a:endParaRPr lang="en-US"/>
           </a:p>
@@ -761,6 +771,176 @@
     <p:extLst>
       <p:ext uri="{BB962C8B-B14F-4D97-AF65-F5344CB8AC3E}">
         <p14:creationId xmlns:p14="http://schemas.microsoft.com/office/powerpoint/2010/main" val="4286721819"/>
+      </p:ext>
+    </p:extLst>
+  </p:cSld>
+  <p:clrMapOvr>
+    <a:masterClrMapping/>
+  </p:clrMapOvr>
+</p:notes>
+</file>
+
+<file path=ppt/notesSlides/notesSlide2.xml><?xml version="1.0" encoding="utf-8"?>
+<p:notes xmlns:a="http://schemas.openxmlformats.org/drawingml/2006/main" xmlns:r="http://schemas.openxmlformats.org/officeDocument/2006/relationships" xmlns:p="http://schemas.openxmlformats.org/presentationml/2006/main">
+  <p:cSld>
+    <p:spTree>
+      <p:nvGrpSpPr>
+        <p:cNvPr id="1" name=""/>
+        <p:cNvGrpSpPr/>
+        <p:nvPr/>
+      </p:nvGrpSpPr>
+      <p:grpSpPr>
+        <a:xfrm>
+          <a:off x="0" y="0"/>
+          <a:ext cx="0" cy="0"/>
+          <a:chOff x="0" y="0"/>
+          <a:chExt cx="0" cy="0"/>
+        </a:xfrm>
+      </p:grpSpPr>
+      <p:sp>
+        <p:nvSpPr>
+          <p:cNvPr id="2" name="Slide Image Placeholder 1"/>
+          <p:cNvSpPr>
+            <a:spLocks noGrp="1" noRot="1" noChangeAspect="1"/>
+          </p:cNvSpPr>
+          <p:nvPr>
+            <p:ph type="sldImg"/>
+          </p:nvPr>
+        </p:nvSpPr>
+        <p:spPr/>
+      </p:sp>
+      <p:sp>
+        <p:nvSpPr>
+          <p:cNvPr id="3" name="Notes Placeholder 2"/>
+          <p:cNvSpPr>
+            <a:spLocks noGrp="1"/>
+          </p:cNvSpPr>
+          <p:nvPr>
+            <p:ph type="body" idx="1"/>
+          </p:nvPr>
+        </p:nvSpPr>
+        <p:spPr/>
+        <p:txBody>
+          <a:bodyPr/>
+          <a:lstStyle/>
+          <a:p>
+            <a:endParaRPr lang="en-US" dirty="0"/>
+          </a:p>
+        </p:txBody>
+      </p:sp>
+      <p:sp>
+        <p:nvSpPr>
+          <p:cNvPr id="4" name="Slide Number Placeholder 3"/>
+          <p:cNvSpPr>
+            <a:spLocks noGrp="1"/>
+          </p:cNvSpPr>
+          <p:nvPr>
+            <p:ph type="sldNum" sz="quarter" idx="5"/>
+          </p:nvPr>
+        </p:nvSpPr>
+        <p:spPr/>
+        <p:txBody>
+          <a:bodyPr/>
+          <a:lstStyle/>
+          <a:p>
+            <a:fld id="{0101DBF5-6C23-44D5-8E63-337588E693CF}" type="slidenum">
+              <a:rPr lang="en-US" smtClean="0"/>
+              <a:pPr/>
+              <a:t>3</a:t>
+            </a:fld>
+            <a:endParaRPr lang="en-US"/>
+          </a:p>
+        </p:txBody>
+      </p:sp>
+    </p:spTree>
+    <p:extLst>
+      <p:ext uri="{BB962C8B-B14F-4D97-AF65-F5344CB8AC3E}">
+        <p14:creationId xmlns:p14="http://schemas.microsoft.com/office/powerpoint/2010/main" val="836718882"/>
+      </p:ext>
+    </p:extLst>
+  </p:cSld>
+  <p:clrMapOvr>
+    <a:masterClrMapping/>
+  </p:clrMapOvr>
+</p:notes>
+</file>
+
+<file path=ppt/notesSlides/notesSlide3.xml><?xml version="1.0" encoding="utf-8"?>
+<p:notes xmlns:a="http://schemas.openxmlformats.org/drawingml/2006/main" xmlns:r="http://schemas.openxmlformats.org/officeDocument/2006/relationships" xmlns:p="http://schemas.openxmlformats.org/presentationml/2006/main">
+  <p:cSld>
+    <p:spTree>
+      <p:nvGrpSpPr>
+        <p:cNvPr id="1" name=""/>
+        <p:cNvGrpSpPr/>
+        <p:nvPr/>
+      </p:nvGrpSpPr>
+      <p:grpSpPr>
+        <a:xfrm>
+          <a:off x="0" y="0"/>
+          <a:ext cx="0" cy="0"/>
+          <a:chOff x="0" y="0"/>
+          <a:chExt cx="0" cy="0"/>
+        </a:xfrm>
+      </p:grpSpPr>
+      <p:sp>
+        <p:nvSpPr>
+          <p:cNvPr id="2" name="Slide Image Placeholder 1"/>
+          <p:cNvSpPr>
+            <a:spLocks noGrp="1" noRot="1" noChangeAspect="1"/>
+          </p:cNvSpPr>
+          <p:nvPr>
+            <p:ph type="sldImg"/>
+          </p:nvPr>
+        </p:nvSpPr>
+        <p:spPr/>
+      </p:sp>
+      <p:sp>
+        <p:nvSpPr>
+          <p:cNvPr id="3" name="Notes Placeholder 2"/>
+          <p:cNvSpPr>
+            <a:spLocks noGrp="1"/>
+          </p:cNvSpPr>
+          <p:nvPr>
+            <p:ph type="body" idx="1"/>
+          </p:nvPr>
+        </p:nvSpPr>
+        <p:spPr/>
+        <p:txBody>
+          <a:bodyPr/>
+          <a:lstStyle/>
+          <a:p>
+            <a:endParaRPr lang="en-US" dirty="0"/>
+          </a:p>
+        </p:txBody>
+      </p:sp>
+      <p:sp>
+        <p:nvSpPr>
+          <p:cNvPr id="4" name="Slide Number Placeholder 3"/>
+          <p:cNvSpPr>
+            <a:spLocks noGrp="1"/>
+          </p:cNvSpPr>
+          <p:nvPr>
+            <p:ph type="sldNum" sz="quarter" idx="5"/>
+          </p:nvPr>
+        </p:nvSpPr>
+        <p:spPr/>
+        <p:txBody>
+          <a:bodyPr/>
+          <a:lstStyle/>
+          <a:p>
+            <a:fld id="{0101DBF5-6C23-44D5-8E63-337588E693CF}" type="slidenum">
+              <a:rPr lang="en-US" smtClean="0"/>
+              <a:pPr/>
+              <a:t>4</a:t>
+            </a:fld>
+            <a:endParaRPr lang="en-US"/>
+          </a:p>
+        </p:txBody>
+      </p:sp>
+    </p:spTree>
+    <p:extLst>
+      <p:ext uri="{BB962C8B-B14F-4D97-AF65-F5344CB8AC3E}">
+        <p14:creationId xmlns:p14="http://schemas.microsoft.com/office/powerpoint/2010/main" val="3513247438"/>
       </p:ext>
     </p:extLst>
   </p:cSld>
@@ -11912,6 +12092,96 @@
 </p:sld>
 </file>
 
+<file path=ppt/slides/slide10.xml><?xml version="1.0" encoding="utf-8"?>
+<p:sld xmlns:a="http://schemas.openxmlformats.org/drawingml/2006/main" xmlns:r="http://schemas.openxmlformats.org/officeDocument/2006/relationships" xmlns:p="http://schemas.openxmlformats.org/presentationml/2006/main">
+  <p:cSld>
+    <p:spTree>
+      <p:nvGrpSpPr>
+        <p:cNvPr id="1" name=""/>
+        <p:cNvGrpSpPr/>
+        <p:nvPr/>
+      </p:nvGrpSpPr>
+      <p:grpSpPr>
+        <a:xfrm>
+          <a:off x="0" y="0"/>
+          <a:ext cx="0" cy="0"/>
+          <a:chOff x="0" y="0"/>
+          <a:chExt cx="0" cy="0"/>
+        </a:xfrm>
+      </p:grpSpPr>
+      <p:pic>
+        <p:nvPicPr>
+          <p:cNvPr id="9" name="Picture 8">
+            <a:extLst>
+              <a:ext uri="{FF2B5EF4-FFF2-40B4-BE49-F238E27FC236}">
+                <a16:creationId xmlns:a16="http://schemas.microsoft.com/office/drawing/2014/main" id="{C77B4559-30F1-8B2D-0C3B-B870DFB10A82}"/>
+              </a:ext>
+            </a:extLst>
+          </p:cNvPr>
+          <p:cNvPicPr>
+            <a:picLocks noChangeAspect="1"/>
+          </p:cNvPicPr>
+          <p:nvPr/>
+        </p:nvPicPr>
+        <p:blipFill>
+          <a:blip r:embed="rId2"/>
+          <a:stretch>
+            <a:fillRect/>
+          </a:stretch>
+        </p:blipFill>
+        <p:spPr>
+          <a:xfrm>
+            <a:off x="0" y="19463"/>
+            <a:ext cx="9144000" cy="5124037"/>
+          </a:xfrm>
+          <a:prstGeom prst="rect">
+            <a:avLst/>
+          </a:prstGeom>
+        </p:spPr>
+      </p:pic>
+      <p:pic>
+        <p:nvPicPr>
+          <p:cNvPr id="11" name="Picture 10">
+            <a:extLst>
+              <a:ext uri="{FF2B5EF4-FFF2-40B4-BE49-F238E27FC236}">
+                <a16:creationId xmlns:a16="http://schemas.microsoft.com/office/drawing/2014/main" id="{F7C16FC0-4D1F-7A8E-8D92-13E63551E9F2}"/>
+              </a:ext>
+            </a:extLst>
+          </p:cNvPr>
+          <p:cNvPicPr>
+            <a:picLocks noChangeAspect="1"/>
+          </p:cNvPicPr>
+          <p:nvPr/>
+        </p:nvPicPr>
+        <p:blipFill>
+          <a:blip r:embed="rId3"/>
+          <a:stretch>
+            <a:fillRect/>
+          </a:stretch>
+        </p:blipFill>
+        <p:spPr>
+          <a:xfrm>
+            <a:off x="6645574" y="3048000"/>
+            <a:ext cx="2498426" cy="2095499"/>
+          </a:xfrm>
+          <a:prstGeom prst="rect">
+            <a:avLst/>
+          </a:prstGeom>
+        </p:spPr>
+      </p:pic>
+    </p:spTree>
+    <p:extLst>
+      <p:ext uri="{BB962C8B-B14F-4D97-AF65-F5344CB8AC3E}">
+        <p14:creationId xmlns:p14="http://schemas.microsoft.com/office/powerpoint/2010/main" val="272001960"/>
+      </p:ext>
+    </p:extLst>
+  </p:cSld>
+  <p:clrMapOvr>
+    <a:masterClrMapping/>
+  </p:clrMapOvr>
+</p:sld>
+</file>
+
 <file path=ppt/slides/slide2.xml><?xml version="1.0" encoding="utf-8"?>
 <p:sld xmlns:a="http://schemas.openxmlformats.org/drawingml/2006/main" xmlns:r="http://schemas.openxmlformats.org/officeDocument/2006/relationships" xmlns:p="http://schemas.openxmlformats.org/presentationml/2006/main">
   <p:cSld>
@@ -12115,7 +12385,7 @@
           <p:cNvPr id="2" name="Title 1">
             <a:extLst>
               <a:ext uri="{FF2B5EF4-FFF2-40B4-BE49-F238E27FC236}">
-                <a16:creationId xmlns:a16="http://schemas.microsoft.com/office/drawing/2014/main" id="{F78B1FC3-3F92-310E-3974-00FC0BA8177C}"/>
+                <a16:creationId xmlns:a16="http://schemas.microsoft.com/office/drawing/2014/main" id="{1C739176-1A1C-046E-E13C-8E93D0D12E0C}"/>
               </a:ext>
             </a:extLst>
           </p:cNvPr>
@@ -12128,8 +12398,8 @@
         </p:nvSpPr>
         <p:spPr>
           <a:xfrm>
-            <a:off x="517895" y="57093"/>
-            <a:ext cx="8229600" cy="564356"/>
+            <a:off x="417368" y="2289572"/>
+            <a:ext cx="4784682" cy="564356"/>
           </a:xfrm>
         </p:spPr>
         <p:txBody>
@@ -12139,143 +12409,18 @@
           <a:lstStyle/>
           <a:p>
             <a:r>
-              <a:rPr lang="en-US" sz="2800" dirty="0"/>
-              <a:t>Problem </a:t>
-            </a:r>
-          </a:p>
-        </p:txBody>
-      </p:sp>
-      <p:sp>
-        <p:nvSpPr>
-          <p:cNvPr id="3" name="TextBox 2">
-            <a:extLst>
-              <a:ext uri="{FF2B5EF4-FFF2-40B4-BE49-F238E27FC236}">
-                <a16:creationId xmlns:a16="http://schemas.microsoft.com/office/drawing/2014/main" id="{573E98DB-8AE7-C5D5-A426-8625BD2DE0FE}"/>
-              </a:ext>
-            </a:extLst>
-          </p:cNvPr>
-          <p:cNvSpPr txBox="1"/>
-          <p:nvPr/>
-        </p:nvSpPr>
-        <p:spPr>
-          <a:xfrm>
-            <a:off x="396505" y="621449"/>
-            <a:ext cx="5430981" cy="4154984"/>
-          </a:xfrm>
-          <a:prstGeom prst="rect">
-            <a:avLst/>
-          </a:prstGeom>
-          <a:noFill/>
-        </p:spPr>
-        <p:txBody>
-          <a:bodyPr wrap="square" rtlCol="0">
-            <a:spAutoFit/>
-          </a:bodyPr>
-          <a:lstStyle/>
-          <a:p>
-            <a:pPr algn="l">
-              <a:buFont typeface="+mj-lt"/>
-              <a:buAutoNum type="arabicPeriod"/>
-            </a:pPr>
-            <a:r>
-              <a:rPr lang="en-US" sz="2200" b="0" i="0" dirty="0">
-                <a:solidFill>
-                  <a:srgbClr val="374151"/>
-                </a:solidFill>
-                <a:effectLst/>
-                <a:latin typeface="Söhne"/>
-              </a:rPr>
-              <a:t>Compatibility issues with custom packages and newer versions of Acumatica.</a:t>
-            </a:r>
-          </a:p>
-          <a:p>
-            <a:pPr algn="l">
-              <a:buFont typeface="+mj-lt"/>
-              <a:buAutoNum type="arabicPeriod"/>
-            </a:pPr>
-            <a:r>
-              <a:rPr lang="en-US" sz="2200" b="0" i="0" dirty="0">
-                <a:solidFill>
-                  <a:srgbClr val="374151"/>
-                </a:solidFill>
-                <a:effectLst/>
-                <a:latin typeface="Söhne"/>
-              </a:rPr>
-              <a:t>Limited ability to publish packages on-demand in production environment.</a:t>
-            </a:r>
-          </a:p>
-          <a:p>
-            <a:pPr algn="l">
-              <a:buFont typeface="+mj-lt"/>
-              <a:buAutoNum type="arabicPeriod"/>
-            </a:pPr>
-            <a:r>
-              <a:rPr lang="en-US" sz="2200" b="0" i="0" dirty="0">
-                <a:solidFill>
-                  <a:srgbClr val="374151"/>
-                </a:solidFill>
-                <a:effectLst/>
-                <a:latin typeface="Söhne"/>
-              </a:rPr>
-              <a:t>Difficulty communicating and working with partners/ISVs to fix errors.</a:t>
-            </a:r>
-          </a:p>
-          <a:p>
-            <a:pPr algn="l">
-              <a:buFont typeface="+mj-lt"/>
-              <a:buAutoNum type="arabicPeriod"/>
-            </a:pPr>
-            <a:r>
-              <a:rPr lang="en-US" sz="2200" b="0" i="0" dirty="0">
-                <a:solidFill>
-                  <a:srgbClr val="374151"/>
-                </a:solidFill>
-                <a:effectLst/>
-                <a:latin typeface="Söhne"/>
-              </a:rPr>
-              <a:t>Difficulty remembering to publish packages during non-office hours.</a:t>
-            </a:r>
-          </a:p>
-          <a:p>
-            <a:pPr algn="l">
-              <a:buFont typeface="+mj-lt"/>
-              <a:buAutoNum type="arabicPeriod"/>
-            </a:pPr>
-            <a:r>
-              <a:rPr lang="en-US" sz="2200" b="0" i="0" dirty="0">
-                <a:solidFill>
-                  <a:srgbClr val="374151"/>
-                </a:solidFill>
-                <a:effectLst/>
-                <a:latin typeface="Söhne"/>
-              </a:rPr>
-              <a:t>Frustration caused by the challenges of customizing Acumatica.</a:t>
-            </a:r>
-          </a:p>
-          <a:p>
-            <a:pPr algn="l">
-              <a:buFont typeface="+mj-lt"/>
-              <a:buAutoNum type="arabicPeriod"/>
-            </a:pPr>
-            <a:r>
-              <a:rPr lang="en-US" sz="2200" b="0" i="0" dirty="0">
-                <a:solidFill>
-                  <a:srgbClr val="374151"/>
-                </a:solidFill>
-                <a:effectLst/>
-                <a:latin typeface="Söhne"/>
-              </a:rPr>
-              <a:t>Difficulty reaching out to other side of the development world to find a fix.</a:t>
+              <a:rPr lang="en-US" sz="2000" dirty="0"/>
+              <a:t>Key Takeaway </a:t>
             </a:r>
           </a:p>
         </p:txBody>
       </p:sp>
       <p:pic>
         <p:nvPicPr>
-          <p:cNvPr id="4" name="Picture 3">
-            <a:extLst>
-              <a:ext uri="{FF2B5EF4-FFF2-40B4-BE49-F238E27FC236}">
-                <a16:creationId xmlns:a16="http://schemas.microsoft.com/office/drawing/2014/main" id="{B3F527B6-8F08-AE66-9EDA-500AD3FDB12C}"/>
+          <p:cNvPr id="9" name="Picture 8" descr="Logo&#10;&#10;Description automatically generated with low confidence">
+            <a:extLst>
+              <a:ext uri="{FF2B5EF4-FFF2-40B4-BE49-F238E27FC236}">
+                <a16:creationId xmlns:a16="http://schemas.microsoft.com/office/drawing/2014/main" id="{8A3FCC9A-E3E3-BF60-FFF7-28E2D6F1026F}"/>
               </a:ext>
             </a:extLst>
           </p:cNvPr>
@@ -12285,25 +12430,57 @@
           <p:nvPr/>
         </p:nvPicPr>
         <p:blipFill>
-          <a:blip r:embed="rId2"/>
+          <a:blip r:embed="rId3">
+            <a:extLst>
+              <a:ext uri="{28A0092B-C50C-407E-A947-70E740481C1C}">
+                <a14:useLocalDpi xmlns:a14="http://schemas.microsoft.com/office/drawing/2010/main" val="0"/>
+              </a:ext>
+            </a:extLst>
+          </a:blip>
           <a:stretch>
             <a:fillRect/>
           </a:stretch>
         </p:blipFill>
         <p:spPr>
           <a:xfrm>
-            <a:off x="5582218" y="1336719"/>
-            <a:ext cx="3496468" cy="3024824"/>
-          </a:xfrm>
-          <a:prstGeom prst="rect">
-            <a:avLst/>
-          </a:prstGeom>
+            <a:off x="4334741" y="284018"/>
+            <a:ext cx="4391891" cy="4391891"/>
+          </a:xfrm>
+          <a:prstGeom prst="roundRect">
+            <a:avLst>
+              <a:gd name="adj" fmla="val 4167"/>
+            </a:avLst>
+          </a:prstGeom>
+          <a:solidFill>
+            <a:srgbClr val="FFFFFF"/>
+          </a:solidFill>
+          <a:ln w="76200" cap="sq">
+            <a:solidFill>
+              <a:srgbClr val="292929"/>
+            </a:solidFill>
+            <a:miter lim="800000"/>
+          </a:ln>
+          <a:effectLst>
+            <a:reflection blurRad="12700" stA="28000" endPos="28000" dist="5000" dir="5400000" sy="-100000" algn="bl" rotWithShape="0"/>
+          </a:effectLst>
+          <a:scene3d>
+            <a:camera prst="orthographicFront"/>
+            <a:lightRig rig="threePt" dir="t">
+              <a:rot lat="0" lon="0" rev="2700000"/>
+            </a:lightRig>
+          </a:scene3d>
+          <a:sp3d>
+            <a:bevelT h="38100"/>
+            <a:contourClr>
+              <a:srgbClr val="C0C0C0"/>
+            </a:contourClr>
+          </a:sp3d>
         </p:spPr>
       </p:pic>
     </p:spTree>
     <p:extLst>
       <p:ext uri="{BB962C8B-B14F-4D97-AF65-F5344CB8AC3E}">
-        <p14:creationId xmlns:p14="http://schemas.microsoft.com/office/powerpoint/2010/main" val="3872044811"/>
+        <p14:creationId xmlns:p14="http://schemas.microsoft.com/office/powerpoint/2010/main" val="86333387"/>
       </p:ext>
     </p:extLst>
   </p:cSld>
@@ -12335,7 +12512,7 @@
           <p:cNvPr id="2" name="Title 1">
             <a:extLst>
               <a:ext uri="{FF2B5EF4-FFF2-40B4-BE49-F238E27FC236}">
-                <a16:creationId xmlns:a16="http://schemas.microsoft.com/office/drawing/2014/main" id="{32F3AE68-302C-A652-91B1-2C01BE8EE24B}"/>
+                <a16:creationId xmlns:a16="http://schemas.microsoft.com/office/drawing/2014/main" id="{1C739176-1A1C-046E-E13C-8E93D0D12E0C}"/>
               </a:ext>
             </a:extLst>
           </p:cNvPr>
@@ -12346,31 +12523,31 @@
             <p:ph type="title"/>
           </p:nvPr>
         </p:nvSpPr>
-        <p:spPr/>
+        <p:spPr>
+          <a:xfrm>
+            <a:off x="417368" y="2289572"/>
+            <a:ext cx="4784682" cy="564356"/>
+          </a:xfrm>
+        </p:spPr>
         <p:txBody>
           <a:bodyPr>
-            <a:noAutofit/>
+            <a:normAutofit/>
           </a:bodyPr>
           <a:lstStyle/>
           <a:p>
             <a:r>
-              <a:rPr lang="en-US" sz="2800" dirty="0"/>
-              <a:t>Let’s Demo </a:t>
-            </a:r>
-            <a:r>
-              <a:rPr lang="en-US" sz="2800" dirty="0" err="1"/>
-              <a:t>AutoMatica</a:t>
-            </a:r>
-            <a:endParaRPr lang="en-US" sz="2800" dirty="0"/>
+              <a:rPr lang="en-US" sz="2000" dirty="0"/>
+              <a:t>I am in control of my time</a:t>
+            </a:r>
           </a:p>
         </p:txBody>
       </p:sp>
       <p:pic>
         <p:nvPicPr>
-          <p:cNvPr id="3" name="Picture 2" descr="Logo&#10;&#10;Description automatically generated with low confidence">
-            <a:extLst>
-              <a:ext uri="{FF2B5EF4-FFF2-40B4-BE49-F238E27FC236}">
-                <a16:creationId xmlns:a16="http://schemas.microsoft.com/office/drawing/2014/main" id="{77C14B55-BEA8-34C3-E5AD-8F67A70A154D}"/>
+          <p:cNvPr id="9" name="Picture 8" descr="Logo&#10;&#10;Description automatically generated with low confidence">
+            <a:extLst>
+              <a:ext uri="{FF2B5EF4-FFF2-40B4-BE49-F238E27FC236}">
+                <a16:creationId xmlns:a16="http://schemas.microsoft.com/office/drawing/2014/main" id="{8A3FCC9A-E3E3-BF60-FFF7-28E2D6F1026F}"/>
               </a:ext>
             </a:extLst>
           </p:cNvPr>
@@ -12380,7 +12557,7 @@
           <p:nvPr/>
         </p:nvPicPr>
         <p:blipFill>
-          <a:blip r:embed="rId2">
+          <a:blip r:embed="rId3">
             <a:extLst>
               <a:ext uri="{28A0092B-C50C-407E-A947-70E740481C1C}">
                 <a14:useLocalDpi xmlns:a14="http://schemas.microsoft.com/office/drawing/2010/main" val="0"/>
@@ -12393,77 +12570,44 @@
         </p:blipFill>
         <p:spPr>
           <a:xfrm>
-            <a:off x="2469656" y="701278"/>
-            <a:ext cx="3473945" cy="3473945"/>
-          </a:xfrm>
-          <a:prstGeom prst="ellipse">
-            <a:avLst/>
-          </a:prstGeom>
-          <a:ln w="63500" cap="rnd">
+            <a:off x="4334741" y="284018"/>
+            <a:ext cx="4391891" cy="4391891"/>
+          </a:xfrm>
+          <a:prstGeom prst="roundRect">
+            <a:avLst>
+              <a:gd name="adj" fmla="val 4167"/>
+            </a:avLst>
+          </a:prstGeom>
+          <a:solidFill>
+            <a:srgbClr val="FFFFFF"/>
+          </a:solidFill>
+          <a:ln w="76200" cap="sq">
             <a:solidFill>
-              <a:srgbClr val="333333"/>
+              <a:srgbClr val="292929"/>
             </a:solidFill>
+            <a:miter lim="800000"/>
           </a:ln>
           <a:effectLst>
-            <a:outerShdw blurRad="381000" dist="292100" dir="5400000" sx="-80000" sy="-18000" rotWithShape="0">
-              <a:srgbClr val="000000">
-                <a:alpha val="22000"/>
-              </a:srgbClr>
-            </a:outerShdw>
+            <a:reflection blurRad="12700" stA="28000" endPos="28000" dist="5000" dir="5400000" sy="-100000" algn="bl" rotWithShape="0"/>
           </a:effectLst>
           <a:scene3d>
             <a:camera prst="orthographicFront"/>
-            <a:lightRig rig="contrasting" dir="t">
-              <a:rot lat="0" lon="0" rev="3000000"/>
+            <a:lightRig rig="threePt" dir="t">
+              <a:rot lat="0" lon="0" rev="2700000"/>
             </a:lightRig>
           </a:scene3d>
-          <a:sp3d contourW="7620">
-            <a:bevelT w="95250" h="31750"/>
+          <a:sp3d>
+            <a:bevelT h="38100"/>
             <a:contourClr>
-              <a:srgbClr val="333333"/>
+              <a:srgbClr val="C0C0C0"/>
             </a:contourClr>
           </a:sp3d>
         </p:spPr>
       </p:pic>
-      <p:sp>
-        <p:nvSpPr>
-          <p:cNvPr id="4" name="TextBox 3">
-            <a:extLst>
-              <a:ext uri="{FF2B5EF4-FFF2-40B4-BE49-F238E27FC236}">
-                <a16:creationId xmlns:a16="http://schemas.microsoft.com/office/drawing/2014/main" id="{C90F9668-C5F0-92B7-EB40-F35227C36679}"/>
-              </a:ext>
-            </a:extLst>
-          </p:cNvPr>
-          <p:cNvSpPr txBox="1"/>
-          <p:nvPr/>
-        </p:nvSpPr>
-        <p:spPr>
-          <a:xfrm>
-            <a:off x="3188524" y="4385275"/>
-            <a:ext cx="3802743" cy="646331"/>
-          </a:xfrm>
-          <a:prstGeom prst="rect">
-            <a:avLst/>
-          </a:prstGeom>
-          <a:noFill/>
-        </p:spPr>
-        <p:txBody>
-          <a:bodyPr wrap="square" rtlCol="0">
-            <a:spAutoFit/>
-          </a:bodyPr>
-          <a:lstStyle/>
-          <a:p>
-            <a:r>
-              <a:rPr lang="en-US" sz="3600" dirty="0"/>
-              <a:t>Let’s Demo </a:t>
-            </a:r>
-          </a:p>
-        </p:txBody>
-      </p:sp>
     </p:spTree>
     <p:extLst>
       <p:ext uri="{BB962C8B-B14F-4D97-AF65-F5344CB8AC3E}">
-        <p14:creationId xmlns:p14="http://schemas.microsoft.com/office/powerpoint/2010/main" val="2000677321"/>
+        <p14:creationId xmlns:p14="http://schemas.microsoft.com/office/powerpoint/2010/main" val="462514645"/>
       </p:ext>
     </p:extLst>
   </p:cSld>
@@ -12492,133 +12636,10 @@
       </p:grpSpPr>
       <p:sp>
         <p:nvSpPr>
-          <p:cNvPr id="9" name="Content Placeholder 1">
-            <a:extLst>
-              <a:ext uri="{FF2B5EF4-FFF2-40B4-BE49-F238E27FC236}">
-                <a16:creationId xmlns:a16="http://schemas.microsoft.com/office/drawing/2014/main" id="{6380EC24-E8A6-01E5-633D-2FF9B73FC729}"/>
-              </a:ext>
-            </a:extLst>
-          </p:cNvPr>
-          <p:cNvSpPr>
-            <a:spLocks noGrp="1"/>
-          </p:cNvSpPr>
-          <p:nvPr>
-            <p:ph sz="quarter" idx="13"/>
-          </p:nvPr>
-        </p:nvSpPr>
-        <p:spPr>
-          <a:xfrm>
-            <a:off x="292923" y="1020762"/>
-            <a:ext cx="5222506" cy="3761695"/>
-          </a:xfrm>
-        </p:spPr>
-        <p:txBody>
-          <a:bodyPr/>
-          <a:lstStyle/>
-          <a:p>
-            <a:pPr marL="171450" indent="-171450" algn="l">
-              <a:buFont typeface="Arial" panose="020B0604020202020204" pitchFamily="34" charset="0"/>
-              <a:buChar char="•"/>
-            </a:pPr>
-            <a:r>
-              <a:rPr lang="en-US" sz="1400" b="0" i="0" dirty="0">
-                <a:solidFill>
-                  <a:srgbClr val="374151"/>
-                </a:solidFill>
-                <a:effectLst/>
-                <a:latin typeface="Söhne"/>
-              </a:rPr>
-              <a:t>Automation of Acumatica's Customization Manager, allowing for scheduling of upgrades and notifications during non-office hours.</a:t>
-            </a:r>
-          </a:p>
-          <a:p>
-            <a:pPr marL="171450" indent="-171450" algn="l">
-              <a:buFont typeface="Arial" panose="020B0604020202020204" pitchFamily="34" charset="0"/>
-              <a:buChar char="•"/>
-            </a:pPr>
-            <a:r>
-              <a:rPr lang="en-US" sz="1400" b="0" i="0" dirty="0">
-                <a:solidFill>
-                  <a:srgbClr val="374151"/>
-                </a:solidFill>
-                <a:effectLst/>
-                <a:latin typeface="Söhne"/>
-              </a:rPr>
-              <a:t>Ability to setup a Customization Profile, specifying package owner information and contact details. </a:t>
-            </a:r>
-          </a:p>
-          <a:p>
-            <a:pPr marL="171450" indent="-171450" algn="l">
-              <a:buFont typeface="Arial" panose="020B0604020202020204" pitchFamily="34" charset="0"/>
-              <a:buChar char="•"/>
-            </a:pPr>
-            <a:r>
-              <a:rPr lang="en-US" sz="1400" b="0" i="0" dirty="0">
-                <a:solidFill>
-                  <a:srgbClr val="374151"/>
-                </a:solidFill>
-                <a:effectLst/>
-                <a:latin typeface="Söhne"/>
-              </a:rPr>
-              <a:t>Notification of issues to package owner's technical teams via email, with trace details included.</a:t>
-            </a:r>
-          </a:p>
-          <a:p>
-            <a:pPr marL="171450" indent="-171450" algn="l">
-              <a:buFont typeface="Arial" panose="020B0604020202020204" pitchFamily="34" charset="0"/>
-              <a:buChar char="•"/>
-            </a:pPr>
-            <a:r>
-              <a:rPr lang="en-US" sz="1400" b="0" i="0" dirty="0">
-                <a:solidFill>
-                  <a:srgbClr val="374151"/>
-                </a:solidFill>
-                <a:effectLst/>
-                <a:latin typeface="Söhne"/>
-              </a:rPr>
-              <a:t>Increased efficiency and organization in managing custom packages.</a:t>
-            </a:r>
-          </a:p>
-          <a:p>
-            <a:pPr marL="171450" indent="-171450" algn="l">
-              <a:buFont typeface="Arial" panose="020B0604020202020204" pitchFamily="34" charset="0"/>
-              <a:buChar char="•"/>
-            </a:pPr>
-            <a:r>
-              <a:rPr lang="en-US" sz="1400" b="0" i="0" dirty="0">
-                <a:solidFill>
-                  <a:srgbClr val="374151"/>
-                </a:solidFill>
-                <a:effectLst/>
-                <a:latin typeface="Söhne"/>
-              </a:rPr>
-              <a:t>Reduced frustration and improved communication with package owners.</a:t>
-            </a:r>
-          </a:p>
-          <a:p>
-            <a:pPr marL="171450" indent="-171450" algn="l">
-              <a:buFont typeface="Arial" panose="020B0604020202020204" pitchFamily="34" charset="0"/>
-              <a:buChar char="•"/>
-            </a:pPr>
-            <a:r>
-              <a:rPr lang="en-US" sz="1400" b="0" i="0" dirty="0">
-                <a:solidFill>
-                  <a:srgbClr val="374151"/>
-                </a:solidFill>
-                <a:effectLst/>
-                <a:latin typeface="Söhne"/>
-              </a:rPr>
-              <a:t>Better tracking and monitoring of package publishing process.</a:t>
-            </a:r>
-          </a:p>
-        </p:txBody>
-      </p:sp>
-      <p:sp>
-        <p:nvSpPr>
-          <p:cNvPr id="11" name="Title 3">
-            <a:extLst>
-              <a:ext uri="{FF2B5EF4-FFF2-40B4-BE49-F238E27FC236}">
-                <a16:creationId xmlns:a16="http://schemas.microsoft.com/office/drawing/2014/main" id="{00E502F7-93D0-43C1-D09A-FBA5E9484906}"/>
+          <p:cNvPr id="2" name="Title 1">
+            <a:extLst>
+              <a:ext uri="{FF2B5EF4-FFF2-40B4-BE49-F238E27FC236}">
+                <a16:creationId xmlns:a16="http://schemas.microsoft.com/office/drawing/2014/main" id="{32F3AE68-302C-A652-91B1-2C01BE8EE24B}"/>
               </a:ext>
             </a:extLst>
           </p:cNvPr>
@@ -12629,30 +12650,31 @@
             <p:ph type="title"/>
           </p:nvPr>
         </p:nvSpPr>
-        <p:spPr>
-          <a:xfrm>
-            <a:off x="517895" y="136922"/>
-            <a:ext cx="8229600" cy="564356"/>
-          </a:xfrm>
-        </p:spPr>
+        <p:spPr/>
         <p:txBody>
-          <a:bodyPr/>
+          <a:bodyPr>
+            <a:noAutofit/>
+          </a:bodyPr>
           <a:lstStyle/>
           <a:p>
             <a:r>
               <a:rPr lang="en-US" sz="2800" dirty="0"/>
-              <a:t>Benefits</a:t>
-            </a:r>
-            <a:endParaRPr lang="en-US" dirty="0"/>
+              <a:t>Let’s Demo </a:t>
+            </a:r>
+            <a:r>
+              <a:rPr lang="en-US" sz="2800" dirty="0" err="1"/>
+              <a:t>AutoMatica</a:t>
+            </a:r>
+            <a:endParaRPr lang="en-US" sz="2800" dirty="0"/>
           </a:p>
         </p:txBody>
       </p:sp>
       <p:pic>
         <p:nvPicPr>
-          <p:cNvPr id="8" name="Picture 7">
-            <a:extLst>
-              <a:ext uri="{FF2B5EF4-FFF2-40B4-BE49-F238E27FC236}">
-                <a16:creationId xmlns:a16="http://schemas.microsoft.com/office/drawing/2014/main" id="{C9119843-B638-83F5-4498-ED02D4BACCB2}"/>
+          <p:cNvPr id="3" name="Picture 2" descr="Logo&#10;&#10;Description automatically generated with low confidence">
+            <a:extLst>
+              <a:ext uri="{FF2B5EF4-FFF2-40B4-BE49-F238E27FC236}">
+                <a16:creationId xmlns:a16="http://schemas.microsoft.com/office/drawing/2014/main" id="{77C14B55-BEA8-34C3-E5AD-8F67A70A154D}"/>
               </a:ext>
             </a:extLst>
           </p:cNvPr>
@@ -12662,25 +12684,90 @@
           <p:nvPr/>
         </p:nvPicPr>
         <p:blipFill>
-          <a:blip r:embed="rId2"/>
+          <a:blip r:embed="rId2">
+            <a:extLst>
+              <a:ext uri="{28A0092B-C50C-407E-A947-70E740481C1C}">
+                <a14:useLocalDpi xmlns:a14="http://schemas.microsoft.com/office/drawing/2010/main" val="0"/>
+              </a:ext>
+            </a:extLst>
+          </a:blip>
           <a:stretch>
             <a:fillRect/>
           </a:stretch>
         </p:blipFill>
         <p:spPr>
           <a:xfrm>
-            <a:off x="5515429" y="958624"/>
-            <a:ext cx="3474938" cy="3164114"/>
+            <a:off x="2469656" y="701278"/>
+            <a:ext cx="3473945" cy="3473945"/>
+          </a:xfrm>
+          <a:prstGeom prst="ellipse">
+            <a:avLst/>
+          </a:prstGeom>
+          <a:ln w="63500" cap="rnd">
+            <a:solidFill>
+              <a:srgbClr val="333333"/>
+            </a:solidFill>
+          </a:ln>
+          <a:effectLst>
+            <a:outerShdw blurRad="381000" dist="292100" dir="5400000" sx="-80000" sy="-18000" rotWithShape="0">
+              <a:srgbClr val="000000">
+                <a:alpha val="22000"/>
+              </a:srgbClr>
+            </a:outerShdw>
+          </a:effectLst>
+          <a:scene3d>
+            <a:camera prst="orthographicFront"/>
+            <a:lightRig rig="contrasting" dir="t">
+              <a:rot lat="0" lon="0" rev="3000000"/>
+            </a:lightRig>
+          </a:scene3d>
+          <a:sp3d contourW="7620">
+            <a:bevelT w="95250" h="31750"/>
+            <a:contourClr>
+              <a:srgbClr val="333333"/>
+            </a:contourClr>
+          </a:sp3d>
+        </p:spPr>
+      </p:pic>
+      <p:sp>
+        <p:nvSpPr>
+          <p:cNvPr id="4" name="TextBox 3">
+            <a:extLst>
+              <a:ext uri="{FF2B5EF4-FFF2-40B4-BE49-F238E27FC236}">
+                <a16:creationId xmlns:a16="http://schemas.microsoft.com/office/drawing/2014/main" id="{C90F9668-C5F0-92B7-EB40-F35227C36679}"/>
+              </a:ext>
+            </a:extLst>
+          </p:cNvPr>
+          <p:cNvSpPr txBox="1"/>
+          <p:nvPr/>
+        </p:nvSpPr>
+        <p:spPr>
+          <a:xfrm>
+            <a:off x="3188524" y="4385275"/>
+            <a:ext cx="3802743" cy="646331"/>
           </a:xfrm>
           <a:prstGeom prst="rect">
             <a:avLst/>
           </a:prstGeom>
-        </p:spPr>
-      </p:pic>
+          <a:noFill/>
+        </p:spPr>
+        <p:txBody>
+          <a:bodyPr wrap="square" rtlCol="0">
+            <a:spAutoFit/>
+          </a:bodyPr>
+          <a:lstStyle/>
+          <a:p>
+            <a:r>
+              <a:rPr lang="en-US" sz="3600" dirty="0"/>
+              <a:t>Let’s Demo </a:t>
+            </a:r>
+          </a:p>
+        </p:txBody>
+      </p:sp>
     </p:spTree>
     <p:extLst>
       <p:ext uri="{BB962C8B-B14F-4D97-AF65-F5344CB8AC3E}">
-        <p14:creationId xmlns:p14="http://schemas.microsoft.com/office/powerpoint/2010/main" val="3667461005"/>
+        <p14:creationId xmlns:p14="http://schemas.microsoft.com/office/powerpoint/2010/main" val="2000677321"/>
       </p:ext>
     </p:extLst>
   </p:cSld>
@@ -12712,7 +12799,7 @@
           <p:cNvPr id="2" name="Title 1">
             <a:extLst>
               <a:ext uri="{FF2B5EF4-FFF2-40B4-BE49-F238E27FC236}">
-                <a16:creationId xmlns:a16="http://schemas.microsoft.com/office/drawing/2014/main" id="{350720C9-6C13-B669-5AE8-CA17AE126D0B}"/>
+                <a16:creationId xmlns:a16="http://schemas.microsoft.com/office/drawing/2014/main" id="{F78B1FC3-3F92-310E-3974-00FC0BA8177C}"/>
               </a:ext>
             </a:extLst>
           </p:cNvPr>
@@ -12723,14 +12810,21 @@
             <p:ph type="title"/>
           </p:nvPr>
         </p:nvSpPr>
-        <p:spPr/>
+        <p:spPr>
+          <a:xfrm>
+            <a:off x="517895" y="57093"/>
+            <a:ext cx="8229600" cy="564356"/>
+          </a:xfrm>
+        </p:spPr>
         <p:txBody>
-          <a:bodyPr/>
+          <a:bodyPr>
+            <a:normAutofit/>
+          </a:bodyPr>
           <a:lstStyle/>
           <a:p>
             <a:r>
-              <a:rPr lang="en-US" dirty="0"/>
-              <a:t>Future Enhancements</a:t>
+              <a:rPr lang="en-US" sz="2800" dirty="0"/>
+              <a:t>Problem </a:t>
             </a:r>
           </a:p>
         </p:txBody>
@@ -12740,7 +12834,7 @@
           <p:cNvPr id="3" name="TextBox 2">
             <a:extLst>
               <a:ext uri="{FF2B5EF4-FFF2-40B4-BE49-F238E27FC236}">
-                <a16:creationId xmlns:a16="http://schemas.microsoft.com/office/drawing/2014/main" id="{7A7F3B2B-18F3-4E4F-3B96-BAB06A4EF250}"/>
+                <a16:creationId xmlns:a16="http://schemas.microsoft.com/office/drawing/2014/main" id="{573E98DB-8AE7-C5D5-A426-8625BD2DE0FE}"/>
               </a:ext>
             </a:extLst>
           </p:cNvPr>
@@ -12749,8 +12843,8 @@
         </p:nvSpPr>
         <p:spPr>
           <a:xfrm>
-            <a:off x="517895" y="1037771"/>
-            <a:ext cx="3821876" cy="2554545"/>
+            <a:off x="379088" y="1109811"/>
+            <a:ext cx="4802512" cy="2923877"/>
           </a:xfrm>
           <a:prstGeom prst="rect">
             <a:avLst/>
@@ -12764,76 +12858,77 @@
           <a:lstStyle/>
           <a:p>
             <a:pPr algn="l">
+              <a:spcBef>
+                <a:spcPts val="1200"/>
+              </a:spcBef>
+              <a:spcAft>
+                <a:spcPts val="1200"/>
+              </a:spcAft>
               <a:buFont typeface="+mj-lt"/>
               <a:buAutoNum type="arabicPeriod"/>
             </a:pPr>
             <a:r>
-              <a:rPr lang="en-US" sz="2000" b="0" i="0" dirty="0">
+              <a:rPr lang="en-US" sz="2400" b="0" i="0" dirty="0">
                 <a:solidFill>
                   <a:srgbClr val="374151"/>
                 </a:solidFill>
                 <a:effectLst/>
                 <a:latin typeface="Söhne"/>
               </a:rPr>
-              <a:t> Push notifications – To alert users of the publication of the packages </a:t>
+              <a:t>Compatibility issues with custom packages</a:t>
             </a:r>
           </a:p>
           <a:p>
             <a:pPr algn="l">
+              <a:spcBef>
+                <a:spcPts val="1200"/>
+              </a:spcBef>
+              <a:spcAft>
+                <a:spcPts val="1200"/>
+              </a:spcAft>
               <a:buFont typeface="+mj-lt"/>
               <a:buAutoNum type="arabicPeriod"/>
             </a:pPr>
             <a:r>
-              <a:rPr lang="en-US" sz="2000" b="0" i="0" dirty="0">
+              <a:rPr lang="en-US" sz="2400" dirty="0">
+                <a:solidFill>
+                  <a:srgbClr val="374151"/>
+                </a:solidFill>
+                <a:latin typeface="Söhne"/>
+              </a:rPr>
+              <a:t>No control over when custom packages are published</a:t>
+            </a:r>
+          </a:p>
+          <a:p>
+            <a:pPr algn="l">
+              <a:spcBef>
+                <a:spcPts val="1200"/>
+              </a:spcBef>
+              <a:spcAft>
+                <a:spcPts val="1200"/>
+              </a:spcAft>
+              <a:buFont typeface="+mj-lt"/>
+              <a:buAutoNum type="arabicPeriod"/>
+            </a:pPr>
+            <a:r>
+              <a:rPr lang="en-US" sz="2400" b="0" i="0" dirty="0">
                 <a:solidFill>
                   <a:srgbClr val="374151"/>
                 </a:solidFill>
                 <a:effectLst/>
                 <a:latin typeface="Söhne"/>
               </a:rPr>
-              <a:t> Extend End-point – Remote capabilities of importing packages </a:t>
-            </a:r>
-          </a:p>
-          <a:p>
-            <a:pPr algn="l">
-              <a:buFont typeface="+mj-lt"/>
-              <a:buAutoNum type="arabicPeriod"/>
-            </a:pPr>
-            <a:r>
-              <a:rPr lang="en-US" sz="2000" b="0" i="0" dirty="0">
-                <a:solidFill>
-                  <a:srgbClr val="374151"/>
-                </a:solidFill>
-                <a:effectLst/>
-                <a:latin typeface="Söhne"/>
-              </a:rPr>
-              <a:t> Support Cases – Future integration </a:t>
-            </a:r>
-          </a:p>
-          <a:p>
-            <a:pPr algn="l">
-              <a:buFont typeface="+mj-lt"/>
-              <a:buAutoNum type="arabicPeriod"/>
-            </a:pPr>
-            <a:r>
-              <a:rPr lang="en-US" sz="2000" b="0" i="0" dirty="0">
-                <a:solidFill>
-                  <a:srgbClr val="374151"/>
-                </a:solidFill>
-                <a:effectLst/>
-                <a:latin typeface="Söhne"/>
-              </a:rPr>
-              <a:t>Snapshot automation </a:t>
+              <a:t>Difficulty communicating with partners/ISVs to fix errors</a:t>
             </a:r>
           </a:p>
         </p:txBody>
       </p:sp>
       <p:pic>
         <p:nvPicPr>
-          <p:cNvPr id="4" name="Picture 3" descr="Logo&#10;&#10;Description automatically generated with low confidence">
-            <a:extLst>
-              <a:ext uri="{FF2B5EF4-FFF2-40B4-BE49-F238E27FC236}">
-                <a16:creationId xmlns:a16="http://schemas.microsoft.com/office/drawing/2014/main" id="{A7342586-7D30-94DE-5E42-24324F12A9F4}"/>
+          <p:cNvPr id="4" name="Picture 3">
+            <a:extLst>
+              <a:ext uri="{FF2B5EF4-FFF2-40B4-BE49-F238E27FC236}">
+                <a16:creationId xmlns:a16="http://schemas.microsoft.com/office/drawing/2014/main" id="{B3F527B6-8F08-AE66-9EDA-500AD3FDB12C}"/>
               </a:ext>
             </a:extLst>
           </p:cNvPr>
@@ -12842,95 +12937,25 @@
           </p:cNvPicPr>
           <p:nvPr/>
         </p:nvPicPr>
-        <p:blipFill>
-          <a:blip r:embed="rId2">
-            <a:extLst>
-              <a:ext uri="{28A0092B-C50C-407E-A947-70E740481C1C}">
-                <a14:useLocalDpi xmlns:a14="http://schemas.microsoft.com/office/drawing/2010/main" val="0"/>
-              </a:ext>
-            </a:extLst>
-          </a:blip>
-          <a:stretch>
-            <a:fillRect/>
-          </a:stretch>
+        <p:blipFill rotWithShape="1">
+          <a:blip r:embed="rId2"/>
+          <a:srcRect l="6104" t="3411" b="14465"/>
+          <a:stretch/>
         </p:blipFill>
         <p:spPr>
           <a:xfrm>
-            <a:off x="5167088" y="419100"/>
-            <a:ext cx="3346507" cy="3346507"/>
-          </a:xfrm>
-          <a:prstGeom prst="roundRect">
-            <a:avLst>
-              <a:gd name="adj" fmla="val 16667"/>
-            </a:avLst>
-          </a:prstGeom>
-          <a:ln>
-            <a:noFill/>
-          </a:ln>
-          <a:effectLst>
-            <a:outerShdw blurRad="152400" dist="12000" dir="900000" sy="98000" kx="110000" ky="200000" algn="tl" rotWithShape="0">
-              <a:srgbClr val="000000">
-                <a:alpha val="30000"/>
-              </a:srgbClr>
-            </a:outerShdw>
-          </a:effectLst>
-          <a:scene3d>
-            <a:camera prst="perspectiveRelaxed">
-              <a:rot lat="19800000" lon="1200000" rev="20820000"/>
-            </a:camera>
-            <a:lightRig rig="threePt" dir="t"/>
-          </a:scene3d>
-          <a:sp3d contourW="6350" prstMaterial="matte">
-            <a:bevelT w="101600" h="101600"/>
-            <a:contourClr>
-              <a:srgbClr val="969696"/>
-            </a:contourClr>
-          </a:sp3d>
+            <a:off x="4929051" y="1109811"/>
+            <a:ext cx="4214949" cy="3189167"/>
+          </a:xfrm>
+          <a:prstGeom prst="rect">
+            <a:avLst/>
+          </a:prstGeom>
         </p:spPr>
       </p:pic>
-      <p:sp>
-        <p:nvSpPr>
-          <p:cNvPr id="5" name="TextBox 4">
-            <a:extLst>
-              <a:ext uri="{FF2B5EF4-FFF2-40B4-BE49-F238E27FC236}">
-                <a16:creationId xmlns:a16="http://schemas.microsoft.com/office/drawing/2014/main" id="{9F67F4EF-F8F4-8907-F15E-7673FE0500B1}"/>
-              </a:ext>
-            </a:extLst>
-          </p:cNvPr>
-          <p:cNvSpPr txBox="1"/>
-          <p:nvPr/>
-        </p:nvSpPr>
-        <p:spPr>
-          <a:xfrm>
-            <a:off x="5399312" y="2468933"/>
-            <a:ext cx="1320801" cy="461665"/>
-          </a:xfrm>
-          <a:prstGeom prst="rect">
-            <a:avLst/>
-          </a:prstGeom>
-          <a:noFill/>
-        </p:spPr>
-        <p:txBody>
-          <a:bodyPr wrap="square" rtlCol="0">
-            <a:spAutoFit/>
-          </a:bodyPr>
-          <a:lstStyle/>
-          <a:p>
-            <a:r>
-              <a:rPr lang="en-US" sz="2400" b="1" dirty="0">
-                <a:solidFill>
-                  <a:srgbClr val="FF0000"/>
-                </a:solidFill>
-              </a:rPr>
-              <a:t>Ver 2.0</a:t>
-            </a:r>
-          </a:p>
-        </p:txBody>
-      </p:sp>
     </p:spTree>
     <p:extLst>
       <p:ext uri="{BB962C8B-B14F-4D97-AF65-F5344CB8AC3E}">
-        <p14:creationId xmlns:p14="http://schemas.microsoft.com/office/powerpoint/2010/main" val="1514704845"/>
+        <p14:creationId xmlns:p14="http://schemas.microsoft.com/office/powerpoint/2010/main" val="3872044811"/>
       </p:ext>
     </p:extLst>
   </p:cSld>
@@ -12957,48 +12982,12 @@
           <a:chExt cx="0" cy="0"/>
         </a:xfrm>
       </p:grpSpPr>
-      <p:pic>
-        <p:nvPicPr>
-          <p:cNvPr id="20" name="Picture Placeholder 19" descr="A person smiling for the camera&#10;&#10;Description automatically generated with medium confidence">
-            <a:extLst>
-              <a:ext uri="{FF2B5EF4-FFF2-40B4-BE49-F238E27FC236}">
-                <a16:creationId xmlns:a16="http://schemas.microsoft.com/office/drawing/2014/main" id="{761F0F1B-7B43-FD18-CCA0-4C2E07467A58}"/>
-              </a:ext>
-            </a:extLst>
-          </p:cNvPr>
-          <p:cNvPicPr>
-            <a:picLocks noGrp="1" noChangeAspect="1"/>
-          </p:cNvPicPr>
-          <p:nvPr>
-            <p:ph type="pic" sz="quarter" idx="10"/>
-          </p:nvPr>
-        </p:nvPicPr>
-        <p:blipFill>
-          <a:blip r:embed="rId2" cstate="print">
-            <a:extLst>
-              <a:ext uri="{28A0092B-C50C-407E-A947-70E740481C1C}">
-                <a14:useLocalDpi xmlns:a14="http://schemas.microsoft.com/office/drawing/2010/main" val="0"/>
-              </a:ext>
-            </a:extLst>
-          </a:blip>
-          <a:srcRect l="12500" r="12500"/>
-          <a:stretch>
-            <a:fillRect/>
-          </a:stretch>
-        </p:blipFill>
-        <p:spPr>
-          <a:xfrm rot="5400000">
-            <a:off x="620032" y="696516"/>
-            <a:ext cx="1473200" cy="1473200"/>
-          </a:xfrm>
-        </p:spPr>
-      </p:pic>
       <p:sp>
         <p:nvSpPr>
-          <p:cNvPr id="3" name="Text Placeholder 2">
-            <a:extLst>
-              <a:ext uri="{FF2B5EF4-FFF2-40B4-BE49-F238E27FC236}">
-                <a16:creationId xmlns:a16="http://schemas.microsoft.com/office/drawing/2014/main" id="{90BABED2-8D5D-5DCC-6ABE-0C5C4C946223}"/>
+          <p:cNvPr id="9" name="Content Placeholder 1">
+            <a:extLst>
+              <a:ext uri="{FF2B5EF4-FFF2-40B4-BE49-F238E27FC236}">
+                <a16:creationId xmlns:a16="http://schemas.microsoft.com/office/drawing/2014/main" id="{6380EC24-E8A6-01E5-633D-2FF9B73FC729}"/>
               </a:ext>
             </a:extLst>
           </p:cNvPr>
@@ -13006,32 +12995,192 @@
             <a:spLocks noGrp="1"/>
           </p:cNvSpPr>
           <p:nvPr>
-            <p:ph type="body" sz="quarter" idx="11"/>
+            <p:ph sz="quarter" idx="13"/>
           </p:nvPr>
         </p:nvSpPr>
         <p:spPr>
           <a:xfrm>
-            <a:off x="441229" y="2249167"/>
-            <a:ext cx="1953571" cy="245765"/>
+            <a:off x="284214" y="1177517"/>
+            <a:ext cx="4906094" cy="3761695"/>
           </a:xfrm>
         </p:spPr>
         <p:txBody>
           <a:bodyPr/>
           <a:lstStyle/>
           <a:p>
-            <a:r>
-              <a:rPr lang="en-US" dirty="0"/>
-              <a:t>Brandon Sproul</a:t>
+            <a:pPr marL="171450" indent="-171450" algn="l">
+              <a:spcBef>
+                <a:spcPts val="600"/>
+              </a:spcBef>
+              <a:spcAft>
+                <a:spcPts val="1200"/>
+              </a:spcAft>
+              <a:buFont typeface="Arial" panose="020B0604020202020204" pitchFamily="34" charset="0"/>
+              <a:buChar char="•"/>
+            </a:pPr>
+            <a:r>
+              <a:rPr lang="en-US" sz="1800" b="0" i="0" dirty="0">
+                <a:solidFill>
+                  <a:srgbClr val="374151"/>
+                </a:solidFill>
+                <a:effectLst/>
+                <a:latin typeface="Söhne"/>
+              </a:rPr>
+              <a:t>Schedule customization manager</a:t>
+            </a:r>
+          </a:p>
+          <a:p>
+            <a:pPr marL="171450" indent="-171450" algn="l">
+              <a:spcBef>
+                <a:spcPts val="600"/>
+              </a:spcBef>
+              <a:spcAft>
+                <a:spcPts val="1200"/>
+              </a:spcAft>
+              <a:buFont typeface="Arial" panose="020B0604020202020204" pitchFamily="34" charset="0"/>
+              <a:buChar char="•"/>
+            </a:pPr>
+            <a:r>
+              <a:rPr lang="en-US" sz="1800" b="0" dirty="0">
+                <a:solidFill>
+                  <a:srgbClr val="374151"/>
+                </a:solidFill>
+                <a:latin typeface="Söhne"/>
+              </a:rPr>
+              <a:t>Impactful</a:t>
+            </a:r>
+            <a:r>
+              <a:rPr lang="en-US" sz="1800" dirty="0">
+                <a:solidFill>
+                  <a:srgbClr val="374151"/>
+                </a:solidFill>
+                <a:latin typeface="Söhne"/>
+              </a:rPr>
+              <a:t> communication </a:t>
+            </a:r>
+            <a:r>
+              <a:rPr lang="en-US" sz="1800" b="0" dirty="0">
+                <a:solidFill>
+                  <a:srgbClr val="374151"/>
+                </a:solidFill>
+                <a:latin typeface="Söhne"/>
+              </a:rPr>
+              <a:t>to package stakeholders</a:t>
+            </a:r>
+          </a:p>
+          <a:p>
+            <a:pPr marL="171450" indent="-171450" algn="l">
+              <a:spcBef>
+                <a:spcPts val="600"/>
+              </a:spcBef>
+              <a:spcAft>
+                <a:spcPts val="1200"/>
+              </a:spcAft>
+              <a:buFont typeface="Arial" panose="020B0604020202020204" pitchFamily="34" charset="0"/>
+              <a:buChar char="•"/>
+            </a:pPr>
+            <a:r>
+              <a:rPr lang="en-US" sz="1800" b="0" i="0" dirty="0">
+                <a:solidFill>
+                  <a:srgbClr val="374151"/>
+                </a:solidFill>
+                <a:effectLst/>
+                <a:latin typeface="Söhne"/>
+              </a:rPr>
+              <a:t>Efficient </a:t>
+            </a:r>
+            <a:r>
+              <a:rPr lang="en-US" sz="1800" i="0" dirty="0">
+                <a:solidFill>
+                  <a:srgbClr val="374151"/>
+                </a:solidFill>
+                <a:effectLst/>
+                <a:latin typeface="Söhne"/>
+              </a:rPr>
+              <a:t>time</a:t>
+            </a:r>
+            <a:r>
+              <a:rPr lang="en-US" sz="1800" b="0" i="0" dirty="0">
+                <a:solidFill>
+                  <a:srgbClr val="374151"/>
+                </a:solidFill>
+                <a:effectLst/>
+                <a:latin typeface="Söhne"/>
+              </a:rPr>
+              <a:t> management of resources</a:t>
+            </a:r>
+          </a:p>
+          <a:p>
+            <a:pPr marL="171450" indent="-171450" algn="l">
+              <a:spcBef>
+                <a:spcPts val="600"/>
+              </a:spcBef>
+              <a:spcAft>
+                <a:spcPts val="1200"/>
+              </a:spcAft>
+              <a:buFont typeface="Arial" panose="020B0604020202020204" pitchFamily="34" charset="0"/>
+              <a:buChar char="•"/>
+            </a:pPr>
+            <a:r>
+              <a:rPr lang="en-US" sz="1800" b="0" dirty="0">
+                <a:solidFill>
+                  <a:srgbClr val="374151"/>
+                </a:solidFill>
+                <a:latin typeface="Söhne"/>
+              </a:rPr>
+              <a:t>Reduce roadblock risk in rapid development CI / CD pipeline</a:t>
+            </a:r>
+          </a:p>
+          <a:p>
+            <a:pPr marL="171450" indent="-171450" algn="l">
+              <a:spcBef>
+                <a:spcPts val="600"/>
+              </a:spcBef>
+              <a:spcAft>
+                <a:spcPts val="1200"/>
+              </a:spcAft>
+              <a:buFont typeface="Arial" panose="020B0604020202020204" pitchFamily="34" charset="0"/>
+              <a:buChar char="•"/>
+            </a:pPr>
+            <a:r>
+              <a:rPr lang="en-US" sz="1800" b="0" i="0" dirty="0">
+                <a:solidFill>
+                  <a:srgbClr val="374151"/>
+                </a:solidFill>
+                <a:effectLst/>
+                <a:latin typeface="Söhne"/>
+              </a:rPr>
+              <a:t>Increased </a:t>
+            </a:r>
+            <a:r>
+              <a:rPr lang="en-US" sz="1800" i="0" dirty="0">
+                <a:solidFill>
+                  <a:srgbClr val="374151"/>
+                </a:solidFill>
+                <a:effectLst/>
+                <a:latin typeface="Söhne"/>
+              </a:rPr>
+              <a:t>quality</a:t>
+            </a:r>
+            <a:r>
+              <a:rPr lang="en-US" sz="1800" b="0" i="0" dirty="0">
+                <a:solidFill>
+                  <a:srgbClr val="374151"/>
+                </a:solidFill>
+                <a:effectLst/>
+                <a:latin typeface="Söhne"/>
+              </a:rPr>
+              <a:t> through effective collaboration</a:t>
             </a:r>
           </a:p>
         </p:txBody>
       </p:sp>
       <p:sp>
         <p:nvSpPr>
-          <p:cNvPr id="4" name="Text Placeholder 3">
-            <a:extLst>
-              <a:ext uri="{FF2B5EF4-FFF2-40B4-BE49-F238E27FC236}">
-                <a16:creationId xmlns:a16="http://schemas.microsoft.com/office/drawing/2014/main" id="{5D917686-FF6D-DAAB-B512-9AE79AB4173B}"/>
+          <p:cNvPr id="11" name="Title 3">
+            <a:extLst>
+              <a:ext uri="{FF2B5EF4-FFF2-40B4-BE49-F238E27FC236}">
+                <a16:creationId xmlns:a16="http://schemas.microsoft.com/office/drawing/2014/main" id="{00E502F7-93D0-43C1-D09A-FBA5E9484906}"/>
               </a:ext>
             </a:extLst>
           </p:cNvPr>
@@ -13039,13 +13188,13 @@
             <a:spLocks noGrp="1"/>
           </p:cNvSpPr>
           <p:nvPr>
-            <p:ph type="body" sz="quarter" idx="12"/>
+            <p:ph type="title"/>
           </p:nvPr>
         </p:nvSpPr>
         <p:spPr>
           <a:xfrm>
-            <a:off x="433065" y="2571219"/>
-            <a:ext cx="1953571" cy="281916"/>
+            <a:off x="517895" y="136922"/>
+            <a:ext cx="8229600" cy="564356"/>
           </a:xfrm>
         </p:spPr>
         <p:txBody>
@@ -13053,373 +13202,19 @@
           <a:lstStyle/>
           <a:p>
             <a:r>
-              <a:rPr lang="en-US" dirty="0"/>
-              <a:t>Developer - </a:t>
-            </a:r>
+              <a:rPr lang="en-US" sz="2800" dirty="0"/>
+              <a:t>Benefits</a:t>
+            </a:r>
+            <a:endParaRPr lang="en-US" dirty="0"/>
           </a:p>
         </p:txBody>
       </p:sp>
       <p:pic>
         <p:nvPicPr>
-          <p:cNvPr id="28" name="Picture Placeholder 27" descr="A person wearing glasses&#10;&#10;Description automatically generated with medium confidence">
-            <a:extLst>
-              <a:ext uri="{FF2B5EF4-FFF2-40B4-BE49-F238E27FC236}">
-                <a16:creationId xmlns:a16="http://schemas.microsoft.com/office/drawing/2014/main" id="{F1AFF2AD-8D3C-5575-2FF0-2CDE5F9127A2}"/>
-              </a:ext>
-            </a:extLst>
-          </p:cNvPr>
-          <p:cNvPicPr>
-            <a:picLocks noGrp="1" noChangeAspect="1"/>
-          </p:cNvPicPr>
-          <p:nvPr>
-            <p:ph type="pic" sz="quarter" idx="14"/>
-          </p:nvPr>
-        </p:nvPicPr>
-        <p:blipFill>
-          <a:blip r:embed="rId3" cstate="print">
-            <a:extLst>
-              <a:ext uri="{28A0092B-C50C-407E-A947-70E740481C1C}">
-                <a14:useLocalDpi xmlns:a14="http://schemas.microsoft.com/office/drawing/2010/main" val="0"/>
-              </a:ext>
-            </a:extLst>
-          </a:blip>
-          <a:srcRect l="12500" r="12500"/>
-          <a:stretch>
-            <a:fillRect/>
-          </a:stretch>
-        </p:blipFill>
-        <p:spPr>
-          <a:xfrm rot="5400000">
-            <a:off x="2733675" y="696915"/>
-            <a:ext cx="1473200" cy="1473200"/>
-          </a:xfrm>
-        </p:spPr>
-      </p:pic>
-      <p:sp>
-        <p:nvSpPr>
-          <p:cNvPr id="7" name="Text Placeholder 6">
-            <a:extLst>
-              <a:ext uri="{FF2B5EF4-FFF2-40B4-BE49-F238E27FC236}">
-                <a16:creationId xmlns:a16="http://schemas.microsoft.com/office/drawing/2014/main" id="{91893BAD-1984-98D0-69EC-48E8F1A84BA2}"/>
-              </a:ext>
-            </a:extLst>
-          </p:cNvPr>
-          <p:cNvSpPr>
-            <a:spLocks noGrp="1"/>
-          </p:cNvSpPr>
-          <p:nvPr>
-            <p:ph type="body" sz="quarter" idx="15"/>
-          </p:nvPr>
-        </p:nvSpPr>
-        <p:spPr>
-          <a:xfrm>
-            <a:off x="2398295" y="2207804"/>
-            <a:ext cx="1953571" cy="245765"/>
-          </a:xfrm>
-        </p:spPr>
-        <p:txBody>
-          <a:bodyPr/>
-          <a:lstStyle/>
-          <a:p>
-            <a:r>
-              <a:rPr lang="en-US" dirty="0"/>
-              <a:t>Patrick Chen</a:t>
-            </a:r>
-          </a:p>
-        </p:txBody>
-      </p:sp>
-      <p:sp>
-        <p:nvSpPr>
-          <p:cNvPr id="8" name="Text Placeholder 7">
-            <a:extLst>
-              <a:ext uri="{FF2B5EF4-FFF2-40B4-BE49-F238E27FC236}">
-                <a16:creationId xmlns:a16="http://schemas.microsoft.com/office/drawing/2014/main" id="{B6594DE1-832E-04FC-2CD9-8F2B8D0A9793}"/>
-              </a:ext>
-            </a:extLst>
-          </p:cNvPr>
-          <p:cNvSpPr>
-            <a:spLocks noGrp="1"/>
-          </p:cNvSpPr>
-          <p:nvPr>
-            <p:ph type="body" sz="quarter" idx="16"/>
-          </p:nvPr>
-        </p:nvSpPr>
-        <p:spPr>
-          <a:xfrm>
-            <a:off x="3320111" y="4804998"/>
-            <a:ext cx="1953571" cy="281916"/>
-          </a:xfrm>
-        </p:spPr>
-        <p:txBody>
-          <a:bodyPr/>
-          <a:lstStyle/>
-          <a:p>
-            <a:r>
-              <a:rPr lang="en-US" dirty="0"/>
-              <a:t>Engineer  – </a:t>
-            </a:r>
-            <a:r>
-              <a:rPr lang="en-US" dirty="0" err="1"/>
-              <a:t>PriceKubecka</a:t>
-            </a:r>
-            <a:endParaRPr lang="en-US" dirty="0"/>
-          </a:p>
-        </p:txBody>
-      </p:sp>
-      <p:pic>
-        <p:nvPicPr>
-          <p:cNvPr id="24" name="Picture Placeholder 23" descr="A person wearing a suit and tie&#10;&#10;Description automatically generated with low confidence">
-            <a:extLst>
-              <a:ext uri="{FF2B5EF4-FFF2-40B4-BE49-F238E27FC236}">
-                <a16:creationId xmlns:a16="http://schemas.microsoft.com/office/drawing/2014/main" id="{1EB538EC-BBD1-C519-C6D5-6B73E4942550}"/>
-              </a:ext>
-            </a:extLst>
-          </p:cNvPr>
-          <p:cNvPicPr>
-            <a:picLocks noGrp="1" noChangeAspect="1"/>
-          </p:cNvPicPr>
-          <p:nvPr>
-            <p:ph type="pic" sz="quarter" idx="17"/>
-          </p:nvPr>
-        </p:nvPicPr>
-        <p:blipFill>
-          <a:blip r:embed="rId4" cstate="print">
-            <a:extLst>
-              <a:ext uri="{28A0092B-C50C-407E-A947-70E740481C1C}">
-                <a14:useLocalDpi xmlns:a14="http://schemas.microsoft.com/office/drawing/2010/main" val="0"/>
-              </a:ext>
-            </a:extLst>
-          </a:blip>
-          <a:srcRect l="14238" r="14238"/>
-          <a:stretch>
-            <a:fillRect/>
-          </a:stretch>
-        </p:blipFill>
-        <p:spPr>
-          <a:xfrm rot="5400000">
-            <a:off x="6026554" y="2971193"/>
-            <a:ext cx="1636245" cy="1715747"/>
-          </a:xfrm>
-          <a:prstGeom prst="flowChartConnector">
-            <a:avLst/>
-          </a:prstGeom>
-        </p:spPr>
-      </p:pic>
-      <p:pic>
-        <p:nvPicPr>
-          <p:cNvPr id="26" name="Picture Placeholder 25" descr="A person and person posing for a picture&#10;&#10;Description automatically generated with medium confidence">
-            <a:extLst>
-              <a:ext uri="{FF2B5EF4-FFF2-40B4-BE49-F238E27FC236}">
-                <a16:creationId xmlns:a16="http://schemas.microsoft.com/office/drawing/2014/main" id="{9FC1E0E2-2737-C154-A3C5-D69CA1A262FE}"/>
-              </a:ext>
-            </a:extLst>
-          </p:cNvPr>
-          <p:cNvPicPr>
-            <a:picLocks noGrp="1" noChangeAspect="1"/>
-          </p:cNvPicPr>
-          <p:nvPr>
-            <p:ph type="pic" sz="quarter" idx="18"/>
-          </p:nvPr>
-        </p:nvPicPr>
-        <p:blipFill>
-          <a:blip r:embed="rId5" cstate="print">
-            <a:extLst>
-              <a:ext uri="{28A0092B-C50C-407E-A947-70E740481C1C}">
-                <a14:useLocalDpi xmlns:a14="http://schemas.microsoft.com/office/drawing/2010/main" val="0"/>
-              </a:ext>
-            </a:extLst>
-          </a:blip>
-          <a:srcRect l="12500" r="12500"/>
-          <a:stretch>
-            <a:fillRect/>
-          </a:stretch>
-        </p:blipFill>
-        <p:spPr>
-          <a:xfrm rot="5400000">
-            <a:off x="4856163" y="696915"/>
-            <a:ext cx="1473200" cy="1473200"/>
-          </a:xfrm>
-        </p:spPr>
-      </p:pic>
-      <p:sp>
-        <p:nvSpPr>
-          <p:cNvPr id="11" name="Text Placeholder 10">
-            <a:extLst>
-              <a:ext uri="{FF2B5EF4-FFF2-40B4-BE49-F238E27FC236}">
-                <a16:creationId xmlns:a16="http://schemas.microsoft.com/office/drawing/2014/main" id="{89ED4274-E624-4F34-982C-76251924C54C}"/>
-              </a:ext>
-            </a:extLst>
-          </p:cNvPr>
-          <p:cNvSpPr>
-            <a:spLocks noGrp="1"/>
-          </p:cNvSpPr>
-          <p:nvPr>
-            <p:ph type="body" sz="quarter" idx="19"/>
-          </p:nvPr>
-        </p:nvSpPr>
-        <p:spPr>
-          <a:xfrm>
-            <a:off x="4520553" y="2207804"/>
-            <a:ext cx="1953571" cy="245765"/>
-          </a:xfrm>
-        </p:spPr>
-        <p:txBody>
-          <a:bodyPr/>
-          <a:lstStyle/>
-          <a:p>
-            <a:r>
-              <a:rPr lang="en-US" dirty="0"/>
-              <a:t>Shawn Goodwin</a:t>
-            </a:r>
-          </a:p>
-        </p:txBody>
-      </p:sp>
-      <p:sp>
-        <p:nvSpPr>
-          <p:cNvPr id="12" name="Text Placeholder 11">
-            <a:extLst>
-              <a:ext uri="{FF2B5EF4-FFF2-40B4-BE49-F238E27FC236}">
-                <a16:creationId xmlns:a16="http://schemas.microsoft.com/office/drawing/2014/main" id="{37DACCC4-C245-F2B7-FBE8-50B1A9CB91FB}"/>
-              </a:ext>
-            </a:extLst>
-          </p:cNvPr>
-          <p:cNvSpPr>
-            <a:spLocks noGrp="1"/>
-          </p:cNvSpPr>
-          <p:nvPr>
-            <p:ph type="body" sz="quarter" idx="20"/>
-          </p:nvPr>
-        </p:nvSpPr>
-        <p:spPr>
-          <a:xfrm>
-            <a:off x="4669114" y="2571219"/>
-            <a:ext cx="1953571" cy="281916"/>
-          </a:xfrm>
-        </p:spPr>
-        <p:txBody>
-          <a:bodyPr/>
-          <a:lstStyle/>
-          <a:p>
-            <a:r>
-              <a:rPr lang="en-US" dirty="0"/>
-              <a:t>Martin </a:t>
-            </a:r>
-            <a:r>
-              <a:rPr lang="en-US" dirty="0" err="1"/>
-              <a:t>Asscoiates</a:t>
-            </a:r>
-            <a:endParaRPr lang="en-US" dirty="0"/>
-          </a:p>
-        </p:txBody>
-      </p:sp>
-      <p:pic>
-        <p:nvPicPr>
-          <p:cNvPr id="30" name="Picture Placeholder 29" descr="A person smiling for the camera&#10;&#10;Description automatically generated with low confidence">
-            <a:extLst>
-              <a:ext uri="{FF2B5EF4-FFF2-40B4-BE49-F238E27FC236}">
-                <a16:creationId xmlns:a16="http://schemas.microsoft.com/office/drawing/2014/main" id="{019FB87A-E687-2715-E1E8-925EA836BD1E}"/>
-              </a:ext>
-            </a:extLst>
-          </p:cNvPr>
-          <p:cNvPicPr>
-            <a:picLocks noGrp="1" noChangeAspect="1"/>
-          </p:cNvPicPr>
-          <p:nvPr>
-            <p:ph type="pic" sz="quarter" idx="22"/>
-          </p:nvPr>
-        </p:nvPicPr>
-        <p:blipFill>
-          <a:blip r:embed="rId6" cstate="print">
-            <a:extLst>
-              <a:ext uri="{28A0092B-C50C-407E-A947-70E740481C1C}">
-                <a14:useLocalDpi xmlns:a14="http://schemas.microsoft.com/office/drawing/2010/main" val="0"/>
-              </a:ext>
-            </a:extLst>
-          </a:blip>
-          <a:srcRect l="12500" r="12500"/>
-          <a:stretch>
-            <a:fillRect/>
-          </a:stretch>
-        </p:blipFill>
-        <p:spPr>
-          <a:xfrm rot="5400000">
-            <a:off x="6965950" y="696915"/>
-            <a:ext cx="1473200" cy="1473200"/>
-          </a:xfrm>
-        </p:spPr>
-      </p:pic>
-      <p:sp>
-        <p:nvSpPr>
-          <p:cNvPr id="15" name="Text Placeholder 14">
-            <a:extLst>
-              <a:ext uri="{FF2B5EF4-FFF2-40B4-BE49-F238E27FC236}">
-                <a16:creationId xmlns:a16="http://schemas.microsoft.com/office/drawing/2014/main" id="{EFF1597B-55F8-F876-CEA7-6A5AC1DFF3FD}"/>
-              </a:ext>
-            </a:extLst>
-          </p:cNvPr>
-          <p:cNvSpPr>
-            <a:spLocks noGrp="1"/>
-          </p:cNvSpPr>
-          <p:nvPr>
-            <p:ph type="body" sz="quarter" idx="23"/>
-          </p:nvPr>
-        </p:nvSpPr>
-        <p:spPr>
-          <a:xfrm>
-            <a:off x="6630182" y="2208335"/>
-            <a:ext cx="1953571" cy="245765"/>
-          </a:xfrm>
-        </p:spPr>
-        <p:txBody>
-          <a:bodyPr/>
-          <a:lstStyle/>
-          <a:p>
-            <a:r>
-              <a:rPr lang="en-US" dirty="0"/>
-              <a:t>Chetan Srinivas</a:t>
-            </a:r>
-          </a:p>
-        </p:txBody>
-      </p:sp>
-      <p:sp>
-        <p:nvSpPr>
-          <p:cNvPr id="16" name="Text Placeholder 15">
-            <a:extLst>
-              <a:ext uri="{FF2B5EF4-FFF2-40B4-BE49-F238E27FC236}">
-                <a16:creationId xmlns:a16="http://schemas.microsoft.com/office/drawing/2014/main" id="{EA4463D2-D630-CB5A-9138-D607CACF5F53}"/>
-              </a:ext>
-            </a:extLst>
-          </p:cNvPr>
-          <p:cNvSpPr>
-            <a:spLocks noGrp="1"/>
-          </p:cNvSpPr>
-          <p:nvPr>
-            <p:ph type="body" sz="quarter" idx="24"/>
-          </p:nvPr>
-        </p:nvSpPr>
-        <p:spPr>
-          <a:xfrm>
-            <a:off x="6778743" y="2571750"/>
-            <a:ext cx="1953571" cy="281916"/>
-          </a:xfrm>
-        </p:spPr>
-        <p:txBody>
-          <a:bodyPr/>
-          <a:lstStyle/>
-          <a:p>
-            <a:r>
-              <a:rPr lang="en-US" dirty="0"/>
-              <a:t>Product Manager - Kensium</a:t>
-            </a:r>
-          </a:p>
-        </p:txBody>
-      </p:sp>
-      <p:pic>
-        <p:nvPicPr>
-          <p:cNvPr id="33" name="Picture Placeholder 23">
-            <a:extLst>
-              <a:ext uri="{FF2B5EF4-FFF2-40B4-BE49-F238E27FC236}">
-                <a16:creationId xmlns:a16="http://schemas.microsoft.com/office/drawing/2014/main" id="{A5D5C5D5-6F99-F989-19B5-54308D911F25}"/>
+          <p:cNvPr id="8" name="Picture 7">
+            <a:extLst>
+              <a:ext uri="{FF2B5EF4-FFF2-40B4-BE49-F238E27FC236}">
+                <a16:creationId xmlns:a16="http://schemas.microsoft.com/office/drawing/2014/main" id="{C9119843-B638-83F5-4498-ED02D4BACCB2}"/>
               </a:ext>
             </a:extLst>
           </p:cNvPr>
@@ -13429,1368 +13224,25 @@
           <p:nvPr/>
         </p:nvPicPr>
         <p:blipFill>
-          <a:blip r:embed="rId7" cstate="print">
-            <a:extLst>
-              <a:ext uri="{28A0092B-C50C-407E-A947-70E740481C1C}">
-                <a14:useLocalDpi xmlns:a14="http://schemas.microsoft.com/office/drawing/2010/main" val="0"/>
-              </a:ext>
-            </a:extLst>
-          </a:blip>
-          <a:srcRect l="14238" r="14238"/>
-          <a:stretch/>
+          <a:blip r:embed="rId2"/>
+          <a:stretch>
+            <a:fillRect/>
+          </a:stretch>
         </p:blipFill>
         <p:spPr>
-          <a:xfrm rot="5400000">
-            <a:off x="801752" y="2889671"/>
-            <a:ext cx="1636245" cy="1715747"/>
-          </a:xfrm>
-          <a:prstGeom prst="flowChartConnector">
+          <a:xfrm>
+            <a:off x="5320937" y="781529"/>
+            <a:ext cx="3669430" cy="3341209"/>
+          </a:xfrm>
+          <a:prstGeom prst="rect">
             <a:avLst/>
           </a:prstGeom>
         </p:spPr>
       </p:pic>
-      <p:pic>
-        <p:nvPicPr>
-          <p:cNvPr id="38" name="Picture Placeholder 23">
-            <a:extLst>
-              <a:ext uri="{FF2B5EF4-FFF2-40B4-BE49-F238E27FC236}">
-                <a16:creationId xmlns:a16="http://schemas.microsoft.com/office/drawing/2014/main" id="{DDDA8927-EF90-FE7E-BC33-62DDBA4A5AD4}"/>
-              </a:ext>
-            </a:extLst>
-          </p:cNvPr>
-          <p:cNvPicPr>
-            <a:picLocks noChangeAspect="1"/>
-          </p:cNvPicPr>
-          <p:nvPr/>
-        </p:nvPicPr>
-        <p:blipFill>
-          <a:blip r:embed="rId8" cstate="print">
-            <a:extLst>
-              <a:ext uri="{28A0092B-C50C-407E-A947-70E740481C1C}">
-                <a14:useLocalDpi xmlns:a14="http://schemas.microsoft.com/office/drawing/2010/main" val="0"/>
-              </a:ext>
-            </a:extLst>
-          </a:blip>
-          <a:srcRect l="14238" r="14238"/>
-          <a:stretch/>
-        </p:blipFill>
-        <p:spPr>
-          <a:xfrm rot="5400000">
-            <a:off x="3492193" y="2971193"/>
-            <a:ext cx="1636245" cy="1715747"/>
-          </a:xfrm>
-          <a:prstGeom prst="flowChartConnector">
-            <a:avLst/>
-          </a:prstGeom>
-        </p:spPr>
-      </p:pic>
-      <p:sp>
-        <p:nvSpPr>
-          <p:cNvPr id="39" name="Text Placeholder 14">
-            <a:extLst>
-              <a:ext uri="{FF2B5EF4-FFF2-40B4-BE49-F238E27FC236}">
-                <a16:creationId xmlns:a16="http://schemas.microsoft.com/office/drawing/2014/main" id="{0618F4C8-DA6C-78E7-93DB-FE7B2FCD0427}"/>
-              </a:ext>
-            </a:extLst>
-          </p:cNvPr>
-          <p:cNvSpPr txBox="1">
-            <a:spLocks/>
-          </p:cNvSpPr>
-          <p:nvPr/>
-        </p:nvSpPr>
-        <p:spPr>
-          <a:xfrm>
-            <a:off x="643088" y="4533173"/>
-            <a:ext cx="1953571" cy="245765"/>
-          </a:xfrm>
-          <a:prstGeom prst="rect">
-            <a:avLst/>
-          </a:prstGeom>
-        </p:spPr>
-        <p:txBody>
-          <a:bodyPr/>
-          <a:lstStyle>
-            <a:lvl1pPr marL="0" indent="0" algn="ctr" defTabSz="685800" rtl="0" eaLnBrk="1" latinLnBrk="0" hangingPunct="1">
-              <a:lnSpc>
-                <a:spcPct val="100000"/>
-              </a:lnSpc>
-              <a:spcBef>
-                <a:spcPts val="1200"/>
-              </a:spcBef>
-              <a:spcAft>
-                <a:spcPts val="200"/>
-              </a:spcAft>
-              <a:buSzPct val="90000"/>
-              <a:buFont typeface="Wingdings" charset="2"/>
-              <a:buNone/>
-              <a:defRPr sz="1100" b="1" kern="1200">
-                <a:solidFill>
-                  <a:schemeClr val="tx2"/>
-                </a:solidFill>
-                <a:latin typeface="+mn-lt"/>
-                <a:ea typeface="+mn-ea"/>
-                <a:cs typeface="+mn-cs"/>
-              </a:defRPr>
-            </a:lvl1pPr>
-            <a:lvl2pPr marL="571500" indent="-228600" algn="l" defTabSz="685800" rtl="0" eaLnBrk="1" latinLnBrk="0" hangingPunct="1">
-              <a:lnSpc>
-                <a:spcPct val="100000"/>
-              </a:lnSpc>
-              <a:spcBef>
-                <a:spcPts val="200"/>
-              </a:spcBef>
-              <a:spcAft>
-                <a:spcPts val="400"/>
-              </a:spcAft>
-              <a:buSzPct val="90000"/>
-              <a:buFont typeface="Wingdings" charset="2"/>
-              <a:buChar char="§"/>
-              <a:defRPr sz="1800" kern="1200">
-                <a:solidFill>
-                  <a:schemeClr val="tx2"/>
-                </a:solidFill>
-                <a:latin typeface="+mn-lt"/>
-                <a:ea typeface="+mn-ea"/>
-                <a:cs typeface="+mn-cs"/>
-              </a:defRPr>
-            </a:lvl2pPr>
-            <a:lvl3pPr marL="914400" indent="-228600" algn="l" defTabSz="685800" rtl="0" eaLnBrk="1" latinLnBrk="0" hangingPunct="1">
-              <a:lnSpc>
-                <a:spcPct val="100000"/>
-              </a:lnSpc>
-              <a:spcBef>
-                <a:spcPts val="200"/>
-              </a:spcBef>
-              <a:spcAft>
-                <a:spcPts val="400"/>
-              </a:spcAft>
-              <a:buSzPct val="90000"/>
-              <a:buFont typeface="Wingdings" charset="2"/>
-              <a:buChar char="§"/>
-              <a:defRPr sz="1600" kern="1200">
-                <a:solidFill>
-                  <a:schemeClr val="tx2"/>
-                </a:solidFill>
-                <a:latin typeface="+mn-lt"/>
-                <a:ea typeface="+mn-ea"/>
-                <a:cs typeface="+mn-cs"/>
-              </a:defRPr>
-            </a:lvl3pPr>
-            <a:lvl4pPr marL="1200150" indent="-171450" algn="l" defTabSz="685800" rtl="0" eaLnBrk="1" latinLnBrk="0" hangingPunct="1">
-              <a:lnSpc>
-                <a:spcPct val="100000"/>
-              </a:lnSpc>
-              <a:spcBef>
-                <a:spcPts val="200"/>
-              </a:spcBef>
-              <a:spcAft>
-                <a:spcPts val="400"/>
-              </a:spcAft>
-              <a:buSzPct val="90000"/>
-              <a:buFont typeface="Wingdings" charset="2"/>
-              <a:buChar char="§"/>
-              <a:defRPr sz="1400" kern="1200">
-                <a:solidFill>
-                  <a:schemeClr val="tx2"/>
-                </a:solidFill>
-                <a:latin typeface="+mn-lt"/>
-                <a:ea typeface="+mn-ea"/>
-                <a:cs typeface="+mn-cs"/>
-              </a:defRPr>
-            </a:lvl4pPr>
-            <a:lvl5pPr marL="1543050" indent="-171450" algn="l" defTabSz="685800" rtl="0" eaLnBrk="1" latinLnBrk="0" hangingPunct="1">
-              <a:lnSpc>
-                <a:spcPct val="100000"/>
-              </a:lnSpc>
-              <a:spcBef>
-                <a:spcPts val="200"/>
-              </a:spcBef>
-              <a:spcAft>
-                <a:spcPts val="400"/>
-              </a:spcAft>
-              <a:buSzPct val="90000"/>
-              <a:buFont typeface="Wingdings" charset="2"/>
-              <a:buChar char="§"/>
-              <a:defRPr sz="1200" kern="1200">
-                <a:solidFill>
-                  <a:schemeClr val="tx2"/>
-                </a:solidFill>
-                <a:latin typeface="+mn-lt"/>
-                <a:ea typeface="+mn-ea"/>
-                <a:cs typeface="+mn-cs"/>
-              </a:defRPr>
-            </a:lvl5pPr>
-            <a:lvl6pPr marL="1885950" indent="-171450" algn="l" defTabSz="685800" rtl="0" eaLnBrk="1" latinLnBrk="0" hangingPunct="1">
-              <a:lnSpc>
-                <a:spcPct val="90000"/>
-              </a:lnSpc>
-              <a:spcBef>
-                <a:spcPts val="375"/>
-              </a:spcBef>
-              <a:buFont typeface="Arial" panose="020B0604020202020204" pitchFamily="34" charset="0"/>
-              <a:buChar char="•"/>
-              <a:defRPr sz="1350" kern="1200">
-                <a:solidFill>
-                  <a:schemeClr val="tx1"/>
-                </a:solidFill>
-                <a:latin typeface="+mn-lt"/>
-                <a:ea typeface="+mn-ea"/>
-                <a:cs typeface="+mn-cs"/>
-              </a:defRPr>
-            </a:lvl6pPr>
-            <a:lvl7pPr marL="2228850" indent="-171450" algn="l" defTabSz="685800" rtl="0" eaLnBrk="1" latinLnBrk="0" hangingPunct="1">
-              <a:lnSpc>
-                <a:spcPct val="90000"/>
-              </a:lnSpc>
-              <a:spcBef>
-                <a:spcPts val="375"/>
-              </a:spcBef>
-              <a:buFont typeface="Arial" panose="020B0604020202020204" pitchFamily="34" charset="0"/>
-              <a:buChar char="•"/>
-              <a:defRPr sz="1350" kern="1200">
-                <a:solidFill>
-                  <a:schemeClr val="tx1"/>
-                </a:solidFill>
-                <a:latin typeface="+mn-lt"/>
-                <a:ea typeface="+mn-ea"/>
-                <a:cs typeface="+mn-cs"/>
-              </a:defRPr>
-            </a:lvl7pPr>
-            <a:lvl8pPr marL="2571750" indent="-171450" algn="l" defTabSz="685800" rtl="0" eaLnBrk="1" latinLnBrk="0" hangingPunct="1">
-              <a:lnSpc>
-                <a:spcPct val="90000"/>
-              </a:lnSpc>
-              <a:spcBef>
-                <a:spcPts val="375"/>
-              </a:spcBef>
-              <a:buFont typeface="Arial" panose="020B0604020202020204" pitchFamily="34" charset="0"/>
-              <a:buChar char="•"/>
-              <a:defRPr sz="1350" kern="1200">
-                <a:solidFill>
-                  <a:schemeClr val="tx1"/>
-                </a:solidFill>
-                <a:latin typeface="+mn-lt"/>
-                <a:ea typeface="+mn-ea"/>
-                <a:cs typeface="+mn-cs"/>
-              </a:defRPr>
-            </a:lvl8pPr>
-            <a:lvl9pPr marL="2914650" indent="-171450" algn="l" defTabSz="685800" rtl="0" eaLnBrk="1" latinLnBrk="0" hangingPunct="1">
-              <a:lnSpc>
-                <a:spcPct val="90000"/>
-              </a:lnSpc>
-              <a:spcBef>
-                <a:spcPts val="375"/>
-              </a:spcBef>
-              <a:buFont typeface="Arial" panose="020B0604020202020204" pitchFamily="34" charset="0"/>
-              <a:buChar char="•"/>
-              <a:defRPr sz="1350" kern="1200">
-                <a:solidFill>
-                  <a:schemeClr val="tx1"/>
-                </a:solidFill>
-                <a:latin typeface="+mn-lt"/>
-                <a:ea typeface="+mn-ea"/>
-                <a:cs typeface="+mn-cs"/>
-              </a:defRPr>
-            </a:lvl9pPr>
-          </a:lstStyle>
-          <a:p>
-            <a:r>
-              <a:rPr lang="en-US" dirty="0"/>
-              <a:t>Vidya</a:t>
-            </a:r>
-          </a:p>
-        </p:txBody>
-      </p:sp>
-      <p:sp>
-        <p:nvSpPr>
-          <p:cNvPr id="40" name="Text Placeholder 15">
-            <a:extLst>
-              <a:ext uri="{FF2B5EF4-FFF2-40B4-BE49-F238E27FC236}">
-                <a16:creationId xmlns:a16="http://schemas.microsoft.com/office/drawing/2014/main" id="{463D5EC7-281E-0516-F07C-D290F3AB8501}"/>
-              </a:ext>
-            </a:extLst>
-          </p:cNvPr>
-          <p:cNvSpPr txBox="1">
-            <a:spLocks/>
-          </p:cNvSpPr>
-          <p:nvPr/>
-        </p:nvSpPr>
-        <p:spPr>
-          <a:xfrm>
-            <a:off x="593285" y="4759604"/>
-            <a:ext cx="1953571" cy="281916"/>
-          </a:xfrm>
-          <a:prstGeom prst="rect">
-            <a:avLst/>
-          </a:prstGeom>
-        </p:spPr>
-        <p:txBody>
-          <a:bodyPr/>
-          <a:lstStyle>
-            <a:lvl1pPr marL="0" indent="0" algn="ctr" defTabSz="685800" rtl="0" eaLnBrk="1" latinLnBrk="0" hangingPunct="1">
-              <a:lnSpc>
-                <a:spcPct val="100000"/>
-              </a:lnSpc>
-              <a:spcBef>
-                <a:spcPts val="1200"/>
-              </a:spcBef>
-              <a:spcAft>
-                <a:spcPts val="200"/>
-              </a:spcAft>
-              <a:buSzPct val="90000"/>
-              <a:buFont typeface="Wingdings" charset="2"/>
-              <a:buNone/>
-              <a:defRPr sz="1000" kern="1200">
-                <a:solidFill>
-                  <a:schemeClr val="tx2"/>
-                </a:solidFill>
-                <a:latin typeface="+mn-lt"/>
-                <a:ea typeface="+mn-ea"/>
-                <a:cs typeface="+mn-cs"/>
-              </a:defRPr>
-            </a:lvl1pPr>
-            <a:lvl2pPr marL="571500" indent="-228600" algn="l" defTabSz="685800" rtl="0" eaLnBrk="1" latinLnBrk="0" hangingPunct="1">
-              <a:lnSpc>
-                <a:spcPct val="100000"/>
-              </a:lnSpc>
-              <a:spcBef>
-                <a:spcPts val="200"/>
-              </a:spcBef>
-              <a:spcAft>
-                <a:spcPts val="400"/>
-              </a:spcAft>
-              <a:buSzPct val="90000"/>
-              <a:buFont typeface="Wingdings" charset="2"/>
-              <a:buChar char="§"/>
-              <a:defRPr sz="1800" kern="1200">
-                <a:solidFill>
-                  <a:schemeClr val="tx2"/>
-                </a:solidFill>
-                <a:latin typeface="+mn-lt"/>
-                <a:ea typeface="+mn-ea"/>
-                <a:cs typeface="+mn-cs"/>
-              </a:defRPr>
-            </a:lvl2pPr>
-            <a:lvl3pPr marL="914400" indent="-228600" algn="l" defTabSz="685800" rtl="0" eaLnBrk="1" latinLnBrk="0" hangingPunct="1">
-              <a:lnSpc>
-                <a:spcPct val="100000"/>
-              </a:lnSpc>
-              <a:spcBef>
-                <a:spcPts val="200"/>
-              </a:spcBef>
-              <a:spcAft>
-                <a:spcPts val="400"/>
-              </a:spcAft>
-              <a:buSzPct val="90000"/>
-              <a:buFont typeface="Wingdings" charset="2"/>
-              <a:buChar char="§"/>
-              <a:defRPr sz="1600" kern="1200">
-                <a:solidFill>
-                  <a:schemeClr val="tx2"/>
-                </a:solidFill>
-                <a:latin typeface="+mn-lt"/>
-                <a:ea typeface="+mn-ea"/>
-                <a:cs typeface="+mn-cs"/>
-              </a:defRPr>
-            </a:lvl3pPr>
-            <a:lvl4pPr marL="1200150" indent="-171450" algn="l" defTabSz="685800" rtl="0" eaLnBrk="1" latinLnBrk="0" hangingPunct="1">
-              <a:lnSpc>
-                <a:spcPct val="100000"/>
-              </a:lnSpc>
-              <a:spcBef>
-                <a:spcPts val="200"/>
-              </a:spcBef>
-              <a:spcAft>
-                <a:spcPts val="400"/>
-              </a:spcAft>
-              <a:buSzPct val="90000"/>
-              <a:buFont typeface="Wingdings" charset="2"/>
-              <a:buChar char="§"/>
-              <a:defRPr sz="1400" kern="1200">
-                <a:solidFill>
-                  <a:schemeClr val="tx2"/>
-                </a:solidFill>
-                <a:latin typeface="+mn-lt"/>
-                <a:ea typeface="+mn-ea"/>
-                <a:cs typeface="+mn-cs"/>
-              </a:defRPr>
-            </a:lvl4pPr>
-            <a:lvl5pPr marL="1543050" indent="-171450" algn="l" defTabSz="685800" rtl="0" eaLnBrk="1" latinLnBrk="0" hangingPunct="1">
-              <a:lnSpc>
-                <a:spcPct val="100000"/>
-              </a:lnSpc>
-              <a:spcBef>
-                <a:spcPts val="200"/>
-              </a:spcBef>
-              <a:spcAft>
-                <a:spcPts val="400"/>
-              </a:spcAft>
-              <a:buSzPct val="90000"/>
-              <a:buFont typeface="Wingdings" charset="2"/>
-              <a:buChar char="§"/>
-              <a:defRPr sz="1200" kern="1200">
-                <a:solidFill>
-                  <a:schemeClr val="tx2"/>
-                </a:solidFill>
-                <a:latin typeface="+mn-lt"/>
-                <a:ea typeface="+mn-ea"/>
-                <a:cs typeface="+mn-cs"/>
-              </a:defRPr>
-            </a:lvl5pPr>
-            <a:lvl6pPr marL="1885950" indent="-171450" algn="l" defTabSz="685800" rtl="0" eaLnBrk="1" latinLnBrk="0" hangingPunct="1">
-              <a:lnSpc>
-                <a:spcPct val="90000"/>
-              </a:lnSpc>
-              <a:spcBef>
-                <a:spcPts val="375"/>
-              </a:spcBef>
-              <a:buFont typeface="Arial" panose="020B0604020202020204" pitchFamily="34" charset="0"/>
-              <a:buChar char="•"/>
-              <a:defRPr sz="1350" kern="1200">
-                <a:solidFill>
-                  <a:schemeClr val="tx1"/>
-                </a:solidFill>
-                <a:latin typeface="+mn-lt"/>
-                <a:ea typeface="+mn-ea"/>
-                <a:cs typeface="+mn-cs"/>
-              </a:defRPr>
-            </a:lvl6pPr>
-            <a:lvl7pPr marL="2228850" indent="-171450" algn="l" defTabSz="685800" rtl="0" eaLnBrk="1" latinLnBrk="0" hangingPunct="1">
-              <a:lnSpc>
-                <a:spcPct val="90000"/>
-              </a:lnSpc>
-              <a:spcBef>
-                <a:spcPts val="375"/>
-              </a:spcBef>
-              <a:buFont typeface="Arial" panose="020B0604020202020204" pitchFamily="34" charset="0"/>
-              <a:buChar char="•"/>
-              <a:defRPr sz="1350" kern="1200">
-                <a:solidFill>
-                  <a:schemeClr val="tx1"/>
-                </a:solidFill>
-                <a:latin typeface="+mn-lt"/>
-                <a:ea typeface="+mn-ea"/>
-                <a:cs typeface="+mn-cs"/>
-              </a:defRPr>
-            </a:lvl7pPr>
-            <a:lvl8pPr marL="2571750" indent="-171450" algn="l" defTabSz="685800" rtl="0" eaLnBrk="1" latinLnBrk="0" hangingPunct="1">
-              <a:lnSpc>
-                <a:spcPct val="90000"/>
-              </a:lnSpc>
-              <a:spcBef>
-                <a:spcPts val="375"/>
-              </a:spcBef>
-              <a:buFont typeface="Arial" panose="020B0604020202020204" pitchFamily="34" charset="0"/>
-              <a:buChar char="•"/>
-              <a:defRPr sz="1350" kern="1200">
-                <a:solidFill>
-                  <a:schemeClr val="tx1"/>
-                </a:solidFill>
-                <a:latin typeface="+mn-lt"/>
-                <a:ea typeface="+mn-ea"/>
-                <a:cs typeface="+mn-cs"/>
-              </a:defRPr>
-            </a:lvl8pPr>
-            <a:lvl9pPr marL="2914650" indent="-171450" algn="l" defTabSz="685800" rtl="0" eaLnBrk="1" latinLnBrk="0" hangingPunct="1">
-              <a:lnSpc>
-                <a:spcPct val="90000"/>
-              </a:lnSpc>
-              <a:spcBef>
-                <a:spcPts val="375"/>
-              </a:spcBef>
-              <a:buFont typeface="Arial" panose="020B0604020202020204" pitchFamily="34" charset="0"/>
-              <a:buChar char="•"/>
-              <a:defRPr sz="1350" kern="1200">
-                <a:solidFill>
-                  <a:schemeClr val="tx1"/>
-                </a:solidFill>
-                <a:latin typeface="+mn-lt"/>
-                <a:ea typeface="+mn-ea"/>
-                <a:cs typeface="+mn-cs"/>
-              </a:defRPr>
-            </a:lvl9pPr>
-          </a:lstStyle>
-          <a:p>
-            <a:r>
-              <a:rPr lang="en-US" dirty="0"/>
-              <a:t>Acumatica SME</a:t>
-            </a:r>
-          </a:p>
-        </p:txBody>
-      </p:sp>
-      <p:sp>
-        <p:nvSpPr>
-          <p:cNvPr id="41" name="Text Placeholder 7">
-            <a:extLst>
-              <a:ext uri="{FF2B5EF4-FFF2-40B4-BE49-F238E27FC236}">
-                <a16:creationId xmlns:a16="http://schemas.microsoft.com/office/drawing/2014/main" id="{EA8A9905-3995-236A-545B-5D7A78B1B7E5}"/>
-              </a:ext>
-            </a:extLst>
-          </p:cNvPr>
-          <p:cNvSpPr txBox="1">
-            <a:spLocks/>
-          </p:cNvSpPr>
-          <p:nvPr/>
-        </p:nvSpPr>
-        <p:spPr>
-          <a:xfrm>
-            <a:off x="2637514" y="2568605"/>
-            <a:ext cx="1953571" cy="281916"/>
-          </a:xfrm>
-          <a:prstGeom prst="rect">
-            <a:avLst/>
-          </a:prstGeom>
-        </p:spPr>
-        <p:txBody>
-          <a:bodyPr/>
-          <a:lstStyle>
-            <a:lvl1pPr marL="0" indent="0" algn="ctr" defTabSz="685800" rtl="0" eaLnBrk="1" latinLnBrk="0" hangingPunct="1">
-              <a:lnSpc>
-                <a:spcPct val="100000"/>
-              </a:lnSpc>
-              <a:spcBef>
-                <a:spcPts val="1200"/>
-              </a:spcBef>
-              <a:spcAft>
-                <a:spcPts val="200"/>
-              </a:spcAft>
-              <a:buSzPct val="90000"/>
-              <a:buFont typeface="Wingdings" charset="2"/>
-              <a:buNone/>
-              <a:defRPr sz="1000" kern="1200">
-                <a:solidFill>
-                  <a:schemeClr val="tx2"/>
-                </a:solidFill>
-                <a:latin typeface="+mn-lt"/>
-                <a:ea typeface="+mn-ea"/>
-                <a:cs typeface="+mn-cs"/>
-              </a:defRPr>
-            </a:lvl1pPr>
-            <a:lvl2pPr marL="571500" indent="-228600" algn="l" defTabSz="685800" rtl="0" eaLnBrk="1" latinLnBrk="0" hangingPunct="1">
-              <a:lnSpc>
-                <a:spcPct val="100000"/>
-              </a:lnSpc>
-              <a:spcBef>
-                <a:spcPts val="200"/>
-              </a:spcBef>
-              <a:spcAft>
-                <a:spcPts val="400"/>
-              </a:spcAft>
-              <a:buSzPct val="90000"/>
-              <a:buFont typeface="Wingdings" charset="2"/>
-              <a:buChar char="§"/>
-              <a:defRPr sz="1800" kern="1200">
-                <a:solidFill>
-                  <a:schemeClr val="tx2"/>
-                </a:solidFill>
-                <a:latin typeface="+mn-lt"/>
-                <a:ea typeface="+mn-ea"/>
-                <a:cs typeface="+mn-cs"/>
-              </a:defRPr>
-            </a:lvl2pPr>
-            <a:lvl3pPr marL="914400" indent="-228600" algn="l" defTabSz="685800" rtl="0" eaLnBrk="1" latinLnBrk="0" hangingPunct="1">
-              <a:lnSpc>
-                <a:spcPct val="100000"/>
-              </a:lnSpc>
-              <a:spcBef>
-                <a:spcPts val="200"/>
-              </a:spcBef>
-              <a:spcAft>
-                <a:spcPts val="400"/>
-              </a:spcAft>
-              <a:buSzPct val="90000"/>
-              <a:buFont typeface="Wingdings" charset="2"/>
-              <a:buChar char="§"/>
-              <a:defRPr sz="1600" kern="1200">
-                <a:solidFill>
-                  <a:schemeClr val="tx2"/>
-                </a:solidFill>
-                <a:latin typeface="+mn-lt"/>
-                <a:ea typeface="+mn-ea"/>
-                <a:cs typeface="+mn-cs"/>
-              </a:defRPr>
-            </a:lvl3pPr>
-            <a:lvl4pPr marL="1200150" indent="-171450" algn="l" defTabSz="685800" rtl="0" eaLnBrk="1" latinLnBrk="0" hangingPunct="1">
-              <a:lnSpc>
-                <a:spcPct val="100000"/>
-              </a:lnSpc>
-              <a:spcBef>
-                <a:spcPts val="200"/>
-              </a:spcBef>
-              <a:spcAft>
-                <a:spcPts val="400"/>
-              </a:spcAft>
-              <a:buSzPct val="90000"/>
-              <a:buFont typeface="Wingdings" charset="2"/>
-              <a:buChar char="§"/>
-              <a:defRPr sz="1400" kern="1200">
-                <a:solidFill>
-                  <a:schemeClr val="tx2"/>
-                </a:solidFill>
-                <a:latin typeface="+mn-lt"/>
-                <a:ea typeface="+mn-ea"/>
-                <a:cs typeface="+mn-cs"/>
-              </a:defRPr>
-            </a:lvl4pPr>
-            <a:lvl5pPr marL="1543050" indent="-171450" algn="l" defTabSz="685800" rtl="0" eaLnBrk="1" latinLnBrk="0" hangingPunct="1">
-              <a:lnSpc>
-                <a:spcPct val="100000"/>
-              </a:lnSpc>
-              <a:spcBef>
-                <a:spcPts val="200"/>
-              </a:spcBef>
-              <a:spcAft>
-                <a:spcPts val="400"/>
-              </a:spcAft>
-              <a:buSzPct val="90000"/>
-              <a:buFont typeface="Wingdings" charset="2"/>
-              <a:buChar char="§"/>
-              <a:defRPr sz="1200" kern="1200">
-                <a:solidFill>
-                  <a:schemeClr val="tx2"/>
-                </a:solidFill>
-                <a:latin typeface="+mn-lt"/>
-                <a:ea typeface="+mn-ea"/>
-                <a:cs typeface="+mn-cs"/>
-              </a:defRPr>
-            </a:lvl5pPr>
-            <a:lvl6pPr marL="1885950" indent="-171450" algn="l" defTabSz="685800" rtl="0" eaLnBrk="1" latinLnBrk="0" hangingPunct="1">
-              <a:lnSpc>
-                <a:spcPct val="90000"/>
-              </a:lnSpc>
-              <a:spcBef>
-                <a:spcPts val="375"/>
-              </a:spcBef>
-              <a:buFont typeface="Arial" panose="020B0604020202020204" pitchFamily="34" charset="0"/>
-              <a:buChar char="•"/>
-              <a:defRPr sz="1350" kern="1200">
-                <a:solidFill>
-                  <a:schemeClr val="tx1"/>
-                </a:solidFill>
-                <a:latin typeface="+mn-lt"/>
-                <a:ea typeface="+mn-ea"/>
-                <a:cs typeface="+mn-cs"/>
-              </a:defRPr>
-            </a:lvl6pPr>
-            <a:lvl7pPr marL="2228850" indent="-171450" algn="l" defTabSz="685800" rtl="0" eaLnBrk="1" latinLnBrk="0" hangingPunct="1">
-              <a:lnSpc>
-                <a:spcPct val="90000"/>
-              </a:lnSpc>
-              <a:spcBef>
-                <a:spcPts val="375"/>
-              </a:spcBef>
-              <a:buFont typeface="Arial" panose="020B0604020202020204" pitchFamily="34" charset="0"/>
-              <a:buChar char="•"/>
-              <a:defRPr sz="1350" kern="1200">
-                <a:solidFill>
-                  <a:schemeClr val="tx1"/>
-                </a:solidFill>
-                <a:latin typeface="+mn-lt"/>
-                <a:ea typeface="+mn-ea"/>
-                <a:cs typeface="+mn-cs"/>
-              </a:defRPr>
-            </a:lvl7pPr>
-            <a:lvl8pPr marL="2571750" indent="-171450" algn="l" defTabSz="685800" rtl="0" eaLnBrk="1" latinLnBrk="0" hangingPunct="1">
-              <a:lnSpc>
-                <a:spcPct val="90000"/>
-              </a:lnSpc>
-              <a:spcBef>
-                <a:spcPts val="375"/>
-              </a:spcBef>
-              <a:buFont typeface="Arial" panose="020B0604020202020204" pitchFamily="34" charset="0"/>
-              <a:buChar char="•"/>
-              <a:defRPr sz="1350" kern="1200">
-                <a:solidFill>
-                  <a:schemeClr val="tx1"/>
-                </a:solidFill>
-                <a:latin typeface="+mn-lt"/>
-                <a:ea typeface="+mn-ea"/>
-                <a:cs typeface="+mn-cs"/>
-              </a:defRPr>
-            </a:lvl8pPr>
-            <a:lvl9pPr marL="2914650" indent="-171450" algn="l" defTabSz="685800" rtl="0" eaLnBrk="1" latinLnBrk="0" hangingPunct="1">
-              <a:lnSpc>
-                <a:spcPct val="90000"/>
-              </a:lnSpc>
-              <a:spcBef>
-                <a:spcPts val="375"/>
-              </a:spcBef>
-              <a:buFont typeface="Arial" panose="020B0604020202020204" pitchFamily="34" charset="0"/>
-              <a:buChar char="•"/>
-              <a:defRPr sz="1350" kern="1200">
-                <a:solidFill>
-                  <a:schemeClr val="tx1"/>
-                </a:solidFill>
-                <a:latin typeface="+mn-lt"/>
-                <a:ea typeface="+mn-ea"/>
-                <a:cs typeface="+mn-cs"/>
-              </a:defRPr>
-            </a:lvl9pPr>
-          </a:lstStyle>
-          <a:p>
-            <a:r>
-              <a:rPr lang="en-US"/>
-              <a:t>Developer – SPS Commerce </a:t>
-            </a:r>
-            <a:endParaRPr lang="en-US" dirty="0"/>
-          </a:p>
-        </p:txBody>
-      </p:sp>
-      <p:sp>
-        <p:nvSpPr>
-          <p:cNvPr id="42" name="Text Placeholder 6">
-            <a:extLst>
-              <a:ext uri="{FF2B5EF4-FFF2-40B4-BE49-F238E27FC236}">
-                <a16:creationId xmlns:a16="http://schemas.microsoft.com/office/drawing/2014/main" id="{037F8FE7-9B95-1507-23EC-B5F14254B28F}"/>
-              </a:ext>
-            </a:extLst>
-          </p:cNvPr>
-          <p:cNvSpPr txBox="1">
-            <a:spLocks/>
-          </p:cNvSpPr>
-          <p:nvPr/>
-        </p:nvSpPr>
-        <p:spPr>
-          <a:xfrm>
-            <a:off x="3210173" y="4589834"/>
-            <a:ext cx="1953571" cy="245765"/>
-          </a:xfrm>
-          <a:prstGeom prst="rect">
-            <a:avLst/>
-          </a:prstGeom>
-        </p:spPr>
-        <p:txBody>
-          <a:bodyPr/>
-          <a:lstStyle>
-            <a:lvl1pPr marL="0" indent="0" algn="ctr" defTabSz="685800" rtl="0" eaLnBrk="1" latinLnBrk="0" hangingPunct="1">
-              <a:lnSpc>
-                <a:spcPct val="100000"/>
-              </a:lnSpc>
-              <a:spcBef>
-                <a:spcPts val="1200"/>
-              </a:spcBef>
-              <a:spcAft>
-                <a:spcPts val="200"/>
-              </a:spcAft>
-              <a:buSzPct val="90000"/>
-              <a:buFont typeface="Wingdings" charset="2"/>
-              <a:buNone/>
-              <a:defRPr sz="1100" b="1" kern="1200">
-                <a:solidFill>
-                  <a:schemeClr val="tx2"/>
-                </a:solidFill>
-                <a:latin typeface="+mn-lt"/>
-                <a:ea typeface="+mn-ea"/>
-                <a:cs typeface="+mn-cs"/>
-              </a:defRPr>
-            </a:lvl1pPr>
-            <a:lvl2pPr marL="571500" indent="-228600" algn="l" defTabSz="685800" rtl="0" eaLnBrk="1" latinLnBrk="0" hangingPunct="1">
-              <a:lnSpc>
-                <a:spcPct val="100000"/>
-              </a:lnSpc>
-              <a:spcBef>
-                <a:spcPts val="200"/>
-              </a:spcBef>
-              <a:spcAft>
-                <a:spcPts val="400"/>
-              </a:spcAft>
-              <a:buSzPct val="90000"/>
-              <a:buFont typeface="Wingdings" charset="2"/>
-              <a:buChar char="§"/>
-              <a:defRPr sz="1800" kern="1200">
-                <a:solidFill>
-                  <a:schemeClr val="tx2"/>
-                </a:solidFill>
-                <a:latin typeface="+mn-lt"/>
-                <a:ea typeface="+mn-ea"/>
-                <a:cs typeface="+mn-cs"/>
-              </a:defRPr>
-            </a:lvl2pPr>
-            <a:lvl3pPr marL="914400" indent="-228600" algn="l" defTabSz="685800" rtl="0" eaLnBrk="1" latinLnBrk="0" hangingPunct="1">
-              <a:lnSpc>
-                <a:spcPct val="100000"/>
-              </a:lnSpc>
-              <a:spcBef>
-                <a:spcPts val="200"/>
-              </a:spcBef>
-              <a:spcAft>
-                <a:spcPts val="400"/>
-              </a:spcAft>
-              <a:buSzPct val="90000"/>
-              <a:buFont typeface="Wingdings" charset="2"/>
-              <a:buChar char="§"/>
-              <a:defRPr sz="1600" kern="1200">
-                <a:solidFill>
-                  <a:schemeClr val="tx2"/>
-                </a:solidFill>
-                <a:latin typeface="+mn-lt"/>
-                <a:ea typeface="+mn-ea"/>
-                <a:cs typeface="+mn-cs"/>
-              </a:defRPr>
-            </a:lvl3pPr>
-            <a:lvl4pPr marL="1200150" indent="-171450" algn="l" defTabSz="685800" rtl="0" eaLnBrk="1" latinLnBrk="0" hangingPunct="1">
-              <a:lnSpc>
-                <a:spcPct val="100000"/>
-              </a:lnSpc>
-              <a:spcBef>
-                <a:spcPts val="200"/>
-              </a:spcBef>
-              <a:spcAft>
-                <a:spcPts val="400"/>
-              </a:spcAft>
-              <a:buSzPct val="90000"/>
-              <a:buFont typeface="Wingdings" charset="2"/>
-              <a:buChar char="§"/>
-              <a:defRPr sz="1400" kern="1200">
-                <a:solidFill>
-                  <a:schemeClr val="tx2"/>
-                </a:solidFill>
-                <a:latin typeface="+mn-lt"/>
-                <a:ea typeface="+mn-ea"/>
-                <a:cs typeface="+mn-cs"/>
-              </a:defRPr>
-            </a:lvl4pPr>
-            <a:lvl5pPr marL="1543050" indent="-171450" algn="l" defTabSz="685800" rtl="0" eaLnBrk="1" latinLnBrk="0" hangingPunct="1">
-              <a:lnSpc>
-                <a:spcPct val="100000"/>
-              </a:lnSpc>
-              <a:spcBef>
-                <a:spcPts val="200"/>
-              </a:spcBef>
-              <a:spcAft>
-                <a:spcPts val="400"/>
-              </a:spcAft>
-              <a:buSzPct val="90000"/>
-              <a:buFont typeface="Wingdings" charset="2"/>
-              <a:buChar char="§"/>
-              <a:defRPr sz="1200" kern="1200">
-                <a:solidFill>
-                  <a:schemeClr val="tx2"/>
-                </a:solidFill>
-                <a:latin typeface="+mn-lt"/>
-                <a:ea typeface="+mn-ea"/>
-                <a:cs typeface="+mn-cs"/>
-              </a:defRPr>
-            </a:lvl5pPr>
-            <a:lvl6pPr marL="1885950" indent="-171450" algn="l" defTabSz="685800" rtl="0" eaLnBrk="1" latinLnBrk="0" hangingPunct="1">
-              <a:lnSpc>
-                <a:spcPct val="90000"/>
-              </a:lnSpc>
-              <a:spcBef>
-                <a:spcPts val="375"/>
-              </a:spcBef>
-              <a:buFont typeface="Arial" panose="020B0604020202020204" pitchFamily="34" charset="0"/>
-              <a:buChar char="•"/>
-              <a:defRPr sz="1350" kern="1200">
-                <a:solidFill>
-                  <a:schemeClr val="tx1"/>
-                </a:solidFill>
-                <a:latin typeface="+mn-lt"/>
-                <a:ea typeface="+mn-ea"/>
-                <a:cs typeface="+mn-cs"/>
-              </a:defRPr>
-            </a:lvl6pPr>
-            <a:lvl7pPr marL="2228850" indent="-171450" algn="l" defTabSz="685800" rtl="0" eaLnBrk="1" latinLnBrk="0" hangingPunct="1">
-              <a:lnSpc>
-                <a:spcPct val="90000"/>
-              </a:lnSpc>
-              <a:spcBef>
-                <a:spcPts val="375"/>
-              </a:spcBef>
-              <a:buFont typeface="Arial" panose="020B0604020202020204" pitchFamily="34" charset="0"/>
-              <a:buChar char="•"/>
-              <a:defRPr sz="1350" kern="1200">
-                <a:solidFill>
-                  <a:schemeClr val="tx1"/>
-                </a:solidFill>
-                <a:latin typeface="+mn-lt"/>
-                <a:ea typeface="+mn-ea"/>
-                <a:cs typeface="+mn-cs"/>
-              </a:defRPr>
-            </a:lvl7pPr>
-            <a:lvl8pPr marL="2571750" indent="-171450" algn="l" defTabSz="685800" rtl="0" eaLnBrk="1" latinLnBrk="0" hangingPunct="1">
-              <a:lnSpc>
-                <a:spcPct val="90000"/>
-              </a:lnSpc>
-              <a:spcBef>
-                <a:spcPts val="375"/>
-              </a:spcBef>
-              <a:buFont typeface="Arial" panose="020B0604020202020204" pitchFamily="34" charset="0"/>
-              <a:buChar char="•"/>
-              <a:defRPr sz="1350" kern="1200">
-                <a:solidFill>
-                  <a:schemeClr val="tx1"/>
-                </a:solidFill>
-                <a:latin typeface="+mn-lt"/>
-                <a:ea typeface="+mn-ea"/>
-                <a:cs typeface="+mn-cs"/>
-              </a:defRPr>
-            </a:lvl8pPr>
-            <a:lvl9pPr marL="2914650" indent="-171450" algn="l" defTabSz="685800" rtl="0" eaLnBrk="1" latinLnBrk="0" hangingPunct="1">
-              <a:lnSpc>
-                <a:spcPct val="90000"/>
-              </a:lnSpc>
-              <a:spcBef>
-                <a:spcPts val="375"/>
-              </a:spcBef>
-              <a:buFont typeface="Arial" panose="020B0604020202020204" pitchFamily="34" charset="0"/>
-              <a:buChar char="•"/>
-              <a:defRPr sz="1350" kern="1200">
-                <a:solidFill>
-                  <a:schemeClr val="tx1"/>
-                </a:solidFill>
-                <a:latin typeface="+mn-lt"/>
-                <a:ea typeface="+mn-ea"/>
-                <a:cs typeface="+mn-cs"/>
-              </a:defRPr>
-            </a:lvl9pPr>
-          </a:lstStyle>
-          <a:p>
-            <a:r>
-              <a:rPr lang="en-US" dirty="0"/>
-              <a:t>Paul Gilfoy</a:t>
-            </a:r>
-          </a:p>
-        </p:txBody>
-      </p:sp>
-      <p:sp>
-        <p:nvSpPr>
-          <p:cNvPr id="43" name="Text Placeholder 7">
-            <a:extLst>
-              <a:ext uri="{FF2B5EF4-FFF2-40B4-BE49-F238E27FC236}">
-                <a16:creationId xmlns:a16="http://schemas.microsoft.com/office/drawing/2014/main" id="{92F7C0FB-D1F2-4167-345F-30210747E332}"/>
-              </a:ext>
-            </a:extLst>
-          </p:cNvPr>
-          <p:cNvSpPr txBox="1">
-            <a:spLocks/>
-          </p:cNvSpPr>
-          <p:nvPr/>
-        </p:nvSpPr>
-        <p:spPr>
-          <a:xfrm>
-            <a:off x="5755837" y="4848608"/>
-            <a:ext cx="1953571" cy="281916"/>
-          </a:xfrm>
-          <a:prstGeom prst="rect">
-            <a:avLst/>
-          </a:prstGeom>
-        </p:spPr>
-        <p:txBody>
-          <a:bodyPr/>
-          <a:lstStyle>
-            <a:lvl1pPr marL="0" indent="0" algn="ctr" defTabSz="685800" rtl="0" eaLnBrk="1" latinLnBrk="0" hangingPunct="1">
-              <a:lnSpc>
-                <a:spcPct val="100000"/>
-              </a:lnSpc>
-              <a:spcBef>
-                <a:spcPts val="1200"/>
-              </a:spcBef>
-              <a:spcAft>
-                <a:spcPts val="200"/>
-              </a:spcAft>
-              <a:buSzPct val="90000"/>
-              <a:buFont typeface="Wingdings" charset="2"/>
-              <a:buNone/>
-              <a:defRPr sz="1000" kern="1200">
-                <a:solidFill>
-                  <a:schemeClr val="tx2"/>
-                </a:solidFill>
-                <a:latin typeface="+mn-lt"/>
-                <a:ea typeface="+mn-ea"/>
-                <a:cs typeface="+mn-cs"/>
-              </a:defRPr>
-            </a:lvl1pPr>
-            <a:lvl2pPr marL="571500" indent="-228600" algn="l" defTabSz="685800" rtl="0" eaLnBrk="1" latinLnBrk="0" hangingPunct="1">
-              <a:lnSpc>
-                <a:spcPct val="100000"/>
-              </a:lnSpc>
-              <a:spcBef>
-                <a:spcPts val="200"/>
-              </a:spcBef>
-              <a:spcAft>
-                <a:spcPts val="400"/>
-              </a:spcAft>
-              <a:buSzPct val="90000"/>
-              <a:buFont typeface="Wingdings" charset="2"/>
-              <a:buChar char="§"/>
-              <a:defRPr sz="1800" kern="1200">
-                <a:solidFill>
-                  <a:schemeClr val="tx2"/>
-                </a:solidFill>
-                <a:latin typeface="+mn-lt"/>
-                <a:ea typeface="+mn-ea"/>
-                <a:cs typeface="+mn-cs"/>
-              </a:defRPr>
-            </a:lvl2pPr>
-            <a:lvl3pPr marL="914400" indent="-228600" algn="l" defTabSz="685800" rtl="0" eaLnBrk="1" latinLnBrk="0" hangingPunct="1">
-              <a:lnSpc>
-                <a:spcPct val="100000"/>
-              </a:lnSpc>
-              <a:spcBef>
-                <a:spcPts val="200"/>
-              </a:spcBef>
-              <a:spcAft>
-                <a:spcPts val="400"/>
-              </a:spcAft>
-              <a:buSzPct val="90000"/>
-              <a:buFont typeface="Wingdings" charset="2"/>
-              <a:buChar char="§"/>
-              <a:defRPr sz="1600" kern="1200">
-                <a:solidFill>
-                  <a:schemeClr val="tx2"/>
-                </a:solidFill>
-                <a:latin typeface="+mn-lt"/>
-                <a:ea typeface="+mn-ea"/>
-                <a:cs typeface="+mn-cs"/>
-              </a:defRPr>
-            </a:lvl3pPr>
-            <a:lvl4pPr marL="1200150" indent="-171450" algn="l" defTabSz="685800" rtl="0" eaLnBrk="1" latinLnBrk="0" hangingPunct="1">
-              <a:lnSpc>
-                <a:spcPct val="100000"/>
-              </a:lnSpc>
-              <a:spcBef>
-                <a:spcPts val="200"/>
-              </a:spcBef>
-              <a:spcAft>
-                <a:spcPts val="400"/>
-              </a:spcAft>
-              <a:buSzPct val="90000"/>
-              <a:buFont typeface="Wingdings" charset="2"/>
-              <a:buChar char="§"/>
-              <a:defRPr sz="1400" kern="1200">
-                <a:solidFill>
-                  <a:schemeClr val="tx2"/>
-                </a:solidFill>
-                <a:latin typeface="+mn-lt"/>
-                <a:ea typeface="+mn-ea"/>
-                <a:cs typeface="+mn-cs"/>
-              </a:defRPr>
-            </a:lvl4pPr>
-            <a:lvl5pPr marL="1543050" indent="-171450" algn="l" defTabSz="685800" rtl="0" eaLnBrk="1" latinLnBrk="0" hangingPunct="1">
-              <a:lnSpc>
-                <a:spcPct val="100000"/>
-              </a:lnSpc>
-              <a:spcBef>
-                <a:spcPts val="200"/>
-              </a:spcBef>
-              <a:spcAft>
-                <a:spcPts val="400"/>
-              </a:spcAft>
-              <a:buSzPct val="90000"/>
-              <a:buFont typeface="Wingdings" charset="2"/>
-              <a:buChar char="§"/>
-              <a:defRPr sz="1200" kern="1200">
-                <a:solidFill>
-                  <a:schemeClr val="tx2"/>
-                </a:solidFill>
-                <a:latin typeface="+mn-lt"/>
-                <a:ea typeface="+mn-ea"/>
-                <a:cs typeface="+mn-cs"/>
-              </a:defRPr>
-            </a:lvl5pPr>
-            <a:lvl6pPr marL="1885950" indent="-171450" algn="l" defTabSz="685800" rtl="0" eaLnBrk="1" latinLnBrk="0" hangingPunct="1">
-              <a:lnSpc>
-                <a:spcPct val="90000"/>
-              </a:lnSpc>
-              <a:spcBef>
-                <a:spcPts val="375"/>
-              </a:spcBef>
-              <a:buFont typeface="Arial" panose="020B0604020202020204" pitchFamily="34" charset="0"/>
-              <a:buChar char="•"/>
-              <a:defRPr sz="1350" kern="1200">
-                <a:solidFill>
-                  <a:schemeClr val="tx1"/>
-                </a:solidFill>
-                <a:latin typeface="+mn-lt"/>
-                <a:ea typeface="+mn-ea"/>
-                <a:cs typeface="+mn-cs"/>
-              </a:defRPr>
-            </a:lvl6pPr>
-            <a:lvl7pPr marL="2228850" indent="-171450" algn="l" defTabSz="685800" rtl="0" eaLnBrk="1" latinLnBrk="0" hangingPunct="1">
-              <a:lnSpc>
-                <a:spcPct val="90000"/>
-              </a:lnSpc>
-              <a:spcBef>
-                <a:spcPts val="375"/>
-              </a:spcBef>
-              <a:buFont typeface="Arial" panose="020B0604020202020204" pitchFamily="34" charset="0"/>
-              <a:buChar char="•"/>
-              <a:defRPr sz="1350" kern="1200">
-                <a:solidFill>
-                  <a:schemeClr val="tx1"/>
-                </a:solidFill>
-                <a:latin typeface="+mn-lt"/>
-                <a:ea typeface="+mn-ea"/>
-                <a:cs typeface="+mn-cs"/>
-              </a:defRPr>
-            </a:lvl7pPr>
-            <a:lvl8pPr marL="2571750" indent="-171450" algn="l" defTabSz="685800" rtl="0" eaLnBrk="1" latinLnBrk="0" hangingPunct="1">
-              <a:lnSpc>
-                <a:spcPct val="90000"/>
-              </a:lnSpc>
-              <a:spcBef>
-                <a:spcPts val="375"/>
-              </a:spcBef>
-              <a:buFont typeface="Arial" panose="020B0604020202020204" pitchFamily="34" charset="0"/>
-              <a:buChar char="•"/>
-              <a:defRPr sz="1350" kern="1200">
-                <a:solidFill>
-                  <a:schemeClr val="tx1"/>
-                </a:solidFill>
-                <a:latin typeface="+mn-lt"/>
-                <a:ea typeface="+mn-ea"/>
-                <a:cs typeface="+mn-cs"/>
-              </a:defRPr>
-            </a:lvl8pPr>
-            <a:lvl9pPr marL="2914650" indent="-171450" algn="l" defTabSz="685800" rtl="0" eaLnBrk="1" latinLnBrk="0" hangingPunct="1">
-              <a:lnSpc>
-                <a:spcPct val="90000"/>
-              </a:lnSpc>
-              <a:spcBef>
-                <a:spcPts val="375"/>
-              </a:spcBef>
-              <a:buFont typeface="Arial" panose="020B0604020202020204" pitchFamily="34" charset="0"/>
-              <a:buChar char="•"/>
-              <a:defRPr sz="1350" kern="1200">
-                <a:solidFill>
-                  <a:schemeClr val="tx1"/>
-                </a:solidFill>
-                <a:latin typeface="+mn-lt"/>
-                <a:ea typeface="+mn-ea"/>
-                <a:cs typeface="+mn-cs"/>
-              </a:defRPr>
-            </a:lvl9pPr>
-          </a:lstStyle>
-          <a:p>
-            <a:r>
-              <a:rPr lang="en-US" dirty="0"/>
-              <a:t>InfoSourcing Inc</a:t>
-            </a:r>
-          </a:p>
-        </p:txBody>
-      </p:sp>
-      <p:sp>
-        <p:nvSpPr>
-          <p:cNvPr id="44" name="Text Placeholder 6">
-            <a:extLst>
-              <a:ext uri="{FF2B5EF4-FFF2-40B4-BE49-F238E27FC236}">
-                <a16:creationId xmlns:a16="http://schemas.microsoft.com/office/drawing/2014/main" id="{C4DE7535-763F-7DD2-F22F-A1FDA139D208}"/>
-              </a:ext>
-            </a:extLst>
-          </p:cNvPr>
-          <p:cNvSpPr txBox="1">
-            <a:spLocks/>
-          </p:cNvSpPr>
-          <p:nvPr/>
-        </p:nvSpPr>
-        <p:spPr>
-          <a:xfrm>
-            <a:off x="5645899" y="4633444"/>
-            <a:ext cx="1953571" cy="245765"/>
-          </a:xfrm>
-          <a:prstGeom prst="rect">
-            <a:avLst/>
-          </a:prstGeom>
-        </p:spPr>
-        <p:txBody>
-          <a:bodyPr/>
-          <a:lstStyle>
-            <a:lvl1pPr marL="0" indent="0" algn="ctr" defTabSz="685800" rtl="0" eaLnBrk="1" latinLnBrk="0" hangingPunct="1">
-              <a:lnSpc>
-                <a:spcPct val="100000"/>
-              </a:lnSpc>
-              <a:spcBef>
-                <a:spcPts val="1200"/>
-              </a:spcBef>
-              <a:spcAft>
-                <a:spcPts val="200"/>
-              </a:spcAft>
-              <a:buSzPct val="90000"/>
-              <a:buFont typeface="Wingdings" charset="2"/>
-              <a:buNone/>
-              <a:defRPr sz="1100" b="1" kern="1200">
-                <a:solidFill>
-                  <a:schemeClr val="tx2"/>
-                </a:solidFill>
-                <a:latin typeface="+mn-lt"/>
-                <a:ea typeface="+mn-ea"/>
-                <a:cs typeface="+mn-cs"/>
-              </a:defRPr>
-            </a:lvl1pPr>
-            <a:lvl2pPr marL="571500" indent="-228600" algn="l" defTabSz="685800" rtl="0" eaLnBrk="1" latinLnBrk="0" hangingPunct="1">
-              <a:lnSpc>
-                <a:spcPct val="100000"/>
-              </a:lnSpc>
-              <a:spcBef>
-                <a:spcPts val="200"/>
-              </a:spcBef>
-              <a:spcAft>
-                <a:spcPts val="400"/>
-              </a:spcAft>
-              <a:buSzPct val="90000"/>
-              <a:buFont typeface="Wingdings" charset="2"/>
-              <a:buChar char="§"/>
-              <a:defRPr sz="1800" kern="1200">
-                <a:solidFill>
-                  <a:schemeClr val="tx2"/>
-                </a:solidFill>
-                <a:latin typeface="+mn-lt"/>
-                <a:ea typeface="+mn-ea"/>
-                <a:cs typeface="+mn-cs"/>
-              </a:defRPr>
-            </a:lvl2pPr>
-            <a:lvl3pPr marL="914400" indent="-228600" algn="l" defTabSz="685800" rtl="0" eaLnBrk="1" latinLnBrk="0" hangingPunct="1">
-              <a:lnSpc>
-                <a:spcPct val="100000"/>
-              </a:lnSpc>
-              <a:spcBef>
-                <a:spcPts val="200"/>
-              </a:spcBef>
-              <a:spcAft>
-                <a:spcPts val="400"/>
-              </a:spcAft>
-              <a:buSzPct val="90000"/>
-              <a:buFont typeface="Wingdings" charset="2"/>
-              <a:buChar char="§"/>
-              <a:defRPr sz="1600" kern="1200">
-                <a:solidFill>
-                  <a:schemeClr val="tx2"/>
-                </a:solidFill>
-                <a:latin typeface="+mn-lt"/>
-                <a:ea typeface="+mn-ea"/>
-                <a:cs typeface="+mn-cs"/>
-              </a:defRPr>
-            </a:lvl3pPr>
-            <a:lvl4pPr marL="1200150" indent="-171450" algn="l" defTabSz="685800" rtl="0" eaLnBrk="1" latinLnBrk="0" hangingPunct="1">
-              <a:lnSpc>
-                <a:spcPct val="100000"/>
-              </a:lnSpc>
-              <a:spcBef>
-                <a:spcPts val="200"/>
-              </a:spcBef>
-              <a:spcAft>
-                <a:spcPts val="400"/>
-              </a:spcAft>
-              <a:buSzPct val="90000"/>
-              <a:buFont typeface="Wingdings" charset="2"/>
-              <a:buChar char="§"/>
-              <a:defRPr sz="1400" kern="1200">
-                <a:solidFill>
-                  <a:schemeClr val="tx2"/>
-                </a:solidFill>
-                <a:latin typeface="+mn-lt"/>
-                <a:ea typeface="+mn-ea"/>
-                <a:cs typeface="+mn-cs"/>
-              </a:defRPr>
-            </a:lvl4pPr>
-            <a:lvl5pPr marL="1543050" indent="-171450" algn="l" defTabSz="685800" rtl="0" eaLnBrk="1" latinLnBrk="0" hangingPunct="1">
-              <a:lnSpc>
-                <a:spcPct val="100000"/>
-              </a:lnSpc>
-              <a:spcBef>
-                <a:spcPts val="200"/>
-              </a:spcBef>
-              <a:spcAft>
-                <a:spcPts val="400"/>
-              </a:spcAft>
-              <a:buSzPct val="90000"/>
-              <a:buFont typeface="Wingdings" charset="2"/>
-              <a:buChar char="§"/>
-              <a:defRPr sz="1200" kern="1200">
-                <a:solidFill>
-                  <a:schemeClr val="tx2"/>
-                </a:solidFill>
-                <a:latin typeface="+mn-lt"/>
-                <a:ea typeface="+mn-ea"/>
-                <a:cs typeface="+mn-cs"/>
-              </a:defRPr>
-            </a:lvl5pPr>
-            <a:lvl6pPr marL="1885950" indent="-171450" algn="l" defTabSz="685800" rtl="0" eaLnBrk="1" latinLnBrk="0" hangingPunct="1">
-              <a:lnSpc>
-                <a:spcPct val="90000"/>
-              </a:lnSpc>
-              <a:spcBef>
-                <a:spcPts val="375"/>
-              </a:spcBef>
-              <a:buFont typeface="Arial" panose="020B0604020202020204" pitchFamily="34" charset="0"/>
-              <a:buChar char="•"/>
-              <a:defRPr sz="1350" kern="1200">
-                <a:solidFill>
-                  <a:schemeClr val="tx1"/>
-                </a:solidFill>
-                <a:latin typeface="+mn-lt"/>
-                <a:ea typeface="+mn-ea"/>
-                <a:cs typeface="+mn-cs"/>
-              </a:defRPr>
-            </a:lvl6pPr>
-            <a:lvl7pPr marL="2228850" indent="-171450" algn="l" defTabSz="685800" rtl="0" eaLnBrk="1" latinLnBrk="0" hangingPunct="1">
-              <a:lnSpc>
-                <a:spcPct val="90000"/>
-              </a:lnSpc>
-              <a:spcBef>
-                <a:spcPts val="375"/>
-              </a:spcBef>
-              <a:buFont typeface="Arial" panose="020B0604020202020204" pitchFamily="34" charset="0"/>
-              <a:buChar char="•"/>
-              <a:defRPr sz="1350" kern="1200">
-                <a:solidFill>
-                  <a:schemeClr val="tx1"/>
-                </a:solidFill>
-                <a:latin typeface="+mn-lt"/>
-                <a:ea typeface="+mn-ea"/>
-                <a:cs typeface="+mn-cs"/>
-              </a:defRPr>
-            </a:lvl7pPr>
-            <a:lvl8pPr marL="2571750" indent="-171450" algn="l" defTabSz="685800" rtl="0" eaLnBrk="1" latinLnBrk="0" hangingPunct="1">
-              <a:lnSpc>
-                <a:spcPct val="90000"/>
-              </a:lnSpc>
-              <a:spcBef>
-                <a:spcPts val="375"/>
-              </a:spcBef>
-              <a:buFont typeface="Arial" panose="020B0604020202020204" pitchFamily="34" charset="0"/>
-              <a:buChar char="•"/>
-              <a:defRPr sz="1350" kern="1200">
-                <a:solidFill>
-                  <a:schemeClr val="tx1"/>
-                </a:solidFill>
-                <a:latin typeface="+mn-lt"/>
-                <a:ea typeface="+mn-ea"/>
-                <a:cs typeface="+mn-cs"/>
-              </a:defRPr>
-            </a:lvl8pPr>
-            <a:lvl9pPr marL="2914650" indent="-171450" algn="l" defTabSz="685800" rtl="0" eaLnBrk="1" latinLnBrk="0" hangingPunct="1">
-              <a:lnSpc>
-                <a:spcPct val="90000"/>
-              </a:lnSpc>
-              <a:spcBef>
-                <a:spcPts val="375"/>
-              </a:spcBef>
-              <a:buFont typeface="Arial" panose="020B0604020202020204" pitchFamily="34" charset="0"/>
-              <a:buChar char="•"/>
-              <a:defRPr sz="1350" kern="1200">
-                <a:solidFill>
-                  <a:schemeClr val="tx1"/>
-                </a:solidFill>
-                <a:latin typeface="+mn-lt"/>
-                <a:ea typeface="+mn-ea"/>
-                <a:cs typeface="+mn-cs"/>
-              </a:defRPr>
-            </a:lvl9pPr>
-          </a:lstStyle>
-          <a:p>
-            <a:r>
-              <a:rPr lang="en-US" dirty="0"/>
-              <a:t>Harsha Sarjapur</a:t>
-            </a:r>
-          </a:p>
-        </p:txBody>
-      </p:sp>
     </p:spTree>
     <p:extLst>
       <p:ext uri="{BB962C8B-B14F-4D97-AF65-F5344CB8AC3E}">
-        <p14:creationId xmlns:p14="http://schemas.microsoft.com/office/powerpoint/2010/main" val="401001555"/>
+        <p14:creationId xmlns:p14="http://schemas.microsoft.com/office/powerpoint/2010/main" val="3667461005"/>
       </p:ext>
     </p:extLst>
   </p:cSld>
@@ -14819,10 +13271,10 @@
       </p:grpSpPr>
       <p:sp>
         <p:nvSpPr>
-          <p:cNvPr id="2" name="Text Placeholder 1">
-            <a:extLst>
-              <a:ext uri="{FF2B5EF4-FFF2-40B4-BE49-F238E27FC236}">
-                <a16:creationId xmlns:a16="http://schemas.microsoft.com/office/drawing/2014/main" id="{1079FFAE-5AAB-0C7D-FB8C-E034899FA03D}"/>
+          <p:cNvPr id="2" name="Title 1">
+            <a:extLst>
+              <a:ext uri="{FF2B5EF4-FFF2-40B4-BE49-F238E27FC236}">
+                <a16:creationId xmlns:a16="http://schemas.microsoft.com/office/drawing/2014/main" id="{350720C9-6C13-B669-5AE8-CA17AE126D0B}"/>
               </a:ext>
             </a:extLst>
           </p:cNvPr>
@@ -14830,7 +13282,7 @@
             <a:spLocks noGrp="1"/>
           </p:cNvSpPr>
           <p:nvPr>
-            <p:ph type="body" sz="quarter" idx="14"/>
+            <p:ph type="title"/>
           </p:nvPr>
         </p:nvSpPr>
         <p:spPr/>
@@ -14838,16 +13290,438 @@
           <a:bodyPr/>
           <a:lstStyle/>
           <a:p>
-            <a:endParaRPr lang="en-US"/>
+            <a:r>
+              <a:rPr lang="en-US" dirty="0"/>
+              <a:t>Future Enhancements</a:t>
+            </a:r>
           </a:p>
         </p:txBody>
       </p:sp>
       <p:sp>
         <p:nvSpPr>
+          <p:cNvPr id="3" name="TextBox 2">
+            <a:extLst>
+              <a:ext uri="{FF2B5EF4-FFF2-40B4-BE49-F238E27FC236}">
+                <a16:creationId xmlns:a16="http://schemas.microsoft.com/office/drawing/2014/main" id="{7A7F3B2B-18F3-4E4F-3B96-BAB06A4EF250}"/>
+              </a:ext>
+            </a:extLst>
+          </p:cNvPr>
+          <p:cNvSpPr txBox="1"/>
+          <p:nvPr/>
+        </p:nvSpPr>
+        <p:spPr>
+          <a:xfrm>
+            <a:off x="517895" y="1037771"/>
+            <a:ext cx="3821876" cy="3554819"/>
+          </a:xfrm>
+          <a:prstGeom prst="rect">
+            <a:avLst/>
+          </a:prstGeom>
+          <a:noFill/>
+        </p:spPr>
+        <p:txBody>
+          <a:bodyPr wrap="square" rtlCol="0">
+            <a:spAutoFit/>
+          </a:bodyPr>
+          <a:lstStyle/>
+          <a:p>
+            <a:pPr algn="l">
+              <a:spcBef>
+                <a:spcPts val="600"/>
+              </a:spcBef>
+              <a:spcAft>
+                <a:spcPts val="1200"/>
+              </a:spcAft>
+              <a:buFont typeface="+mj-lt"/>
+              <a:buAutoNum type="arabicPeriod"/>
+            </a:pPr>
+            <a:r>
+              <a:rPr lang="en-US" sz="2000" b="0" i="0" dirty="0">
+                <a:solidFill>
+                  <a:srgbClr val="374151"/>
+                </a:solidFill>
+                <a:effectLst/>
+                <a:latin typeface="Söhne"/>
+              </a:rPr>
+              <a:t> Push notifications – To alert users of the publication of the packages </a:t>
+            </a:r>
+            <a:br>
+              <a:rPr lang="en-US" sz="2000" b="0" i="0" dirty="0">
+                <a:solidFill>
+                  <a:srgbClr val="374151"/>
+                </a:solidFill>
+                <a:effectLst/>
+                <a:latin typeface="Söhne"/>
+              </a:rPr>
+            </a:br>
+            <a:endParaRPr lang="en-US" sz="2000" b="0" i="0" dirty="0">
+              <a:solidFill>
+                <a:srgbClr val="374151"/>
+              </a:solidFill>
+              <a:effectLst/>
+              <a:latin typeface="Söhne"/>
+            </a:endParaRPr>
+          </a:p>
+          <a:p>
+            <a:pPr algn="l">
+              <a:spcBef>
+                <a:spcPts val="600"/>
+              </a:spcBef>
+              <a:spcAft>
+                <a:spcPts val="1200"/>
+              </a:spcAft>
+              <a:buFont typeface="+mj-lt"/>
+              <a:buAutoNum type="arabicPeriod"/>
+            </a:pPr>
+            <a:r>
+              <a:rPr lang="en-US" sz="2000" b="0" i="0" dirty="0">
+                <a:solidFill>
+                  <a:srgbClr val="374151"/>
+                </a:solidFill>
+                <a:effectLst/>
+                <a:latin typeface="Söhne"/>
+              </a:rPr>
+              <a:t>Extend End-point – Remote importing packages</a:t>
+            </a:r>
+            <a:br>
+              <a:rPr lang="en-US" sz="2000" b="0" i="0" dirty="0">
+                <a:solidFill>
+                  <a:srgbClr val="374151"/>
+                </a:solidFill>
+                <a:effectLst/>
+                <a:latin typeface="Söhne"/>
+              </a:rPr>
+            </a:br>
+            <a:r>
+              <a:rPr lang="en-US" sz="2000" b="0" i="0" dirty="0">
+                <a:solidFill>
+                  <a:srgbClr val="374151"/>
+                </a:solidFill>
+                <a:effectLst/>
+                <a:latin typeface="Söhne"/>
+              </a:rPr>
+              <a:t> </a:t>
+            </a:r>
+          </a:p>
+          <a:p>
+            <a:pPr algn="l">
+              <a:spcBef>
+                <a:spcPts val="600"/>
+              </a:spcBef>
+              <a:spcAft>
+                <a:spcPts val="1200"/>
+              </a:spcAft>
+              <a:buFont typeface="+mj-lt"/>
+              <a:buAutoNum type="arabicPeriod"/>
+            </a:pPr>
+            <a:r>
+              <a:rPr lang="en-US" sz="2000" b="0" i="0" dirty="0">
+                <a:solidFill>
+                  <a:srgbClr val="374151"/>
+                </a:solidFill>
+                <a:effectLst/>
+                <a:latin typeface="Söhne"/>
+              </a:rPr>
+              <a:t>Snapshot automation </a:t>
+            </a:r>
+          </a:p>
+          <a:p>
+            <a:pPr algn="l">
+              <a:spcBef>
+                <a:spcPts val="600"/>
+              </a:spcBef>
+              <a:spcAft>
+                <a:spcPts val="1200"/>
+              </a:spcAft>
+              <a:buFont typeface="+mj-lt"/>
+              <a:buAutoNum type="arabicPeriod"/>
+            </a:pPr>
+            <a:r>
+              <a:rPr lang="en-US" sz="2000" b="0" i="0" dirty="0">
+                <a:solidFill>
+                  <a:srgbClr val="374151"/>
+                </a:solidFill>
+                <a:effectLst/>
+                <a:latin typeface="Söhne"/>
+              </a:rPr>
+              <a:t>Advanced Scheduling</a:t>
+            </a:r>
+          </a:p>
+        </p:txBody>
+      </p:sp>
+      <p:pic>
+        <p:nvPicPr>
+          <p:cNvPr id="4" name="Picture 3" descr="Logo&#10;&#10;Description automatically generated with low confidence">
+            <a:extLst>
+              <a:ext uri="{FF2B5EF4-FFF2-40B4-BE49-F238E27FC236}">
+                <a16:creationId xmlns:a16="http://schemas.microsoft.com/office/drawing/2014/main" id="{A7342586-7D30-94DE-5E42-24324F12A9F4}"/>
+              </a:ext>
+            </a:extLst>
+          </p:cNvPr>
+          <p:cNvPicPr>
+            <a:picLocks noChangeAspect="1"/>
+          </p:cNvPicPr>
+          <p:nvPr/>
+        </p:nvPicPr>
+        <p:blipFill>
+          <a:blip r:embed="rId2">
+            <a:extLst>
+              <a:ext uri="{28A0092B-C50C-407E-A947-70E740481C1C}">
+                <a14:useLocalDpi xmlns:a14="http://schemas.microsoft.com/office/drawing/2010/main" val="0"/>
+              </a:ext>
+            </a:extLst>
+          </a:blip>
+          <a:stretch>
+            <a:fillRect/>
+          </a:stretch>
+        </p:blipFill>
+        <p:spPr>
+          <a:xfrm>
+            <a:off x="5167088" y="419100"/>
+            <a:ext cx="3346507" cy="3346507"/>
+          </a:xfrm>
+          <a:prstGeom prst="roundRect">
+            <a:avLst>
+              <a:gd name="adj" fmla="val 16667"/>
+            </a:avLst>
+          </a:prstGeom>
+          <a:ln>
+            <a:noFill/>
+          </a:ln>
+          <a:effectLst>
+            <a:outerShdw blurRad="152400" dist="12000" dir="900000" sy="98000" kx="110000" ky="200000" algn="tl" rotWithShape="0">
+              <a:srgbClr val="000000">
+                <a:alpha val="30000"/>
+              </a:srgbClr>
+            </a:outerShdw>
+          </a:effectLst>
+          <a:scene3d>
+            <a:camera prst="perspectiveRelaxed">
+              <a:rot lat="19800000" lon="1200000" rev="20820000"/>
+            </a:camera>
+            <a:lightRig rig="threePt" dir="t"/>
+          </a:scene3d>
+          <a:sp3d contourW="6350" prstMaterial="matte">
+            <a:bevelT w="101600" h="101600"/>
+            <a:contourClr>
+              <a:srgbClr val="969696"/>
+            </a:contourClr>
+          </a:sp3d>
+        </p:spPr>
+      </p:pic>
+      <p:sp>
+        <p:nvSpPr>
+          <p:cNvPr id="5" name="TextBox 4">
+            <a:extLst>
+              <a:ext uri="{FF2B5EF4-FFF2-40B4-BE49-F238E27FC236}">
+                <a16:creationId xmlns:a16="http://schemas.microsoft.com/office/drawing/2014/main" id="{9F67F4EF-F8F4-8907-F15E-7673FE0500B1}"/>
+              </a:ext>
+            </a:extLst>
+          </p:cNvPr>
+          <p:cNvSpPr txBox="1"/>
+          <p:nvPr/>
+        </p:nvSpPr>
+        <p:spPr>
+          <a:xfrm>
+            <a:off x="5399312" y="2468933"/>
+            <a:ext cx="1320801" cy="461665"/>
+          </a:xfrm>
+          <a:prstGeom prst="rect">
+            <a:avLst/>
+          </a:prstGeom>
+          <a:noFill/>
+        </p:spPr>
+        <p:txBody>
+          <a:bodyPr wrap="square" rtlCol="0">
+            <a:spAutoFit/>
+          </a:bodyPr>
+          <a:lstStyle/>
+          <a:p>
+            <a:r>
+              <a:rPr lang="en-US" sz="2400" b="1" dirty="0">
+                <a:solidFill>
+                  <a:srgbClr val="FF0000"/>
+                </a:solidFill>
+              </a:rPr>
+              <a:t>Ver 2.0</a:t>
+            </a:r>
+          </a:p>
+        </p:txBody>
+      </p:sp>
+    </p:spTree>
+    <p:extLst>
+      <p:ext uri="{BB962C8B-B14F-4D97-AF65-F5344CB8AC3E}">
+        <p14:creationId xmlns:p14="http://schemas.microsoft.com/office/powerpoint/2010/main" val="1514704845"/>
+      </p:ext>
+    </p:extLst>
+  </p:cSld>
+  <p:clrMapOvr>
+    <a:masterClrMapping/>
+  </p:clrMapOvr>
+</p:sld>
+</file>
+
+<file path=ppt/slides/slide9.xml><?xml version="1.0" encoding="utf-8"?>
+<p:sld xmlns:a="http://schemas.openxmlformats.org/drawingml/2006/main" xmlns:r="http://schemas.openxmlformats.org/officeDocument/2006/relationships" xmlns:p="http://schemas.openxmlformats.org/presentationml/2006/main">
+  <p:cSld>
+    <p:spTree>
+      <p:nvGrpSpPr>
+        <p:cNvPr id="1" name=""/>
+        <p:cNvGrpSpPr/>
+        <p:nvPr/>
+      </p:nvGrpSpPr>
+      <p:grpSpPr>
+        <a:xfrm>
+          <a:off x="0" y="0"/>
+          <a:ext cx="0" cy="0"/>
+          <a:chOff x="0" y="0"/>
+          <a:chExt cx="0" cy="0"/>
+        </a:xfrm>
+      </p:grpSpPr>
+      <p:pic>
+        <p:nvPicPr>
+          <p:cNvPr id="20" name="Picture Placeholder 19" descr="A person smiling for the camera&#10;&#10;Description automatically generated with medium confidence">
+            <a:extLst>
+              <a:ext uri="{FF2B5EF4-FFF2-40B4-BE49-F238E27FC236}">
+                <a16:creationId xmlns:a16="http://schemas.microsoft.com/office/drawing/2014/main" id="{761F0F1B-7B43-FD18-CCA0-4C2E07467A58}"/>
+              </a:ext>
+            </a:extLst>
+          </p:cNvPr>
+          <p:cNvPicPr>
+            <a:picLocks noGrp="1" noChangeAspect="1"/>
+          </p:cNvPicPr>
+          <p:nvPr>
+            <p:ph type="pic" sz="quarter" idx="10"/>
+          </p:nvPr>
+        </p:nvPicPr>
+        <p:blipFill>
+          <a:blip r:embed="rId2" cstate="print">
+            <a:extLst>
+              <a:ext uri="{28A0092B-C50C-407E-A947-70E740481C1C}">
+                <a14:useLocalDpi xmlns:a14="http://schemas.microsoft.com/office/drawing/2010/main" val="0"/>
+              </a:ext>
+            </a:extLst>
+          </a:blip>
+          <a:srcRect l="12500" r="12500"/>
+          <a:stretch>
+            <a:fillRect/>
+          </a:stretch>
+        </p:blipFill>
+        <p:spPr>
+          <a:xfrm rot="5400000">
+            <a:off x="620032" y="696516"/>
+            <a:ext cx="1473200" cy="1473200"/>
+          </a:xfrm>
+        </p:spPr>
+      </p:pic>
+      <p:sp>
+        <p:nvSpPr>
           <p:cNvPr id="3" name="Text Placeholder 2">
             <a:extLst>
               <a:ext uri="{FF2B5EF4-FFF2-40B4-BE49-F238E27FC236}">
-                <a16:creationId xmlns:a16="http://schemas.microsoft.com/office/drawing/2014/main" id="{40E9FC28-0AF3-DB36-2216-99701288B477}"/>
+                <a16:creationId xmlns:a16="http://schemas.microsoft.com/office/drawing/2014/main" id="{90BABED2-8D5D-5DCC-6ABE-0C5C4C946223}"/>
+              </a:ext>
+            </a:extLst>
+          </p:cNvPr>
+          <p:cNvSpPr>
+            <a:spLocks noGrp="1"/>
+          </p:cNvSpPr>
+          <p:nvPr>
+            <p:ph type="body" sz="quarter" idx="11"/>
+          </p:nvPr>
+        </p:nvSpPr>
+        <p:spPr>
+          <a:xfrm>
+            <a:off x="441229" y="2249167"/>
+            <a:ext cx="1953571" cy="245765"/>
+          </a:xfrm>
+        </p:spPr>
+        <p:txBody>
+          <a:bodyPr/>
+          <a:lstStyle/>
+          <a:p>
+            <a:r>
+              <a:rPr lang="en-US" dirty="0"/>
+              <a:t>Brandon Sproul</a:t>
+            </a:r>
+          </a:p>
+        </p:txBody>
+      </p:sp>
+      <p:sp>
+        <p:nvSpPr>
+          <p:cNvPr id="4" name="Text Placeholder 3">
+            <a:extLst>
+              <a:ext uri="{FF2B5EF4-FFF2-40B4-BE49-F238E27FC236}">
+                <a16:creationId xmlns:a16="http://schemas.microsoft.com/office/drawing/2014/main" id="{5D917686-FF6D-DAAB-B512-9AE79AB4173B}"/>
+              </a:ext>
+            </a:extLst>
+          </p:cNvPr>
+          <p:cNvSpPr>
+            <a:spLocks noGrp="1"/>
+          </p:cNvSpPr>
+          <p:nvPr>
+            <p:ph type="body" sz="quarter" idx="12"/>
+          </p:nvPr>
+        </p:nvSpPr>
+        <p:spPr>
+          <a:xfrm>
+            <a:off x="433065" y="2571219"/>
+            <a:ext cx="1953571" cy="281916"/>
+          </a:xfrm>
+        </p:spPr>
+        <p:txBody>
+          <a:bodyPr/>
+          <a:lstStyle/>
+          <a:p>
+            <a:r>
+              <a:rPr lang="en-US" dirty="0"/>
+              <a:t>Developer - </a:t>
+            </a:r>
+          </a:p>
+        </p:txBody>
+      </p:sp>
+      <p:pic>
+        <p:nvPicPr>
+          <p:cNvPr id="28" name="Picture Placeholder 27" descr="A person wearing glasses&#10;&#10;Description automatically generated with medium confidence">
+            <a:extLst>
+              <a:ext uri="{FF2B5EF4-FFF2-40B4-BE49-F238E27FC236}">
+                <a16:creationId xmlns:a16="http://schemas.microsoft.com/office/drawing/2014/main" id="{F1AFF2AD-8D3C-5575-2FF0-2CDE5F9127A2}"/>
+              </a:ext>
+            </a:extLst>
+          </p:cNvPr>
+          <p:cNvPicPr>
+            <a:picLocks noGrp="1" noChangeAspect="1"/>
+          </p:cNvPicPr>
+          <p:nvPr>
+            <p:ph type="pic" sz="quarter" idx="14"/>
+          </p:nvPr>
+        </p:nvPicPr>
+        <p:blipFill>
+          <a:blip r:embed="rId3" cstate="print">
+            <a:extLst>
+              <a:ext uri="{28A0092B-C50C-407E-A947-70E740481C1C}">
+                <a14:useLocalDpi xmlns:a14="http://schemas.microsoft.com/office/drawing/2010/main" val="0"/>
+              </a:ext>
+            </a:extLst>
+          </a:blip>
+          <a:srcRect l="12500" r="12500"/>
+          <a:stretch>
+            <a:fillRect/>
+          </a:stretch>
+        </p:blipFill>
+        <p:spPr>
+          <a:xfrm rot="5400000">
+            <a:off x="2733675" y="696915"/>
+            <a:ext cx="1473200" cy="1473200"/>
+          </a:xfrm>
+        </p:spPr>
+      </p:pic>
+      <p:sp>
+        <p:nvSpPr>
+          <p:cNvPr id="7" name="Text Placeholder 6">
+            <a:extLst>
+              <a:ext uri="{FF2B5EF4-FFF2-40B4-BE49-F238E27FC236}">
+                <a16:creationId xmlns:a16="http://schemas.microsoft.com/office/drawing/2014/main" id="{91893BAD-1984-98D0-69EC-48E8F1A84BA2}"/>
               </a:ext>
             </a:extLst>
           </p:cNvPr>
@@ -14858,21 +13732,29 @@
             <p:ph type="body" sz="quarter" idx="15"/>
           </p:nvPr>
         </p:nvSpPr>
-        <p:spPr/>
+        <p:spPr>
+          <a:xfrm>
+            <a:off x="2398295" y="2207804"/>
+            <a:ext cx="1953571" cy="245765"/>
+          </a:xfrm>
+        </p:spPr>
         <p:txBody>
           <a:bodyPr/>
           <a:lstStyle/>
           <a:p>
-            <a:endParaRPr lang="en-US"/>
+            <a:r>
+              <a:rPr lang="en-US" dirty="0"/>
+              <a:t>Patrick Chen</a:t>
+            </a:r>
           </a:p>
         </p:txBody>
       </p:sp>
       <p:sp>
         <p:nvSpPr>
-          <p:cNvPr id="4" name="Text Placeholder 3">
-            <a:extLst>
-              <a:ext uri="{FF2B5EF4-FFF2-40B4-BE49-F238E27FC236}">
-                <a16:creationId xmlns:a16="http://schemas.microsoft.com/office/drawing/2014/main" id="{D6CB4CFB-83CD-CA47-C8A0-57A36D535CAA}"/>
+          <p:cNvPr id="8" name="Text Placeholder 7">
+            <a:extLst>
+              <a:ext uri="{FF2B5EF4-FFF2-40B4-BE49-F238E27FC236}">
+                <a16:creationId xmlns:a16="http://schemas.microsoft.com/office/drawing/2014/main" id="{B6594DE1-832E-04FC-2CD9-8F2B8D0A9793}"/>
               </a:ext>
             </a:extLst>
           </p:cNvPr>
@@ -14883,71 +13765,109 @@
             <p:ph type="body" sz="quarter" idx="16"/>
           </p:nvPr>
         </p:nvSpPr>
-        <p:spPr/>
+        <p:spPr>
+          <a:xfrm>
+            <a:off x="3320111" y="4804998"/>
+            <a:ext cx="1953571" cy="281916"/>
+          </a:xfrm>
+        </p:spPr>
         <p:txBody>
           <a:bodyPr/>
           <a:lstStyle/>
           <a:p>
-            <a:endParaRPr lang="en-US"/>
+            <a:r>
+              <a:rPr lang="en-US" dirty="0"/>
+              <a:t>Engineer  – </a:t>
+            </a:r>
+            <a:r>
+              <a:rPr lang="en-US" dirty="0" err="1"/>
+              <a:t>PriceKubecka</a:t>
+            </a:r>
+            <a:endParaRPr lang="en-US" dirty="0"/>
           </a:p>
         </p:txBody>
       </p:sp>
+      <p:pic>
+        <p:nvPicPr>
+          <p:cNvPr id="24" name="Picture Placeholder 23" descr="A person wearing a suit and tie&#10;&#10;Description automatically generated with low confidence">
+            <a:extLst>
+              <a:ext uri="{FF2B5EF4-FFF2-40B4-BE49-F238E27FC236}">
+                <a16:creationId xmlns:a16="http://schemas.microsoft.com/office/drawing/2014/main" id="{1EB538EC-BBD1-C519-C6D5-6B73E4942550}"/>
+              </a:ext>
+            </a:extLst>
+          </p:cNvPr>
+          <p:cNvPicPr>
+            <a:picLocks noGrp="1" noChangeAspect="1"/>
+          </p:cNvPicPr>
+          <p:nvPr>
+            <p:ph type="pic" sz="quarter" idx="17"/>
+          </p:nvPr>
+        </p:nvPicPr>
+        <p:blipFill>
+          <a:blip r:embed="rId4" cstate="print">
+            <a:extLst>
+              <a:ext uri="{28A0092B-C50C-407E-A947-70E740481C1C}">
+                <a14:useLocalDpi xmlns:a14="http://schemas.microsoft.com/office/drawing/2010/main" val="0"/>
+              </a:ext>
+            </a:extLst>
+          </a:blip>
+          <a:srcRect l="14238" r="14238"/>
+          <a:stretch>
+            <a:fillRect/>
+          </a:stretch>
+        </p:blipFill>
+        <p:spPr>
+          <a:xfrm rot="5400000">
+            <a:off x="6026554" y="2971193"/>
+            <a:ext cx="1636245" cy="1715747"/>
+          </a:xfrm>
+          <a:prstGeom prst="flowChartConnector">
+            <a:avLst/>
+          </a:prstGeom>
+        </p:spPr>
+      </p:pic>
+      <p:pic>
+        <p:nvPicPr>
+          <p:cNvPr id="26" name="Picture Placeholder 25" descr="A person and person posing for a picture&#10;&#10;Description automatically generated with medium confidence">
+            <a:extLst>
+              <a:ext uri="{FF2B5EF4-FFF2-40B4-BE49-F238E27FC236}">
+                <a16:creationId xmlns:a16="http://schemas.microsoft.com/office/drawing/2014/main" id="{9FC1E0E2-2737-C154-A3C5-D69CA1A262FE}"/>
+              </a:ext>
+            </a:extLst>
+          </p:cNvPr>
+          <p:cNvPicPr>
+            <a:picLocks noGrp="1" noChangeAspect="1"/>
+          </p:cNvPicPr>
+          <p:nvPr>
+            <p:ph type="pic" sz="quarter" idx="18"/>
+          </p:nvPr>
+        </p:nvPicPr>
+        <p:blipFill>
+          <a:blip r:embed="rId5" cstate="print">
+            <a:extLst>
+              <a:ext uri="{28A0092B-C50C-407E-A947-70E740481C1C}">
+                <a14:useLocalDpi xmlns:a14="http://schemas.microsoft.com/office/drawing/2010/main" val="0"/>
+              </a:ext>
+            </a:extLst>
+          </a:blip>
+          <a:srcRect l="12500" r="12500"/>
+          <a:stretch>
+            <a:fillRect/>
+          </a:stretch>
+        </p:blipFill>
+        <p:spPr>
+          <a:xfrm rot="5400000">
+            <a:off x="4856163" y="696915"/>
+            <a:ext cx="1473200" cy="1473200"/>
+          </a:xfrm>
+        </p:spPr>
+      </p:pic>
       <p:sp>
         <p:nvSpPr>
-          <p:cNvPr id="5" name="Text Placeholder 4">
-            <a:extLst>
-              <a:ext uri="{FF2B5EF4-FFF2-40B4-BE49-F238E27FC236}">
-                <a16:creationId xmlns:a16="http://schemas.microsoft.com/office/drawing/2014/main" id="{D37EF5DB-7F34-A862-0DF2-5F99D9E3DD12}"/>
-              </a:ext>
-            </a:extLst>
-          </p:cNvPr>
-          <p:cNvSpPr>
-            <a:spLocks noGrp="1"/>
-          </p:cNvSpPr>
-          <p:nvPr>
-            <p:ph type="body" sz="quarter" idx="17"/>
-          </p:nvPr>
-        </p:nvSpPr>
-        <p:spPr/>
-        <p:txBody>
-          <a:bodyPr/>
-          <a:lstStyle/>
-          <a:p>
-            <a:endParaRPr lang="en-US"/>
-          </a:p>
-        </p:txBody>
-      </p:sp>
-      <p:sp>
-        <p:nvSpPr>
-          <p:cNvPr id="6" name="Text Placeholder 5">
-            <a:extLst>
-              <a:ext uri="{FF2B5EF4-FFF2-40B4-BE49-F238E27FC236}">
-                <a16:creationId xmlns:a16="http://schemas.microsoft.com/office/drawing/2014/main" id="{9A2379CF-1CBA-9C38-1AB1-FBCB033D02CA}"/>
-              </a:ext>
-            </a:extLst>
-          </p:cNvPr>
-          <p:cNvSpPr>
-            <a:spLocks noGrp="1"/>
-          </p:cNvSpPr>
-          <p:nvPr>
-            <p:ph type="body" sz="quarter" idx="18"/>
-          </p:nvPr>
-        </p:nvSpPr>
-        <p:spPr/>
-        <p:txBody>
-          <a:bodyPr/>
-          <a:lstStyle/>
-          <a:p>
-            <a:endParaRPr lang="en-US"/>
-          </a:p>
-        </p:txBody>
-      </p:sp>
-      <p:sp>
-        <p:nvSpPr>
-          <p:cNvPr id="7" name="Text Placeholder 6">
-            <a:extLst>
-              <a:ext uri="{FF2B5EF4-FFF2-40B4-BE49-F238E27FC236}">
-                <a16:creationId xmlns:a16="http://schemas.microsoft.com/office/drawing/2014/main" id="{3F5D75A0-72FB-2CF1-D6B1-D3A43C22F99B}"/>
+          <p:cNvPr id="11" name="Text Placeholder 10">
+            <a:extLst>
+              <a:ext uri="{FF2B5EF4-FFF2-40B4-BE49-F238E27FC236}">
+                <a16:creationId xmlns:a16="http://schemas.microsoft.com/office/drawing/2014/main" id="{89ED4274-E624-4F34-982C-76251924C54C}"/>
               </a:ext>
             </a:extLst>
           </p:cNvPr>
@@ -14958,21 +13878,29 @@
             <p:ph type="body" sz="quarter" idx="19"/>
           </p:nvPr>
         </p:nvSpPr>
-        <p:spPr/>
+        <p:spPr>
+          <a:xfrm>
+            <a:off x="4520553" y="2207804"/>
+            <a:ext cx="1953571" cy="245765"/>
+          </a:xfrm>
+        </p:spPr>
         <p:txBody>
           <a:bodyPr/>
           <a:lstStyle/>
           <a:p>
-            <a:endParaRPr lang="en-US"/>
+            <a:r>
+              <a:rPr lang="en-US" dirty="0"/>
+              <a:t>Shawn Goodwin</a:t>
+            </a:r>
           </a:p>
         </p:txBody>
       </p:sp>
       <p:sp>
         <p:nvSpPr>
-          <p:cNvPr id="8" name="Text Placeholder 7">
-            <a:extLst>
-              <a:ext uri="{FF2B5EF4-FFF2-40B4-BE49-F238E27FC236}">
-                <a16:creationId xmlns:a16="http://schemas.microsoft.com/office/drawing/2014/main" id="{8D392988-A97F-1D9C-ADF0-40DF6640918D}"/>
+          <p:cNvPr id="12" name="Text Placeholder 11">
+            <a:extLst>
+              <a:ext uri="{FF2B5EF4-FFF2-40B4-BE49-F238E27FC236}">
+                <a16:creationId xmlns:a16="http://schemas.microsoft.com/office/drawing/2014/main" id="{37DACCC4-C245-F2B7-FBE8-50B1A9CB91FB}"/>
               </a:ext>
             </a:extLst>
           </p:cNvPr>
@@ -14983,21 +13911,103 @@
             <p:ph type="body" sz="quarter" idx="20"/>
           </p:nvPr>
         </p:nvSpPr>
-        <p:spPr/>
+        <p:spPr>
+          <a:xfrm>
+            <a:off x="4669114" y="2571219"/>
+            <a:ext cx="1953571" cy="281916"/>
+          </a:xfrm>
+        </p:spPr>
         <p:txBody>
           <a:bodyPr/>
           <a:lstStyle/>
           <a:p>
+            <a:r>
+              <a:rPr lang="en-US" dirty="0"/>
+              <a:t>Martin </a:t>
+            </a:r>
+            <a:r>
+              <a:rPr lang="en-US" dirty="0" err="1"/>
+              <a:t>Asscoiates</a:t>
+            </a:r>
             <a:endParaRPr lang="en-US" dirty="0"/>
+          </a:p>
+        </p:txBody>
+      </p:sp>
+      <p:pic>
+        <p:nvPicPr>
+          <p:cNvPr id="30" name="Picture Placeholder 29" descr="A person smiling for the camera&#10;&#10;Description automatically generated with low confidence">
+            <a:extLst>
+              <a:ext uri="{FF2B5EF4-FFF2-40B4-BE49-F238E27FC236}">
+                <a16:creationId xmlns:a16="http://schemas.microsoft.com/office/drawing/2014/main" id="{019FB87A-E687-2715-E1E8-925EA836BD1E}"/>
+              </a:ext>
+            </a:extLst>
+          </p:cNvPr>
+          <p:cNvPicPr>
+            <a:picLocks noGrp="1" noChangeAspect="1"/>
+          </p:cNvPicPr>
+          <p:nvPr>
+            <p:ph type="pic" sz="quarter" idx="22"/>
+          </p:nvPr>
+        </p:nvPicPr>
+        <p:blipFill>
+          <a:blip r:embed="rId6" cstate="print">
+            <a:extLst>
+              <a:ext uri="{28A0092B-C50C-407E-A947-70E740481C1C}">
+                <a14:useLocalDpi xmlns:a14="http://schemas.microsoft.com/office/drawing/2010/main" val="0"/>
+              </a:ext>
+            </a:extLst>
+          </a:blip>
+          <a:srcRect l="12500" r="12500"/>
+          <a:stretch>
+            <a:fillRect/>
+          </a:stretch>
+        </p:blipFill>
+        <p:spPr>
+          <a:xfrm rot="5400000">
+            <a:off x="6965950" y="696915"/>
+            <a:ext cx="1473200" cy="1473200"/>
+          </a:xfrm>
+        </p:spPr>
+      </p:pic>
+      <p:sp>
+        <p:nvSpPr>
+          <p:cNvPr id="15" name="Text Placeholder 14">
+            <a:extLst>
+              <a:ext uri="{FF2B5EF4-FFF2-40B4-BE49-F238E27FC236}">
+                <a16:creationId xmlns:a16="http://schemas.microsoft.com/office/drawing/2014/main" id="{EFF1597B-55F8-F876-CEA7-6A5AC1DFF3FD}"/>
+              </a:ext>
+            </a:extLst>
+          </p:cNvPr>
+          <p:cNvSpPr>
+            <a:spLocks noGrp="1"/>
+          </p:cNvSpPr>
+          <p:nvPr>
+            <p:ph type="body" sz="quarter" idx="23"/>
+          </p:nvPr>
+        </p:nvSpPr>
+        <p:spPr>
+          <a:xfrm>
+            <a:off x="6630182" y="2208335"/>
+            <a:ext cx="1953571" cy="245765"/>
+          </a:xfrm>
+        </p:spPr>
+        <p:txBody>
+          <a:bodyPr/>
+          <a:lstStyle/>
+          <a:p>
+            <a:r>
+              <a:rPr lang="en-US" dirty="0"/>
+              <a:t>Chetan Srinivas</a:t>
+            </a:r>
           </a:p>
         </p:txBody>
       </p:sp>
       <p:sp>
         <p:nvSpPr>
-          <p:cNvPr id="9" name="Text Placeholder 8">
-            <a:extLst>
-              <a:ext uri="{FF2B5EF4-FFF2-40B4-BE49-F238E27FC236}">
-                <a16:creationId xmlns:a16="http://schemas.microsoft.com/office/drawing/2014/main" id="{967FD603-87F5-6906-A63A-A072F78CEC31}"/>
+          <p:cNvPr id="16" name="Text Placeholder 15">
+            <a:extLst>
+              <a:ext uri="{FF2B5EF4-FFF2-40B4-BE49-F238E27FC236}">
+                <a16:creationId xmlns:a16="http://schemas.microsoft.com/office/drawing/2014/main" id="{EA4463D2-D630-CB5A-9138-D607CACF5F53}"/>
               </a:ext>
             </a:extLst>
           </p:cNvPr>
@@ -15005,22 +14015,1403 @@
             <a:spLocks noGrp="1"/>
           </p:cNvSpPr>
           <p:nvPr>
-            <p:ph type="body" sz="quarter" idx="21"/>
+            <p:ph type="body" sz="quarter" idx="24"/>
           </p:nvPr>
         </p:nvSpPr>
-        <p:spPr/>
+        <p:spPr>
+          <a:xfrm>
+            <a:off x="6778743" y="2571750"/>
+            <a:ext cx="1953571" cy="281916"/>
+          </a:xfrm>
+        </p:spPr>
         <p:txBody>
           <a:bodyPr/>
           <a:lstStyle/>
           <a:p>
-            <a:endParaRPr lang="en-US"/>
+            <a:r>
+              <a:rPr lang="en-US" dirty="0"/>
+              <a:t>Product Manager - Kensium</a:t>
+            </a:r>
+          </a:p>
+        </p:txBody>
+      </p:sp>
+      <p:pic>
+        <p:nvPicPr>
+          <p:cNvPr id="33" name="Picture Placeholder 23">
+            <a:extLst>
+              <a:ext uri="{FF2B5EF4-FFF2-40B4-BE49-F238E27FC236}">
+                <a16:creationId xmlns:a16="http://schemas.microsoft.com/office/drawing/2014/main" id="{A5D5C5D5-6F99-F989-19B5-54308D911F25}"/>
+              </a:ext>
+            </a:extLst>
+          </p:cNvPr>
+          <p:cNvPicPr>
+            <a:picLocks noChangeAspect="1"/>
+          </p:cNvPicPr>
+          <p:nvPr/>
+        </p:nvPicPr>
+        <p:blipFill>
+          <a:blip r:embed="rId7" cstate="print">
+            <a:extLst>
+              <a:ext uri="{28A0092B-C50C-407E-A947-70E740481C1C}">
+                <a14:useLocalDpi xmlns:a14="http://schemas.microsoft.com/office/drawing/2010/main" val="0"/>
+              </a:ext>
+            </a:extLst>
+          </a:blip>
+          <a:srcRect l="14238" r="14238"/>
+          <a:stretch/>
+        </p:blipFill>
+        <p:spPr>
+          <a:xfrm rot="5400000">
+            <a:off x="801752" y="2889671"/>
+            <a:ext cx="1636245" cy="1715747"/>
+          </a:xfrm>
+          <a:prstGeom prst="flowChartConnector">
+            <a:avLst/>
+          </a:prstGeom>
+        </p:spPr>
+      </p:pic>
+      <p:pic>
+        <p:nvPicPr>
+          <p:cNvPr id="38" name="Picture Placeholder 23">
+            <a:extLst>
+              <a:ext uri="{FF2B5EF4-FFF2-40B4-BE49-F238E27FC236}">
+                <a16:creationId xmlns:a16="http://schemas.microsoft.com/office/drawing/2014/main" id="{DDDA8927-EF90-FE7E-BC33-62DDBA4A5AD4}"/>
+              </a:ext>
+            </a:extLst>
+          </p:cNvPr>
+          <p:cNvPicPr>
+            <a:picLocks noChangeAspect="1"/>
+          </p:cNvPicPr>
+          <p:nvPr/>
+        </p:nvPicPr>
+        <p:blipFill>
+          <a:blip r:embed="rId8" cstate="print">
+            <a:extLst>
+              <a:ext uri="{28A0092B-C50C-407E-A947-70E740481C1C}">
+                <a14:useLocalDpi xmlns:a14="http://schemas.microsoft.com/office/drawing/2010/main" val="0"/>
+              </a:ext>
+            </a:extLst>
+          </a:blip>
+          <a:srcRect l="14238" r="14238"/>
+          <a:stretch/>
+        </p:blipFill>
+        <p:spPr>
+          <a:xfrm rot="5400000">
+            <a:off x="3492193" y="2971193"/>
+            <a:ext cx="1636245" cy="1715747"/>
+          </a:xfrm>
+          <a:prstGeom prst="flowChartConnector">
+            <a:avLst/>
+          </a:prstGeom>
+        </p:spPr>
+      </p:pic>
+      <p:sp>
+        <p:nvSpPr>
+          <p:cNvPr id="39" name="Text Placeholder 14">
+            <a:extLst>
+              <a:ext uri="{FF2B5EF4-FFF2-40B4-BE49-F238E27FC236}">
+                <a16:creationId xmlns:a16="http://schemas.microsoft.com/office/drawing/2014/main" id="{0618F4C8-DA6C-78E7-93DB-FE7B2FCD0427}"/>
+              </a:ext>
+            </a:extLst>
+          </p:cNvPr>
+          <p:cNvSpPr txBox="1">
+            <a:spLocks/>
+          </p:cNvSpPr>
+          <p:nvPr/>
+        </p:nvSpPr>
+        <p:spPr>
+          <a:xfrm>
+            <a:off x="643088" y="4533173"/>
+            <a:ext cx="1953571" cy="245765"/>
+          </a:xfrm>
+          <a:prstGeom prst="rect">
+            <a:avLst/>
+          </a:prstGeom>
+        </p:spPr>
+        <p:txBody>
+          <a:bodyPr/>
+          <a:lstStyle>
+            <a:lvl1pPr marL="0" indent="0" algn="ctr" defTabSz="685800" rtl="0" eaLnBrk="1" latinLnBrk="0" hangingPunct="1">
+              <a:lnSpc>
+                <a:spcPct val="100000"/>
+              </a:lnSpc>
+              <a:spcBef>
+                <a:spcPts val="1200"/>
+              </a:spcBef>
+              <a:spcAft>
+                <a:spcPts val="200"/>
+              </a:spcAft>
+              <a:buSzPct val="90000"/>
+              <a:buFont typeface="Wingdings" charset="2"/>
+              <a:buNone/>
+              <a:defRPr sz="1100" b="1" kern="1200">
+                <a:solidFill>
+                  <a:schemeClr val="tx2"/>
+                </a:solidFill>
+                <a:latin typeface="+mn-lt"/>
+                <a:ea typeface="+mn-ea"/>
+                <a:cs typeface="+mn-cs"/>
+              </a:defRPr>
+            </a:lvl1pPr>
+            <a:lvl2pPr marL="571500" indent="-228600" algn="l" defTabSz="685800" rtl="0" eaLnBrk="1" latinLnBrk="0" hangingPunct="1">
+              <a:lnSpc>
+                <a:spcPct val="100000"/>
+              </a:lnSpc>
+              <a:spcBef>
+                <a:spcPts val="200"/>
+              </a:spcBef>
+              <a:spcAft>
+                <a:spcPts val="400"/>
+              </a:spcAft>
+              <a:buSzPct val="90000"/>
+              <a:buFont typeface="Wingdings" charset="2"/>
+              <a:buChar char="§"/>
+              <a:defRPr sz="1800" kern="1200">
+                <a:solidFill>
+                  <a:schemeClr val="tx2"/>
+                </a:solidFill>
+                <a:latin typeface="+mn-lt"/>
+                <a:ea typeface="+mn-ea"/>
+                <a:cs typeface="+mn-cs"/>
+              </a:defRPr>
+            </a:lvl2pPr>
+            <a:lvl3pPr marL="914400" indent="-228600" algn="l" defTabSz="685800" rtl="0" eaLnBrk="1" latinLnBrk="0" hangingPunct="1">
+              <a:lnSpc>
+                <a:spcPct val="100000"/>
+              </a:lnSpc>
+              <a:spcBef>
+                <a:spcPts val="200"/>
+              </a:spcBef>
+              <a:spcAft>
+                <a:spcPts val="400"/>
+              </a:spcAft>
+              <a:buSzPct val="90000"/>
+              <a:buFont typeface="Wingdings" charset="2"/>
+              <a:buChar char="§"/>
+              <a:defRPr sz="1600" kern="1200">
+                <a:solidFill>
+                  <a:schemeClr val="tx2"/>
+                </a:solidFill>
+                <a:latin typeface="+mn-lt"/>
+                <a:ea typeface="+mn-ea"/>
+                <a:cs typeface="+mn-cs"/>
+              </a:defRPr>
+            </a:lvl3pPr>
+            <a:lvl4pPr marL="1200150" indent="-171450" algn="l" defTabSz="685800" rtl="0" eaLnBrk="1" latinLnBrk="0" hangingPunct="1">
+              <a:lnSpc>
+                <a:spcPct val="100000"/>
+              </a:lnSpc>
+              <a:spcBef>
+                <a:spcPts val="200"/>
+              </a:spcBef>
+              <a:spcAft>
+                <a:spcPts val="400"/>
+              </a:spcAft>
+              <a:buSzPct val="90000"/>
+              <a:buFont typeface="Wingdings" charset="2"/>
+              <a:buChar char="§"/>
+              <a:defRPr sz="1400" kern="1200">
+                <a:solidFill>
+                  <a:schemeClr val="tx2"/>
+                </a:solidFill>
+                <a:latin typeface="+mn-lt"/>
+                <a:ea typeface="+mn-ea"/>
+                <a:cs typeface="+mn-cs"/>
+              </a:defRPr>
+            </a:lvl4pPr>
+            <a:lvl5pPr marL="1543050" indent="-171450" algn="l" defTabSz="685800" rtl="0" eaLnBrk="1" latinLnBrk="0" hangingPunct="1">
+              <a:lnSpc>
+                <a:spcPct val="100000"/>
+              </a:lnSpc>
+              <a:spcBef>
+                <a:spcPts val="200"/>
+              </a:spcBef>
+              <a:spcAft>
+                <a:spcPts val="400"/>
+              </a:spcAft>
+              <a:buSzPct val="90000"/>
+              <a:buFont typeface="Wingdings" charset="2"/>
+              <a:buChar char="§"/>
+              <a:defRPr sz="1200" kern="1200">
+                <a:solidFill>
+                  <a:schemeClr val="tx2"/>
+                </a:solidFill>
+                <a:latin typeface="+mn-lt"/>
+                <a:ea typeface="+mn-ea"/>
+                <a:cs typeface="+mn-cs"/>
+              </a:defRPr>
+            </a:lvl5pPr>
+            <a:lvl6pPr marL="1885950" indent="-171450" algn="l" defTabSz="685800" rtl="0" eaLnBrk="1" latinLnBrk="0" hangingPunct="1">
+              <a:lnSpc>
+                <a:spcPct val="90000"/>
+              </a:lnSpc>
+              <a:spcBef>
+                <a:spcPts val="375"/>
+              </a:spcBef>
+              <a:buFont typeface="Arial" panose="020B0604020202020204" pitchFamily="34" charset="0"/>
+              <a:buChar char="•"/>
+              <a:defRPr sz="1350" kern="1200">
+                <a:solidFill>
+                  <a:schemeClr val="tx1"/>
+                </a:solidFill>
+                <a:latin typeface="+mn-lt"/>
+                <a:ea typeface="+mn-ea"/>
+                <a:cs typeface="+mn-cs"/>
+              </a:defRPr>
+            </a:lvl6pPr>
+            <a:lvl7pPr marL="2228850" indent="-171450" algn="l" defTabSz="685800" rtl="0" eaLnBrk="1" latinLnBrk="0" hangingPunct="1">
+              <a:lnSpc>
+                <a:spcPct val="90000"/>
+              </a:lnSpc>
+              <a:spcBef>
+                <a:spcPts val="375"/>
+              </a:spcBef>
+              <a:buFont typeface="Arial" panose="020B0604020202020204" pitchFamily="34" charset="0"/>
+              <a:buChar char="•"/>
+              <a:defRPr sz="1350" kern="1200">
+                <a:solidFill>
+                  <a:schemeClr val="tx1"/>
+                </a:solidFill>
+                <a:latin typeface="+mn-lt"/>
+                <a:ea typeface="+mn-ea"/>
+                <a:cs typeface="+mn-cs"/>
+              </a:defRPr>
+            </a:lvl7pPr>
+            <a:lvl8pPr marL="2571750" indent="-171450" algn="l" defTabSz="685800" rtl="0" eaLnBrk="1" latinLnBrk="0" hangingPunct="1">
+              <a:lnSpc>
+                <a:spcPct val="90000"/>
+              </a:lnSpc>
+              <a:spcBef>
+                <a:spcPts val="375"/>
+              </a:spcBef>
+              <a:buFont typeface="Arial" panose="020B0604020202020204" pitchFamily="34" charset="0"/>
+              <a:buChar char="•"/>
+              <a:defRPr sz="1350" kern="1200">
+                <a:solidFill>
+                  <a:schemeClr val="tx1"/>
+                </a:solidFill>
+                <a:latin typeface="+mn-lt"/>
+                <a:ea typeface="+mn-ea"/>
+                <a:cs typeface="+mn-cs"/>
+              </a:defRPr>
+            </a:lvl8pPr>
+            <a:lvl9pPr marL="2914650" indent="-171450" algn="l" defTabSz="685800" rtl="0" eaLnBrk="1" latinLnBrk="0" hangingPunct="1">
+              <a:lnSpc>
+                <a:spcPct val="90000"/>
+              </a:lnSpc>
+              <a:spcBef>
+                <a:spcPts val="375"/>
+              </a:spcBef>
+              <a:buFont typeface="Arial" panose="020B0604020202020204" pitchFamily="34" charset="0"/>
+              <a:buChar char="•"/>
+              <a:defRPr sz="1350" kern="1200">
+                <a:solidFill>
+                  <a:schemeClr val="tx1"/>
+                </a:solidFill>
+                <a:latin typeface="+mn-lt"/>
+                <a:ea typeface="+mn-ea"/>
+                <a:cs typeface="+mn-cs"/>
+              </a:defRPr>
+            </a:lvl9pPr>
+          </a:lstStyle>
+          <a:p>
+            <a:r>
+              <a:rPr lang="en-US" dirty="0"/>
+              <a:t>Vidya</a:t>
+            </a:r>
+          </a:p>
+        </p:txBody>
+      </p:sp>
+      <p:sp>
+        <p:nvSpPr>
+          <p:cNvPr id="40" name="Text Placeholder 15">
+            <a:extLst>
+              <a:ext uri="{FF2B5EF4-FFF2-40B4-BE49-F238E27FC236}">
+                <a16:creationId xmlns:a16="http://schemas.microsoft.com/office/drawing/2014/main" id="{463D5EC7-281E-0516-F07C-D290F3AB8501}"/>
+              </a:ext>
+            </a:extLst>
+          </p:cNvPr>
+          <p:cNvSpPr txBox="1">
+            <a:spLocks/>
+          </p:cNvSpPr>
+          <p:nvPr/>
+        </p:nvSpPr>
+        <p:spPr>
+          <a:xfrm>
+            <a:off x="593285" y="4759604"/>
+            <a:ext cx="1953571" cy="281916"/>
+          </a:xfrm>
+          <a:prstGeom prst="rect">
+            <a:avLst/>
+          </a:prstGeom>
+        </p:spPr>
+        <p:txBody>
+          <a:bodyPr/>
+          <a:lstStyle>
+            <a:lvl1pPr marL="0" indent="0" algn="ctr" defTabSz="685800" rtl="0" eaLnBrk="1" latinLnBrk="0" hangingPunct="1">
+              <a:lnSpc>
+                <a:spcPct val="100000"/>
+              </a:lnSpc>
+              <a:spcBef>
+                <a:spcPts val="1200"/>
+              </a:spcBef>
+              <a:spcAft>
+                <a:spcPts val="200"/>
+              </a:spcAft>
+              <a:buSzPct val="90000"/>
+              <a:buFont typeface="Wingdings" charset="2"/>
+              <a:buNone/>
+              <a:defRPr sz="1000" kern="1200">
+                <a:solidFill>
+                  <a:schemeClr val="tx2"/>
+                </a:solidFill>
+                <a:latin typeface="+mn-lt"/>
+                <a:ea typeface="+mn-ea"/>
+                <a:cs typeface="+mn-cs"/>
+              </a:defRPr>
+            </a:lvl1pPr>
+            <a:lvl2pPr marL="571500" indent="-228600" algn="l" defTabSz="685800" rtl="0" eaLnBrk="1" latinLnBrk="0" hangingPunct="1">
+              <a:lnSpc>
+                <a:spcPct val="100000"/>
+              </a:lnSpc>
+              <a:spcBef>
+                <a:spcPts val="200"/>
+              </a:spcBef>
+              <a:spcAft>
+                <a:spcPts val="400"/>
+              </a:spcAft>
+              <a:buSzPct val="90000"/>
+              <a:buFont typeface="Wingdings" charset="2"/>
+              <a:buChar char="§"/>
+              <a:defRPr sz="1800" kern="1200">
+                <a:solidFill>
+                  <a:schemeClr val="tx2"/>
+                </a:solidFill>
+                <a:latin typeface="+mn-lt"/>
+                <a:ea typeface="+mn-ea"/>
+                <a:cs typeface="+mn-cs"/>
+              </a:defRPr>
+            </a:lvl2pPr>
+            <a:lvl3pPr marL="914400" indent="-228600" algn="l" defTabSz="685800" rtl="0" eaLnBrk="1" latinLnBrk="0" hangingPunct="1">
+              <a:lnSpc>
+                <a:spcPct val="100000"/>
+              </a:lnSpc>
+              <a:spcBef>
+                <a:spcPts val="200"/>
+              </a:spcBef>
+              <a:spcAft>
+                <a:spcPts val="400"/>
+              </a:spcAft>
+              <a:buSzPct val="90000"/>
+              <a:buFont typeface="Wingdings" charset="2"/>
+              <a:buChar char="§"/>
+              <a:defRPr sz="1600" kern="1200">
+                <a:solidFill>
+                  <a:schemeClr val="tx2"/>
+                </a:solidFill>
+                <a:latin typeface="+mn-lt"/>
+                <a:ea typeface="+mn-ea"/>
+                <a:cs typeface="+mn-cs"/>
+              </a:defRPr>
+            </a:lvl3pPr>
+            <a:lvl4pPr marL="1200150" indent="-171450" algn="l" defTabSz="685800" rtl="0" eaLnBrk="1" latinLnBrk="0" hangingPunct="1">
+              <a:lnSpc>
+                <a:spcPct val="100000"/>
+              </a:lnSpc>
+              <a:spcBef>
+                <a:spcPts val="200"/>
+              </a:spcBef>
+              <a:spcAft>
+                <a:spcPts val="400"/>
+              </a:spcAft>
+              <a:buSzPct val="90000"/>
+              <a:buFont typeface="Wingdings" charset="2"/>
+              <a:buChar char="§"/>
+              <a:defRPr sz="1400" kern="1200">
+                <a:solidFill>
+                  <a:schemeClr val="tx2"/>
+                </a:solidFill>
+                <a:latin typeface="+mn-lt"/>
+                <a:ea typeface="+mn-ea"/>
+                <a:cs typeface="+mn-cs"/>
+              </a:defRPr>
+            </a:lvl4pPr>
+            <a:lvl5pPr marL="1543050" indent="-171450" algn="l" defTabSz="685800" rtl="0" eaLnBrk="1" latinLnBrk="0" hangingPunct="1">
+              <a:lnSpc>
+                <a:spcPct val="100000"/>
+              </a:lnSpc>
+              <a:spcBef>
+                <a:spcPts val="200"/>
+              </a:spcBef>
+              <a:spcAft>
+                <a:spcPts val="400"/>
+              </a:spcAft>
+              <a:buSzPct val="90000"/>
+              <a:buFont typeface="Wingdings" charset="2"/>
+              <a:buChar char="§"/>
+              <a:defRPr sz="1200" kern="1200">
+                <a:solidFill>
+                  <a:schemeClr val="tx2"/>
+                </a:solidFill>
+                <a:latin typeface="+mn-lt"/>
+                <a:ea typeface="+mn-ea"/>
+                <a:cs typeface="+mn-cs"/>
+              </a:defRPr>
+            </a:lvl5pPr>
+            <a:lvl6pPr marL="1885950" indent="-171450" algn="l" defTabSz="685800" rtl="0" eaLnBrk="1" latinLnBrk="0" hangingPunct="1">
+              <a:lnSpc>
+                <a:spcPct val="90000"/>
+              </a:lnSpc>
+              <a:spcBef>
+                <a:spcPts val="375"/>
+              </a:spcBef>
+              <a:buFont typeface="Arial" panose="020B0604020202020204" pitchFamily="34" charset="0"/>
+              <a:buChar char="•"/>
+              <a:defRPr sz="1350" kern="1200">
+                <a:solidFill>
+                  <a:schemeClr val="tx1"/>
+                </a:solidFill>
+                <a:latin typeface="+mn-lt"/>
+                <a:ea typeface="+mn-ea"/>
+                <a:cs typeface="+mn-cs"/>
+              </a:defRPr>
+            </a:lvl6pPr>
+            <a:lvl7pPr marL="2228850" indent="-171450" algn="l" defTabSz="685800" rtl="0" eaLnBrk="1" latinLnBrk="0" hangingPunct="1">
+              <a:lnSpc>
+                <a:spcPct val="90000"/>
+              </a:lnSpc>
+              <a:spcBef>
+                <a:spcPts val="375"/>
+              </a:spcBef>
+              <a:buFont typeface="Arial" panose="020B0604020202020204" pitchFamily="34" charset="0"/>
+              <a:buChar char="•"/>
+              <a:defRPr sz="1350" kern="1200">
+                <a:solidFill>
+                  <a:schemeClr val="tx1"/>
+                </a:solidFill>
+                <a:latin typeface="+mn-lt"/>
+                <a:ea typeface="+mn-ea"/>
+                <a:cs typeface="+mn-cs"/>
+              </a:defRPr>
+            </a:lvl7pPr>
+            <a:lvl8pPr marL="2571750" indent="-171450" algn="l" defTabSz="685800" rtl="0" eaLnBrk="1" latinLnBrk="0" hangingPunct="1">
+              <a:lnSpc>
+                <a:spcPct val="90000"/>
+              </a:lnSpc>
+              <a:spcBef>
+                <a:spcPts val="375"/>
+              </a:spcBef>
+              <a:buFont typeface="Arial" panose="020B0604020202020204" pitchFamily="34" charset="0"/>
+              <a:buChar char="•"/>
+              <a:defRPr sz="1350" kern="1200">
+                <a:solidFill>
+                  <a:schemeClr val="tx1"/>
+                </a:solidFill>
+                <a:latin typeface="+mn-lt"/>
+                <a:ea typeface="+mn-ea"/>
+                <a:cs typeface="+mn-cs"/>
+              </a:defRPr>
+            </a:lvl8pPr>
+            <a:lvl9pPr marL="2914650" indent="-171450" algn="l" defTabSz="685800" rtl="0" eaLnBrk="1" latinLnBrk="0" hangingPunct="1">
+              <a:lnSpc>
+                <a:spcPct val="90000"/>
+              </a:lnSpc>
+              <a:spcBef>
+                <a:spcPts val="375"/>
+              </a:spcBef>
+              <a:buFont typeface="Arial" panose="020B0604020202020204" pitchFamily="34" charset="0"/>
+              <a:buChar char="•"/>
+              <a:defRPr sz="1350" kern="1200">
+                <a:solidFill>
+                  <a:schemeClr val="tx1"/>
+                </a:solidFill>
+                <a:latin typeface="+mn-lt"/>
+                <a:ea typeface="+mn-ea"/>
+                <a:cs typeface="+mn-cs"/>
+              </a:defRPr>
+            </a:lvl9pPr>
+          </a:lstStyle>
+          <a:p>
+            <a:r>
+              <a:rPr lang="en-US" dirty="0"/>
+              <a:t>Acumatica SME</a:t>
+            </a:r>
+          </a:p>
+        </p:txBody>
+      </p:sp>
+      <p:sp>
+        <p:nvSpPr>
+          <p:cNvPr id="41" name="Text Placeholder 7">
+            <a:extLst>
+              <a:ext uri="{FF2B5EF4-FFF2-40B4-BE49-F238E27FC236}">
+                <a16:creationId xmlns:a16="http://schemas.microsoft.com/office/drawing/2014/main" id="{EA8A9905-3995-236A-545B-5D7A78B1B7E5}"/>
+              </a:ext>
+            </a:extLst>
+          </p:cNvPr>
+          <p:cNvSpPr txBox="1">
+            <a:spLocks/>
+          </p:cNvSpPr>
+          <p:nvPr/>
+        </p:nvSpPr>
+        <p:spPr>
+          <a:xfrm>
+            <a:off x="2637514" y="2568605"/>
+            <a:ext cx="1953571" cy="281916"/>
+          </a:xfrm>
+          <a:prstGeom prst="rect">
+            <a:avLst/>
+          </a:prstGeom>
+        </p:spPr>
+        <p:txBody>
+          <a:bodyPr/>
+          <a:lstStyle>
+            <a:lvl1pPr marL="0" indent="0" algn="ctr" defTabSz="685800" rtl="0" eaLnBrk="1" latinLnBrk="0" hangingPunct="1">
+              <a:lnSpc>
+                <a:spcPct val="100000"/>
+              </a:lnSpc>
+              <a:spcBef>
+                <a:spcPts val="1200"/>
+              </a:spcBef>
+              <a:spcAft>
+                <a:spcPts val="200"/>
+              </a:spcAft>
+              <a:buSzPct val="90000"/>
+              <a:buFont typeface="Wingdings" charset="2"/>
+              <a:buNone/>
+              <a:defRPr sz="1000" kern="1200">
+                <a:solidFill>
+                  <a:schemeClr val="tx2"/>
+                </a:solidFill>
+                <a:latin typeface="+mn-lt"/>
+                <a:ea typeface="+mn-ea"/>
+                <a:cs typeface="+mn-cs"/>
+              </a:defRPr>
+            </a:lvl1pPr>
+            <a:lvl2pPr marL="571500" indent="-228600" algn="l" defTabSz="685800" rtl="0" eaLnBrk="1" latinLnBrk="0" hangingPunct="1">
+              <a:lnSpc>
+                <a:spcPct val="100000"/>
+              </a:lnSpc>
+              <a:spcBef>
+                <a:spcPts val="200"/>
+              </a:spcBef>
+              <a:spcAft>
+                <a:spcPts val="400"/>
+              </a:spcAft>
+              <a:buSzPct val="90000"/>
+              <a:buFont typeface="Wingdings" charset="2"/>
+              <a:buChar char="§"/>
+              <a:defRPr sz="1800" kern="1200">
+                <a:solidFill>
+                  <a:schemeClr val="tx2"/>
+                </a:solidFill>
+                <a:latin typeface="+mn-lt"/>
+                <a:ea typeface="+mn-ea"/>
+                <a:cs typeface="+mn-cs"/>
+              </a:defRPr>
+            </a:lvl2pPr>
+            <a:lvl3pPr marL="914400" indent="-228600" algn="l" defTabSz="685800" rtl="0" eaLnBrk="1" latinLnBrk="0" hangingPunct="1">
+              <a:lnSpc>
+                <a:spcPct val="100000"/>
+              </a:lnSpc>
+              <a:spcBef>
+                <a:spcPts val="200"/>
+              </a:spcBef>
+              <a:spcAft>
+                <a:spcPts val="400"/>
+              </a:spcAft>
+              <a:buSzPct val="90000"/>
+              <a:buFont typeface="Wingdings" charset="2"/>
+              <a:buChar char="§"/>
+              <a:defRPr sz="1600" kern="1200">
+                <a:solidFill>
+                  <a:schemeClr val="tx2"/>
+                </a:solidFill>
+                <a:latin typeface="+mn-lt"/>
+                <a:ea typeface="+mn-ea"/>
+                <a:cs typeface="+mn-cs"/>
+              </a:defRPr>
+            </a:lvl3pPr>
+            <a:lvl4pPr marL="1200150" indent="-171450" algn="l" defTabSz="685800" rtl="0" eaLnBrk="1" latinLnBrk="0" hangingPunct="1">
+              <a:lnSpc>
+                <a:spcPct val="100000"/>
+              </a:lnSpc>
+              <a:spcBef>
+                <a:spcPts val="200"/>
+              </a:spcBef>
+              <a:spcAft>
+                <a:spcPts val="400"/>
+              </a:spcAft>
+              <a:buSzPct val="90000"/>
+              <a:buFont typeface="Wingdings" charset="2"/>
+              <a:buChar char="§"/>
+              <a:defRPr sz="1400" kern="1200">
+                <a:solidFill>
+                  <a:schemeClr val="tx2"/>
+                </a:solidFill>
+                <a:latin typeface="+mn-lt"/>
+                <a:ea typeface="+mn-ea"/>
+                <a:cs typeface="+mn-cs"/>
+              </a:defRPr>
+            </a:lvl4pPr>
+            <a:lvl5pPr marL="1543050" indent="-171450" algn="l" defTabSz="685800" rtl="0" eaLnBrk="1" latinLnBrk="0" hangingPunct="1">
+              <a:lnSpc>
+                <a:spcPct val="100000"/>
+              </a:lnSpc>
+              <a:spcBef>
+                <a:spcPts val="200"/>
+              </a:spcBef>
+              <a:spcAft>
+                <a:spcPts val="400"/>
+              </a:spcAft>
+              <a:buSzPct val="90000"/>
+              <a:buFont typeface="Wingdings" charset="2"/>
+              <a:buChar char="§"/>
+              <a:defRPr sz="1200" kern="1200">
+                <a:solidFill>
+                  <a:schemeClr val="tx2"/>
+                </a:solidFill>
+                <a:latin typeface="+mn-lt"/>
+                <a:ea typeface="+mn-ea"/>
+                <a:cs typeface="+mn-cs"/>
+              </a:defRPr>
+            </a:lvl5pPr>
+            <a:lvl6pPr marL="1885950" indent="-171450" algn="l" defTabSz="685800" rtl="0" eaLnBrk="1" latinLnBrk="0" hangingPunct="1">
+              <a:lnSpc>
+                <a:spcPct val="90000"/>
+              </a:lnSpc>
+              <a:spcBef>
+                <a:spcPts val="375"/>
+              </a:spcBef>
+              <a:buFont typeface="Arial" panose="020B0604020202020204" pitchFamily="34" charset="0"/>
+              <a:buChar char="•"/>
+              <a:defRPr sz="1350" kern="1200">
+                <a:solidFill>
+                  <a:schemeClr val="tx1"/>
+                </a:solidFill>
+                <a:latin typeface="+mn-lt"/>
+                <a:ea typeface="+mn-ea"/>
+                <a:cs typeface="+mn-cs"/>
+              </a:defRPr>
+            </a:lvl6pPr>
+            <a:lvl7pPr marL="2228850" indent="-171450" algn="l" defTabSz="685800" rtl="0" eaLnBrk="1" latinLnBrk="0" hangingPunct="1">
+              <a:lnSpc>
+                <a:spcPct val="90000"/>
+              </a:lnSpc>
+              <a:spcBef>
+                <a:spcPts val="375"/>
+              </a:spcBef>
+              <a:buFont typeface="Arial" panose="020B0604020202020204" pitchFamily="34" charset="0"/>
+              <a:buChar char="•"/>
+              <a:defRPr sz="1350" kern="1200">
+                <a:solidFill>
+                  <a:schemeClr val="tx1"/>
+                </a:solidFill>
+                <a:latin typeface="+mn-lt"/>
+                <a:ea typeface="+mn-ea"/>
+                <a:cs typeface="+mn-cs"/>
+              </a:defRPr>
+            </a:lvl7pPr>
+            <a:lvl8pPr marL="2571750" indent="-171450" algn="l" defTabSz="685800" rtl="0" eaLnBrk="1" latinLnBrk="0" hangingPunct="1">
+              <a:lnSpc>
+                <a:spcPct val="90000"/>
+              </a:lnSpc>
+              <a:spcBef>
+                <a:spcPts val="375"/>
+              </a:spcBef>
+              <a:buFont typeface="Arial" panose="020B0604020202020204" pitchFamily="34" charset="0"/>
+              <a:buChar char="•"/>
+              <a:defRPr sz="1350" kern="1200">
+                <a:solidFill>
+                  <a:schemeClr val="tx1"/>
+                </a:solidFill>
+                <a:latin typeface="+mn-lt"/>
+                <a:ea typeface="+mn-ea"/>
+                <a:cs typeface="+mn-cs"/>
+              </a:defRPr>
+            </a:lvl8pPr>
+            <a:lvl9pPr marL="2914650" indent="-171450" algn="l" defTabSz="685800" rtl="0" eaLnBrk="1" latinLnBrk="0" hangingPunct="1">
+              <a:lnSpc>
+                <a:spcPct val="90000"/>
+              </a:lnSpc>
+              <a:spcBef>
+                <a:spcPts val="375"/>
+              </a:spcBef>
+              <a:buFont typeface="Arial" panose="020B0604020202020204" pitchFamily="34" charset="0"/>
+              <a:buChar char="•"/>
+              <a:defRPr sz="1350" kern="1200">
+                <a:solidFill>
+                  <a:schemeClr val="tx1"/>
+                </a:solidFill>
+                <a:latin typeface="+mn-lt"/>
+                <a:ea typeface="+mn-ea"/>
+                <a:cs typeface="+mn-cs"/>
+              </a:defRPr>
+            </a:lvl9pPr>
+          </a:lstStyle>
+          <a:p>
+            <a:r>
+              <a:rPr lang="en-US"/>
+              <a:t>Developer – SPS Commerce </a:t>
+            </a:r>
+            <a:endParaRPr lang="en-US" dirty="0"/>
+          </a:p>
+        </p:txBody>
+      </p:sp>
+      <p:sp>
+        <p:nvSpPr>
+          <p:cNvPr id="42" name="Text Placeholder 6">
+            <a:extLst>
+              <a:ext uri="{FF2B5EF4-FFF2-40B4-BE49-F238E27FC236}">
+                <a16:creationId xmlns:a16="http://schemas.microsoft.com/office/drawing/2014/main" id="{037F8FE7-9B95-1507-23EC-B5F14254B28F}"/>
+              </a:ext>
+            </a:extLst>
+          </p:cNvPr>
+          <p:cNvSpPr txBox="1">
+            <a:spLocks/>
+          </p:cNvSpPr>
+          <p:nvPr/>
+        </p:nvSpPr>
+        <p:spPr>
+          <a:xfrm>
+            <a:off x="3210173" y="4589834"/>
+            <a:ext cx="1953571" cy="245765"/>
+          </a:xfrm>
+          <a:prstGeom prst="rect">
+            <a:avLst/>
+          </a:prstGeom>
+        </p:spPr>
+        <p:txBody>
+          <a:bodyPr/>
+          <a:lstStyle>
+            <a:lvl1pPr marL="0" indent="0" algn="ctr" defTabSz="685800" rtl="0" eaLnBrk="1" latinLnBrk="0" hangingPunct="1">
+              <a:lnSpc>
+                <a:spcPct val="100000"/>
+              </a:lnSpc>
+              <a:spcBef>
+                <a:spcPts val="1200"/>
+              </a:spcBef>
+              <a:spcAft>
+                <a:spcPts val="200"/>
+              </a:spcAft>
+              <a:buSzPct val="90000"/>
+              <a:buFont typeface="Wingdings" charset="2"/>
+              <a:buNone/>
+              <a:defRPr sz="1100" b="1" kern="1200">
+                <a:solidFill>
+                  <a:schemeClr val="tx2"/>
+                </a:solidFill>
+                <a:latin typeface="+mn-lt"/>
+                <a:ea typeface="+mn-ea"/>
+                <a:cs typeface="+mn-cs"/>
+              </a:defRPr>
+            </a:lvl1pPr>
+            <a:lvl2pPr marL="571500" indent="-228600" algn="l" defTabSz="685800" rtl="0" eaLnBrk="1" latinLnBrk="0" hangingPunct="1">
+              <a:lnSpc>
+                <a:spcPct val="100000"/>
+              </a:lnSpc>
+              <a:spcBef>
+                <a:spcPts val="200"/>
+              </a:spcBef>
+              <a:spcAft>
+                <a:spcPts val="400"/>
+              </a:spcAft>
+              <a:buSzPct val="90000"/>
+              <a:buFont typeface="Wingdings" charset="2"/>
+              <a:buChar char="§"/>
+              <a:defRPr sz="1800" kern="1200">
+                <a:solidFill>
+                  <a:schemeClr val="tx2"/>
+                </a:solidFill>
+                <a:latin typeface="+mn-lt"/>
+                <a:ea typeface="+mn-ea"/>
+                <a:cs typeface="+mn-cs"/>
+              </a:defRPr>
+            </a:lvl2pPr>
+            <a:lvl3pPr marL="914400" indent="-228600" algn="l" defTabSz="685800" rtl="0" eaLnBrk="1" latinLnBrk="0" hangingPunct="1">
+              <a:lnSpc>
+                <a:spcPct val="100000"/>
+              </a:lnSpc>
+              <a:spcBef>
+                <a:spcPts val="200"/>
+              </a:spcBef>
+              <a:spcAft>
+                <a:spcPts val="400"/>
+              </a:spcAft>
+              <a:buSzPct val="90000"/>
+              <a:buFont typeface="Wingdings" charset="2"/>
+              <a:buChar char="§"/>
+              <a:defRPr sz="1600" kern="1200">
+                <a:solidFill>
+                  <a:schemeClr val="tx2"/>
+                </a:solidFill>
+                <a:latin typeface="+mn-lt"/>
+                <a:ea typeface="+mn-ea"/>
+                <a:cs typeface="+mn-cs"/>
+              </a:defRPr>
+            </a:lvl3pPr>
+            <a:lvl4pPr marL="1200150" indent="-171450" algn="l" defTabSz="685800" rtl="0" eaLnBrk="1" latinLnBrk="0" hangingPunct="1">
+              <a:lnSpc>
+                <a:spcPct val="100000"/>
+              </a:lnSpc>
+              <a:spcBef>
+                <a:spcPts val="200"/>
+              </a:spcBef>
+              <a:spcAft>
+                <a:spcPts val="400"/>
+              </a:spcAft>
+              <a:buSzPct val="90000"/>
+              <a:buFont typeface="Wingdings" charset="2"/>
+              <a:buChar char="§"/>
+              <a:defRPr sz="1400" kern="1200">
+                <a:solidFill>
+                  <a:schemeClr val="tx2"/>
+                </a:solidFill>
+                <a:latin typeface="+mn-lt"/>
+                <a:ea typeface="+mn-ea"/>
+                <a:cs typeface="+mn-cs"/>
+              </a:defRPr>
+            </a:lvl4pPr>
+            <a:lvl5pPr marL="1543050" indent="-171450" algn="l" defTabSz="685800" rtl="0" eaLnBrk="1" latinLnBrk="0" hangingPunct="1">
+              <a:lnSpc>
+                <a:spcPct val="100000"/>
+              </a:lnSpc>
+              <a:spcBef>
+                <a:spcPts val="200"/>
+              </a:spcBef>
+              <a:spcAft>
+                <a:spcPts val="400"/>
+              </a:spcAft>
+              <a:buSzPct val="90000"/>
+              <a:buFont typeface="Wingdings" charset="2"/>
+              <a:buChar char="§"/>
+              <a:defRPr sz="1200" kern="1200">
+                <a:solidFill>
+                  <a:schemeClr val="tx2"/>
+                </a:solidFill>
+                <a:latin typeface="+mn-lt"/>
+                <a:ea typeface="+mn-ea"/>
+                <a:cs typeface="+mn-cs"/>
+              </a:defRPr>
+            </a:lvl5pPr>
+            <a:lvl6pPr marL="1885950" indent="-171450" algn="l" defTabSz="685800" rtl="0" eaLnBrk="1" latinLnBrk="0" hangingPunct="1">
+              <a:lnSpc>
+                <a:spcPct val="90000"/>
+              </a:lnSpc>
+              <a:spcBef>
+                <a:spcPts val="375"/>
+              </a:spcBef>
+              <a:buFont typeface="Arial" panose="020B0604020202020204" pitchFamily="34" charset="0"/>
+              <a:buChar char="•"/>
+              <a:defRPr sz="1350" kern="1200">
+                <a:solidFill>
+                  <a:schemeClr val="tx1"/>
+                </a:solidFill>
+                <a:latin typeface="+mn-lt"/>
+                <a:ea typeface="+mn-ea"/>
+                <a:cs typeface="+mn-cs"/>
+              </a:defRPr>
+            </a:lvl6pPr>
+            <a:lvl7pPr marL="2228850" indent="-171450" algn="l" defTabSz="685800" rtl="0" eaLnBrk="1" latinLnBrk="0" hangingPunct="1">
+              <a:lnSpc>
+                <a:spcPct val="90000"/>
+              </a:lnSpc>
+              <a:spcBef>
+                <a:spcPts val="375"/>
+              </a:spcBef>
+              <a:buFont typeface="Arial" panose="020B0604020202020204" pitchFamily="34" charset="0"/>
+              <a:buChar char="•"/>
+              <a:defRPr sz="1350" kern="1200">
+                <a:solidFill>
+                  <a:schemeClr val="tx1"/>
+                </a:solidFill>
+                <a:latin typeface="+mn-lt"/>
+                <a:ea typeface="+mn-ea"/>
+                <a:cs typeface="+mn-cs"/>
+              </a:defRPr>
+            </a:lvl7pPr>
+            <a:lvl8pPr marL="2571750" indent="-171450" algn="l" defTabSz="685800" rtl="0" eaLnBrk="1" latinLnBrk="0" hangingPunct="1">
+              <a:lnSpc>
+                <a:spcPct val="90000"/>
+              </a:lnSpc>
+              <a:spcBef>
+                <a:spcPts val="375"/>
+              </a:spcBef>
+              <a:buFont typeface="Arial" panose="020B0604020202020204" pitchFamily="34" charset="0"/>
+              <a:buChar char="•"/>
+              <a:defRPr sz="1350" kern="1200">
+                <a:solidFill>
+                  <a:schemeClr val="tx1"/>
+                </a:solidFill>
+                <a:latin typeface="+mn-lt"/>
+                <a:ea typeface="+mn-ea"/>
+                <a:cs typeface="+mn-cs"/>
+              </a:defRPr>
+            </a:lvl8pPr>
+            <a:lvl9pPr marL="2914650" indent="-171450" algn="l" defTabSz="685800" rtl="0" eaLnBrk="1" latinLnBrk="0" hangingPunct="1">
+              <a:lnSpc>
+                <a:spcPct val="90000"/>
+              </a:lnSpc>
+              <a:spcBef>
+                <a:spcPts val="375"/>
+              </a:spcBef>
+              <a:buFont typeface="Arial" panose="020B0604020202020204" pitchFamily="34" charset="0"/>
+              <a:buChar char="•"/>
+              <a:defRPr sz="1350" kern="1200">
+                <a:solidFill>
+                  <a:schemeClr val="tx1"/>
+                </a:solidFill>
+                <a:latin typeface="+mn-lt"/>
+                <a:ea typeface="+mn-ea"/>
+                <a:cs typeface="+mn-cs"/>
+              </a:defRPr>
+            </a:lvl9pPr>
+          </a:lstStyle>
+          <a:p>
+            <a:r>
+              <a:rPr lang="en-US" dirty="0"/>
+              <a:t>Paul Gilfoy</a:t>
+            </a:r>
+          </a:p>
+        </p:txBody>
+      </p:sp>
+      <p:sp>
+        <p:nvSpPr>
+          <p:cNvPr id="43" name="Text Placeholder 7">
+            <a:extLst>
+              <a:ext uri="{FF2B5EF4-FFF2-40B4-BE49-F238E27FC236}">
+                <a16:creationId xmlns:a16="http://schemas.microsoft.com/office/drawing/2014/main" id="{92F7C0FB-D1F2-4167-345F-30210747E332}"/>
+              </a:ext>
+            </a:extLst>
+          </p:cNvPr>
+          <p:cNvSpPr txBox="1">
+            <a:spLocks/>
+          </p:cNvSpPr>
+          <p:nvPr/>
+        </p:nvSpPr>
+        <p:spPr>
+          <a:xfrm>
+            <a:off x="5755837" y="4848608"/>
+            <a:ext cx="1953571" cy="281916"/>
+          </a:xfrm>
+          <a:prstGeom prst="rect">
+            <a:avLst/>
+          </a:prstGeom>
+        </p:spPr>
+        <p:txBody>
+          <a:bodyPr/>
+          <a:lstStyle>
+            <a:lvl1pPr marL="0" indent="0" algn="ctr" defTabSz="685800" rtl="0" eaLnBrk="1" latinLnBrk="0" hangingPunct="1">
+              <a:lnSpc>
+                <a:spcPct val="100000"/>
+              </a:lnSpc>
+              <a:spcBef>
+                <a:spcPts val="1200"/>
+              </a:spcBef>
+              <a:spcAft>
+                <a:spcPts val="200"/>
+              </a:spcAft>
+              <a:buSzPct val="90000"/>
+              <a:buFont typeface="Wingdings" charset="2"/>
+              <a:buNone/>
+              <a:defRPr sz="1000" kern="1200">
+                <a:solidFill>
+                  <a:schemeClr val="tx2"/>
+                </a:solidFill>
+                <a:latin typeface="+mn-lt"/>
+                <a:ea typeface="+mn-ea"/>
+                <a:cs typeface="+mn-cs"/>
+              </a:defRPr>
+            </a:lvl1pPr>
+            <a:lvl2pPr marL="571500" indent="-228600" algn="l" defTabSz="685800" rtl="0" eaLnBrk="1" latinLnBrk="0" hangingPunct="1">
+              <a:lnSpc>
+                <a:spcPct val="100000"/>
+              </a:lnSpc>
+              <a:spcBef>
+                <a:spcPts val="200"/>
+              </a:spcBef>
+              <a:spcAft>
+                <a:spcPts val="400"/>
+              </a:spcAft>
+              <a:buSzPct val="90000"/>
+              <a:buFont typeface="Wingdings" charset="2"/>
+              <a:buChar char="§"/>
+              <a:defRPr sz="1800" kern="1200">
+                <a:solidFill>
+                  <a:schemeClr val="tx2"/>
+                </a:solidFill>
+                <a:latin typeface="+mn-lt"/>
+                <a:ea typeface="+mn-ea"/>
+                <a:cs typeface="+mn-cs"/>
+              </a:defRPr>
+            </a:lvl2pPr>
+            <a:lvl3pPr marL="914400" indent="-228600" algn="l" defTabSz="685800" rtl="0" eaLnBrk="1" latinLnBrk="0" hangingPunct="1">
+              <a:lnSpc>
+                <a:spcPct val="100000"/>
+              </a:lnSpc>
+              <a:spcBef>
+                <a:spcPts val="200"/>
+              </a:spcBef>
+              <a:spcAft>
+                <a:spcPts val="400"/>
+              </a:spcAft>
+              <a:buSzPct val="90000"/>
+              <a:buFont typeface="Wingdings" charset="2"/>
+              <a:buChar char="§"/>
+              <a:defRPr sz="1600" kern="1200">
+                <a:solidFill>
+                  <a:schemeClr val="tx2"/>
+                </a:solidFill>
+                <a:latin typeface="+mn-lt"/>
+                <a:ea typeface="+mn-ea"/>
+                <a:cs typeface="+mn-cs"/>
+              </a:defRPr>
+            </a:lvl3pPr>
+            <a:lvl4pPr marL="1200150" indent="-171450" algn="l" defTabSz="685800" rtl="0" eaLnBrk="1" latinLnBrk="0" hangingPunct="1">
+              <a:lnSpc>
+                <a:spcPct val="100000"/>
+              </a:lnSpc>
+              <a:spcBef>
+                <a:spcPts val="200"/>
+              </a:spcBef>
+              <a:spcAft>
+                <a:spcPts val="400"/>
+              </a:spcAft>
+              <a:buSzPct val="90000"/>
+              <a:buFont typeface="Wingdings" charset="2"/>
+              <a:buChar char="§"/>
+              <a:defRPr sz="1400" kern="1200">
+                <a:solidFill>
+                  <a:schemeClr val="tx2"/>
+                </a:solidFill>
+                <a:latin typeface="+mn-lt"/>
+                <a:ea typeface="+mn-ea"/>
+                <a:cs typeface="+mn-cs"/>
+              </a:defRPr>
+            </a:lvl4pPr>
+            <a:lvl5pPr marL="1543050" indent="-171450" algn="l" defTabSz="685800" rtl="0" eaLnBrk="1" latinLnBrk="0" hangingPunct="1">
+              <a:lnSpc>
+                <a:spcPct val="100000"/>
+              </a:lnSpc>
+              <a:spcBef>
+                <a:spcPts val="200"/>
+              </a:spcBef>
+              <a:spcAft>
+                <a:spcPts val="400"/>
+              </a:spcAft>
+              <a:buSzPct val="90000"/>
+              <a:buFont typeface="Wingdings" charset="2"/>
+              <a:buChar char="§"/>
+              <a:defRPr sz="1200" kern="1200">
+                <a:solidFill>
+                  <a:schemeClr val="tx2"/>
+                </a:solidFill>
+                <a:latin typeface="+mn-lt"/>
+                <a:ea typeface="+mn-ea"/>
+                <a:cs typeface="+mn-cs"/>
+              </a:defRPr>
+            </a:lvl5pPr>
+            <a:lvl6pPr marL="1885950" indent="-171450" algn="l" defTabSz="685800" rtl="0" eaLnBrk="1" latinLnBrk="0" hangingPunct="1">
+              <a:lnSpc>
+                <a:spcPct val="90000"/>
+              </a:lnSpc>
+              <a:spcBef>
+                <a:spcPts val="375"/>
+              </a:spcBef>
+              <a:buFont typeface="Arial" panose="020B0604020202020204" pitchFamily="34" charset="0"/>
+              <a:buChar char="•"/>
+              <a:defRPr sz="1350" kern="1200">
+                <a:solidFill>
+                  <a:schemeClr val="tx1"/>
+                </a:solidFill>
+                <a:latin typeface="+mn-lt"/>
+                <a:ea typeface="+mn-ea"/>
+                <a:cs typeface="+mn-cs"/>
+              </a:defRPr>
+            </a:lvl6pPr>
+            <a:lvl7pPr marL="2228850" indent="-171450" algn="l" defTabSz="685800" rtl="0" eaLnBrk="1" latinLnBrk="0" hangingPunct="1">
+              <a:lnSpc>
+                <a:spcPct val="90000"/>
+              </a:lnSpc>
+              <a:spcBef>
+                <a:spcPts val="375"/>
+              </a:spcBef>
+              <a:buFont typeface="Arial" panose="020B0604020202020204" pitchFamily="34" charset="0"/>
+              <a:buChar char="•"/>
+              <a:defRPr sz="1350" kern="1200">
+                <a:solidFill>
+                  <a:schemeClr val="tx1"/>
+                </a:solidFill>
+                <a:latin typeface="+mn-lt"/>
+                <a:ea typeface="+mn-ea"/>
+                <a:cs typeface="+mn-cs"/>
+              </a:defRPr>
+            </a:lvl7pPr>
+            <a:lvl8pPr marL="2571750" indent="-171450" algn="l" defTabSz="685800" rtl="0" eaLnBrk="1" latinLnBrk="0" hangingPunct="1">
+              <a:lnSpc>
+                <a:spcPct val="90000"/>
+              </a:lnSpc>
+              <a:spcBef>
+                <a:spcPts val="375"/>
+              </a:spcBef>
+              <a:buFont typeface="Arial" panose="020B0604020202020204" pitchFamily="34" charset="0"/>
+              <a:buChar char="•"/>
+              <a:defRPr sz="1350" kern="1200">
+                <a:solidFill>
+                  <a:schemeClr val="tx1"/>
+                </a:solidFill>
+                <a:latin typeface="+mn-lt"/>
+                <a:ea typeface="+mn-ea"/>
+                <a:cs typeface="+mn-cs"/>
+              </a:defRPr>
+            </a:lvl8pPr>
+            <a:lvl9pPr marL="2914650" indent="-171450" algn="l" defTabSz="685800" rtl="0" eaLnBrk="1" latinLnBrk="0" hangingPunct="1">
+              <a:lnSpc>
+                <a:spcPct val="90000"/>
+              </a:lnSpc>
+              <a:spcBef>
+                <a:spcPts val="375"/>
+              </a:spcBef>
+              <a:buFont typeface="Arial" panose="020B0604020202020204" pitchFamily="34" charset="0"/>
+              <a:buChar char="•"/>
+              <a:defRPr sz="1350" kern="1200">
+                <a:solidFill>
+                  <a:schemeClr val="tx1"/>
+                </a:solidFill>
+                <a:latin typeface="+mn-lt"/>
+                <a:ea typeface="+mn-ea"/>
+                <a:cs typeface="+mn-cs"/>
+              </a:defRPr>
+            </a:lvl9pPr>
+          </a:lstStyle>
+          <a:p>
+            <a:r>
+              <a:rPr lang="en-US" dirty="0"/>
+              <a:t>InfoSourcing Inc</a:t>
+            </a:r>
+          </a:p>
+        </p:txBody>
+      </p:sp>
+      <p:sp>
+        <p:nvSpPr>
+          <p:cNvPr id="44" name="Text Placeholder 6">
+            <a:extLst>
+              <a:ext uri="{FF2B5EF4-FFF2-40B4-BE49-F238E27FC236}">
+                <a16:creationId xmlns:a16="http://schemas.microsoft.com/office/drawing/2014/main" id="{C4DE7535-763F-7DD2-F22F-A1FDA139D208}"/>
+              </a:ext>
+            </a:extLst>
+          </p:cNvPr>
+          <p:cNvSpPr txBox="1">
+            <a:spLocks/>
+          </p:cNvSpPr>
+          <p:nvPr/>
+        </p:nvSpPr>
+        <p:spPr>
+          <a:xfrm>
+            <a:off x="5645899" y="4633444"/>
+            <a:ext cx="1953571" cy="245765"/>
+          </a:xfrm>
+          <a:prstGeom prst="rect">
+            <a:avLst/>
+          </a:prstGeom>
+        </p:spPr>
+        <p:txBody>
+          <a:bodyPr/>
+          <a:lstStyle>
+            <a:lvl1pPr marL="0" indent="0" algn="ctr" defTabSz="685800" rtl="0" eaLnBrk="1" latinLnBrk="0" hangingPunct="1">
+              <a:lnSpc>
+                <a:spcPct val="100000"/>
+              </a:lnSpc>
+              <a:spcBef>
+                <a:spcPts val="1200"/>
+              </a:spcBef>
+              <a:spcAft>
+                <a:spcPts val="200"/>
+              </a:spcAft>
+              <a:buSzPct val="90000"/>
+              <a:buFont typeface="Wingdings" charset="2"/>
+              <a:buNone/>
+              <a:defRPr sz="1100" b="1" kern="1200">
+                <a:solidFill>
+                  <a:schemeClr val="tx2"/>
+                </a:solidFill>
+                <a:latin typeface="+mn-lt"/>
+                <a:ea typeface="+mn-ea"/>
+                <a:cs typeface="+mn-cs"/>
+              </a:defRPr>
+            </a:lvl1pPr>
+            <a:lvl2pPr marL="571500" indent="-228600" algn="l" defTabSz="685800" rtl="0" eaLnBrk="1" latinLnBrk="0" hangingPunct="1">
+              <a:lnSpc>
+                <a:spcPct val="100000"/>
+              </a:lnSpc>
+              <a:spcBef>
+                <a:spcPts val="200"/>
+              </a:spcBef>
+              <a:spcAft>
+                <a:spcPts val="400"/>
+              </a:spcAft>
+              <a:buSzPct val="90000"/>
+              <a:buFont typeface="Wingdings" charset="2"/>
+              <a:buChar char="§"/>
+              <a:defRPr sz="1800" kern="1200">
+                <a:solidFill>
+                  <a:schemeClr val="tx2"/>
+                </a:solidFill>
+                <a:latin typeface="+mn-lt"/>
+                <a:ea typeface="+mn-ea"/>
+                <a:cs typeface="+mn-cs"/>
+              </a:defRPr>
+            </a:lvl2pPr>
+            <a:lvl3pPr marL="914400" indent="-228600" algn="l" defTabSz="685800" rtl="0" eaLnBrk="1" latinLnBrk="0" hangingPunct="1">
+              <a:lnSpc>
+                <a:spcPct val="100000"/>
+              </a:lnSpc>
+              <a:spcBef>
+                <a:spcPts val="200"/>
+              </a:spcBef>
+              <a:spcAft>
+                <a:spcPts val="400"/>
+              </a:spcAft>
+              <a:buSzPct val="90000"/>
+              <a:buFont typeface="Wingdings" charset="2"/>
+              <a:buChar char="§"/>
+              <a:defRPr sz="1600" kern="1200">
+                <a:solidFill>
+                  <a:schemeClr val="tx2"/>
+                </a:solidFill>
+                <a:latin typeface="+mn-lt"/>
+                <a:ea typeface="+mn-ea"/>
+                <a:cs typeface="+mn-cs"/>
+              </a:defRPr>
+            </a:lvl3pPr>
+            <a:lvl4pPr marL="1200150" indent="-171450" algn="l" defTabSz="685800" rtl="0" eaLnBrk="1" latinLnBrk="0" hangingPunct="1">
+              <a:lnSpc>
+                <a:spcPct val="100000"/>
+              </a:lnSpc>
+              <a:spcBef>
+                <a:spcPts val="200"/>
+              </a:spcBef>
+              <a:spcAft>
+                <a:spcPts val="400"/>
+              </a:spcAft>
+              <a:buSzPct val="90000"/>
+              <a:buFont typeface="Wingdings" charset="2"/>
+              <a:buChar char="§"/>
+              <a:defRPr sz="1400" kern="1200">
+                <a:solidFill>
+                  <a:schemeClr val="tx2"/>
+                </a:solidFill>
+                <a:latin typeface="+mn-lt"/>
+                <a:ea typeface="+mn-ea"/>
+                <a:cs typeface="+mn-cs"/>
+              </a:defRPr>
+            </a:lvl4pPr>
+            <a:lvl5pPr marL="1543050" indent="-171450" algn="l" defTabSz="685800" rtl="0" eaLnBrk="1" latinLnBrk="0" hangingPunct="1">
+              <a:lnSpc>
+                <a:spcPct val="100000"/>
+              </a:lnSpc>
+              <a:spcBef>
+                <a:spcPts val="200"/>
+              </a:spcBef>
+              <a:spcAft>
+                <a:spcPts val="400"/>
+              </a:spcAft>
+              <a:buSzPct val="90000"/>
+              <a:buFont typeface="Wingdings" charset="2"/>
+              <a:buChar char="§"/>
+              <a:defRPr sz="1200" kern="1200">
+                <a:solidFill>
+                  <a:schemeClr val="tx2"/>
+                </a:solidFill>
+                <a:latin typeface="+mn-lt"/>
+                <a:ea typeface="+mn-ea"/>
+                <a:cs typeface="+mn-cs"/>
+              </a:defRPr>
+            </a:lvl5pPr>
+            <a:lvl6pPr marL="1885950" indent="-171450" algn="l" defTabSz="685800" rtl="0" eaLnBrk="1" latinLnBrk="0" hangingPunct="1">
+              <a:lnSpc>
+                <a:spcPct val="90000"/>
+              </a:lnSpc>
+              <a:spcBef>
+                <a:spcPts val="375"/>
+              </a:spcBef>
+              <a:buFont typeface="Arial" panose="020B0604020202020204" pitchFamily="34" charset="0"/>
+              <a:buChar char="•"/>
+              <a:defRPr sz="1350" kern="1200">
+                <a:solidFill>
+                  <a:schemeClr val="tx1"/>
+                </a:solidFill>
+                <a:latin typeface="+mn-lt"/>
+                <a:ea typeface="+mn-ea"/>
+                <a:cs typeface="+mn-cs"/>
+              </a:defRPr>
+            </a:lvl6pPr>
+            <a:lvl7pPr marL="2228850" indent="-171450" algn="l" defTabSz="685800" rtl="0" eaLnBrk="1" latinLnBrk="0" hangingPunct="1">
+              <a:lnSpc>
+                <a:spcPct val="90000"/>
+              </a:lnSpc>
+              <a:spcBef>
+                <a:spcPts val="375"/>
+              </a:spcBef>
+              <a:buFont typeface="Arial" panose="020B0604020202020204" pitchFamily="34" charset="0"/>
+              <a:buChar char="•"/>
+              <a:defRPr sz="1350" kern="1200">
+                <a:solidFill>
+                  <a:schemeClr val="tx1"/>
+                </a:solidFill>
+                <a:latin typeface="+mn-lt"/>
+                <a:ea typeface="+mn-ea"/>
+                <a:cs typeface="+mn-cs"/>
+              </a:defRPr>
+            </a:lvl7pPr>
+            <a:lvl8pPr marL="2571750" indent="-171450" algn="l" defTabSz="685800" rtl="0" eaLnBrk="1" latinLnBrk="0" hangingPunct="1">
+              <a:lnSpc>
+                <a:spcPct val="90000"/>
+              </a:lnSpc>
+              <a:spcBef>
+                <a:spcPts val="375"/>
+              </a:spcBef>
+              <a:buFont typeface="Arial" panose="020B0604020202020204" pitchFamily="34" charset="0"/>
+              <a:buChar char="•"/>
+              <a:defRPr sz="1350" kern="1200">
+                <a:solidFill>
+                  <a:schemeClr val="tx1"/>
+                </a:solidFill>
+                <a:latin typeface="+mn-lt"/>
+                <a:ea typeface="+mn-ea"/>
+                <a:cs typeface="+mn-cs"/>
+              </a:defRPr>
+            </a:lvl8pPr>
+            <a:lvl9pPr marL="2914650" indent="-171450" algn="l" defTabSz="685800" rtl="0" eaLnBrk="1" latinLnBrk="0" hangingPunct="1">
+              <a:lnSpc>
+                <a:spcPct val="90000"/>
+              </a:lnSpc>
+              <a:spcBef>
+                <a:spcPts val="375"/>
+              </a:spcBef>
+              <a:buFont typeface="Arial" panose="020B0604020202020204" pitchFamily="34" charset="0"/>
+              <a:buChar char="•"/>
+              <a:defRPr sz="1350" kern="1200">
+                <a:solidFill>
+                  <a:schemeClr val="tx1"/>
+                </a:solidFill>
+                <a:latin typeface="+mn-lt"/>
+                <a:ea typeface="+mn-ea"/>
+                <a:cs typeface="+mn-cs"/>
+              </a:defRPr>
+            </a:lvl9pPr>
+          </a:lstStyle>
+          <a:p>
+            <a:r>
+              <a:rPr lang="en-US" dirty="0"/>
+              <a:t>Harsha Sarjapur</a:t>
+            </a:r>
           </a:p>
         </p:txBody>
       </p:sp>
     </p:spTree>
     <p:extLst>
       <p:ext uri="{BB962C8B-B14F-4D97-AF65-F5344CB8AC3E}">
-        <p14:creationId xmlns:p14="http://schemas.microsoft.com/office/powerpoint/2010/main" val="2734488330"/>
+        <p14:creationId xmlns:p14="http://schemas.microsoft.com/office/powerpoint/2010/main" val="401001555"/>
       </p:ext>
     </p:extLst>
   </p:cSld>
@@ -15894,59 +16285,6 @@
 </file>
 
 <file path=customXml/item1.xml><?xml version="1.0" encoding="utf-8"?>
-<p:properties xmlns:p="http://schemas.microsoft.com/office/2006/metadata/properties" xmlns:xsi="http://www.w3.org/2001/XMLSchema-instance" xmlns:pc="http://schemas.microsoft.com/office/infopath/2007/PartnerControls">
-  <documentManagement>
-    <lcf76f155ced4ddcb4097134ff3c332f xmlns="35a7d407-6929-460a-a9af-75b798f196f0">
-      <Terms xmlns="http://schemas.microsoft.com/office/infopath/2007/PartnerControls"/>
-    </lcf76f155ced4ddcb4097134ff3c332f>
-    <TaxCatchAll xmlns="40b66cc4-7953-4707-b230-f25bbd8af4fd" xsi:nil="true"/>
-    <SharedWithUsers xmlns="40b66cc4-7953-4707-b230-f25bbd8af4fd">
-      <UserInfo>
-        <DisplayName>Dana Moffat</DisplayName>
-        <AccountId>56</AccountId>
-        <AccountType/>
-      </UserInfo>
-      <UserInfo>
-        <DisplayName>David Gutman</DisplayName>
-        <AccountId>57</AccountId>
-        <AccountType/>
-      </UserInfo>
-      <UserInfo>
-        <DisplayName>Sean Chatterjee</DisplayName>
-        <AccountId>40</AccountId>
-        <AccountType/>
-      </UserInfo>
-      <UserInfo>
-        <DisplayName>Jessica Pidgeon</DisplayName>
-        <AccountId>65</AccountId>
-        <AccountType/>
-      </UserInfo>
-      <UserInfo>
-        <DisplayName>Kavi Nath</DisplayName>
-        <AccountId>64</AccountId>
-        <AccountType/>
-      </UserInfo>
-      <UserInfo>
-        <DisplayName>Donna Tapella</DisplayName>
-        <AccountId>61</AccountId>
-        <AccountType/>
-      </UserInfo>
-      <UserInfo>
-        <DisplayName>Kelly Wolf</DisplayName>
-        <AccountId>12</AccountId>
-        <AccountType/>
-      </UserInfo>
-      <UserInfo>
-        <DisplayName>Benjamin Rouger</DisplayName>
-        <AccountId>48</AccountId>
-        <AccountType/>
-      </UserInfo>
-    </SharedWithUsers>
-  </documentManagement>
-</p:properties>
-</file>
-
-<file path=customXml/item2.xml><?xml version="1.0" encoding="utf-8"?>
 <ct:contentTypeSchema xmlns:ct="http://schemas.microsoft.com/office/2006/metadata/contentType" xmlns:ma="http://schemas.microsoft.com/office/2006/metadata/properties/metaAttributes" ct:_="" ma:_="" ma:contentTypeName="Document" ma:contentTypeID="0x0101009D7A61598FAE8A4889637DB60E475E83" ma:contentTypeVersion="15" ma:contentTypeDescription="Create a new document." ma:contentTypeScope="" ma:versionID="efec3e0ac28488be355ab20ba2735719">
   <xsd:schema xmlns:xsd="http://www.w3.org/2001/XMLSchema" xmlns:xs="http://www.w3.org/2001/XMLSchema" xmlns:p="http://schemas.microsoft.com/office/2006/metadata/properties" xmlns:ns2="35a7d407-6929-460a-a9af-75b798f196f0" xmlns:ns3="40b66cc4-7953-4707-b230-f25bbd8af4fd" targetNamespace="http://schemas.microsoft.com/office/2006/metadata/properties" ma:root="true" ma:fieldsID="5982dc9816e82093959bc841bdcef260" ns2:_="" ns3:_="">
     <xsd:import namespace="35a7d407-6929-460a-a9af-75b798f196f0"/>
@@ -16183,6 +16521,59 @@
 </ct:contentTypeSchema>
 </file>
 
+<file path=customXml/item2.xml><?xml version="1.0" encoding="utf-8"?>
+<p:properties xmlns:p="http://schemas.microsoft.com/office/2006/metadata/properties" xmlns:xsi="http://www.w3.org/2001/XMLSchema-instance" xmlns:pc="http://schemas.microsoft.com/office/infopath/2007/PartnerControls">
+  <documentManagement>
+    <lcf76f155ced4ddcb4097134ff3c332f xmlns="35a7d407-6929-460a-a9af-75b798f196f0">
+      <Terms xmlns="http://schemas.microsoft.com/office/infopath/2007/PartnerControls"/>
+    </lcf76f155ced4ddcb4097134ff3c332f>
+    <TaxCatchAll xmlns="40b66cc4-7953-4707-b230-f25bbd8af4fd" xsi:nil="true"/>
+    <SharedWithUsers xmlns="40b66cc4-7953-4707-b230-f25bbd8af4fd">
+      <UserInfo>
+        <DisplayName>Dana Moffat</DisplayName>
+        <AccountId>56</AccountId>
+        <AccountType/>
+      </UserInfo>
+      <UserInfo>
+        <DisplayName>David Gutman</DisplayName>
+        <AccountId>57</AccountId>
+        <AccountType/>
+      </UserInfo>
+      <UserInfo>
+        <DisplayName>Sean Chatterjee</DisplayName>
+        <AccountId>40</AccountId>
+        <AccountType/>
+      </UserInfo>
+      <UserInfo>
+        <DisplayName>Jessica Pidgeon</DisplayName>
+        <AccountId>65</AccountId>
+        <AccountType/>
+      </UserInfo>
+      <UserInfo>
+        <DisplayName>Kavi Nath</DisplayName>
+        <AccountId>64</AccountId>
+        <AccountType/>
+      </UserInfo>
+      <UserInfo>
+        <DisplayName>Donna Tapella</DisplayName>
+        <AccountId>61</AccountId>
+        <AccountType/>
+      </UserInfo>
+      <UserInfo>
+        <DisplayName>Kelly Wolf</DisplayName>
+        <AccountId>12</AccountId>
+        <AccountType/>
+      </UserInfo>
+      <UserInfo>
+        <DisplayName>Benjamin Rouger</DisplayName>
+        <AccountId>48</AccountId>
+        <AccountType/>
+      </UserInfo>
+    </SharedWithUsers>
+  </documentManagement>
+</p:properties>
+</file>
+
 <file path=customXml/item3.xml><?xml version="1.0" encoding="utf-8"?>
 <?mso-contentType ?>
 <FormTemplates xmlns="http://schemas.microsoft.com/sharepoint/v3/contenttype/forms">
@@ -16193,23 +16584,6 @@
 </file>
 
 <file path=customXml/itemProps1.xml><?xml version="1.0" encoding="utf-8"?>
-<ds:datastoreItem xmlns:ds="http://schemas.openxmlformats.org/officeDocument/2006/customXml" ds:itemID="{31AC0F76-AE9B-4667-A98E-3CCAA0CBE60D}">
-  <ds:schemaRefs>
-    <ds:schemaRef ds:uri="35a7d407-6929-460a-a9af-75b798f196f0"/>
-    <ds:schemaRef ds:uri="40b66cc4-7953-4707-b230-f25bbd8af4fd"/>
-    <ds:schemaRef ds:uri="http://schemas.microsoft.com/office/2006/documentManagement/types"/>
-    <ds:schemaRef ds:uri="http://schemas.microsoft.com/office/infopath/2007/PartnerControls"/>
-    <ds:schemaRef ds:uri="http://schemas.openxmlformats.org/package/2006/metadata/core-properties"/>
-    <ds:schemaRef ds:uri="http://www.w3.org/XML/1998/namespace"/>
-    <ds:schemaRef ds:uri="http://purl.org/dc/elements/1.1/"/>
-    <ds:schemaRef ds:uri="http://schemas.microsoft.com/office/2006/metadata/properties"/>
-    <ds:schemaRef ds:uri="http://purl.org/dc/dcmitype/"/>
-    <ds:schemaRef ds:uri="http://purl.org/dc/terms/"/>
-  </ds:schemaRefs>
-</ds:datastoreItem>
-</file>
-
-<file path=customXml/itemProps2.xml><?xml version="1.0" encoding="utf-8"?>
 <ds:datastoreItem xmlns:ds="http://schemas.openxmlformats.org/officeDocument/2006/customXml" ds:itemID="{F9968903-9808-417A-8F20-BE74F5F284CB}">
   <ds:schemaRefs>
     <ds:schemaRef ds:uri="http://schemas.microsoft.com/office/2006/metadata/contentType"/>
@@ -16228,6 +16602,23 @@
 </ds:datastoreItem>
 </file>
 
+<file path=customXml/itemProps2.xml><?xml version="1.0" encoding="utf-8"?>
+<ds:datastoreItem xmlns:ds="http://schemas.openxmlformats.org/officeDocument/2006/customXml" ds:itemID="{31AC0F76-AE9B-4667-A98E-3CCAA0CBE60D}">
+  <ds:schemaRefs>
+    <ds:schemaRef ds:uri="35a7d407-6929-460a-a9af-75b798f196f0"/>
+    <ds:schemaRef ds:uri="40b66cc4-7953-4707-b230-f25bbd8af4fd"/>
+    <ds:schemaRef ds:uri="http://schemas.microsoft.com/office/2006/documentManagement/types"/>
+    <ds:schemaRef ds:uri="http://schemas.microsoft.com/office/infopath/2007/PartnerControls"/>
+    <ds:schemaRef ds:uri="http://schemas.openxmlformats.org/package/2006/metadata/core-properties"/>
+    <ds:schemaRef ds:uri="http://www.w3.org/XML/1998/namespace"/>
+    <ds:schemaRef ds:uri="http://purl.org/dc/elements/1.1/"/>
+    <ds:schemaRef ds:uri="http://schemas.microsoft.com/office/2006/metadata/properties"/>
+    <ds:schemaRef ds:uri="http://purl.org/dc/dcmitype/"/>
+    <ds:schemaRef ds:uri="http://purl.org/dc/terms/"/>
+  </ds:schemaRefs>
+</ds:datastoreItem>
+</file>
+
 <file path=customXml/itemProps3.xml><?xml version="1.0" encoding="utf-8"?>
 <ds:datastoreItem xmlns:ds="http://schemas.openxmlformats.org/officeDocument/2006/customXml" ds:itemID="{EB9C48E2-2A2E-4448-BE7D-BE18CCB71F61}">
   <ds:schemaRefs>
